--- a/Courses/Computer-Modeling-and-IT/Computer-Modeling-and-IT-6-Class/23-Real-Time-Communication-Tools/23-Real-Time-Communication-Tools.pptx
+++ b/Courses/Computer-Modeling-and-IT/Computer-Modeling-and-IT-6-Class/23-Real-Time-Communication-Tools/23-Real-Time-Communication-Tools.pptx
@@ -5,23 +5,27 @@
     <p:sldMasterId id="2147483675" r:id="rId1"/>
   </p:sldMasterIdLst>
   <p:notesMasterIdLst>
-    <p:notesMasterId r:id="rId13"/>
+    <p:notesMasterId r:id="rId17"/>
   </p:notesMasterIdLst>
   <p:handoutMasterIdLst>
-    <p:handoutMasterId r:id="rId14"/>
+    <p:handoutMasterId r:id="rId18"/>
   </p:handoutMasterIdLst>
   <p:sldIdLst>
     <p:sldId id="503" r:id="rId2"/>
     <p:sldId id="276" r:id="rId3"/>
     <p:sldId id="587" r:id="rId4"/>
-    <p:sldId id="588" r:id="rId5"/>
-    <p:sldId id="590" r:id="rId6"/>
-    <p:sldId id="589" r:id="rId7"/>
-    <p:sldId id="591" r:id="rId8"/>
-    <p:sldId id="592" r:id="rId9"/>
-    <p:sldId id="586" r:id="rId10"/>
-    <p:sldId id="504" r:id="rId11"/>
-    <p:sldId id="505" r:id="rId12"/>
+    <p:sldId id="593" r:id="rId5"/>
+    <p:sldId id="588" r:id="rId6"/>
+    <p:sldId id="590" r:id="rId7"/>
+    <p:sldId id="589" r:id="rId8"/>
+    <p:sldId id="591" r:id="rId9"/>
+    <p:sldId id="592" r:id="rId10"/>
+    <p:sldId id="596" r:id="rId11"/>
+    <p:sldId id="594" r:id="rId12"/>
+    <p:sldId id="597" r:id="rId13"/>
+    <p:sldId id="586" r:id="rId14"/>
+    <p:sldId id="504" r:id="rId15"/>
+    <p:sldId id="505" r:id="rId16"/>
   </p:sldIdLst>
   <p:sldSz cx="12192000" cy="6858000"/>
   <p:notesSz cx="6858000" cy="9144000"/>
@@ -132,11 +136,15 @@
         <p14:section name="͏Видове услуги за комуникация в реално време" id="{4A7CF05F-0E87-46D0-ADBC-8A44DFDA05C9}">
           <p14:sldIdLst>
             <p14:sldId id="587"/>
+            <p14:sldId id="593"/>
             <p14:sldId id="588"/>
             <p14:sldId id="590"/>
             <p14:sldId id="589"/>
             <p14:sldId id="591"/>
             <p14:sldId id="592"/>
+            <p14:sldId id="596"/>
+            <p14:sldId id="594"/>
+            <p14:sldId id="597"/>
           </p14:sldIdLst>
         </p14:section>
         <p14:section name="Заключение" id="{E19D07F1-86E2-47E9-B2AB-7ADC4F89DC12}">
@@ -263,7 +271,7 @@
           <a:p>
             <a:fld id="{4E087215-0C8F-4762-A664-737A353EC9A4}" type="datetimeFigureOut">
               <a:rPr lang="bg-BG" smtClean="0"/>
-              <a:t>30.8.2024 г.</a:t>
+              <a:t>31.8.2024 г.</a:t>
             </a:fld>
             <a:endParaRPr lang="bg-BG"/>
           </a:p>
@@ -459,7 +467,7 @@
           <a:p>
             <a:fld id="{72D84649-876A-46C9-8472-14CB09C070D8}" type="datetimeFigureOut">
               <a:rPr lang="en-US" smtClean="0"/>
-              <a:t>8/30/2024</a:t>
+              <a:t>8/31/2024</a:t>
             </a:fld>
             <a:endParaRPr lang="en-US"/>
           </a:p>
@@ -1194,7 +1202,7 @@
           <a:p>
             <a:fld id="{2BF067CD-8E6B-4360-9AA8-C5DF2A48A6D1}" type="slidenum">
               <a:rPr lang="en-US" smtClean="0"/>
-              <a:t>6</a:t>
+              <a:t>7</a:t>
             </a:fld>
             <a:endParaRPr lang="en-US" dirty="0"/>
           </a:p>
@@ -1365,7 +1373,7 @@
             <a:fld id="{3EBA5BD7-F043-4D1B-AA17-CD412FC534DE}" type="slidenum">
               <a:rPr lang="en-US" smtClean="0"/>
               <a:pPr/>
-              <a:t>9</a:t>
+              <a:t>13</a:t>
             </a:fld>
             <a:endParaRPr lang="en-US" dirty="0"/>
           </a:p>
@@ -1556,7 +1564,7 @@
             <a:fld id="{3EBA5BD7-F043-4D1B-AA17-CD412FC534DE}" type="slidenum">
               <a:rPr lang="en-US" smtClean="0"/>
               <a:pPr/>
-              <a:t>10</a:t>
+              <a:t>14</a:t>
             </a:fld>
             <a:endParaRPr lang="en-US" dirty="0"/>
           </a:p>
@@ -1786,7 +1794,7 @@
             <a:fld id="{3EBA5BD7-F043-4D1B-AA17-CD412FC534DE}" type="slidenum">
               <a:rPr lang="en-US" smtClean="0"/>
               <a:pPr/>
-              <a:t>11</a:t>
+              <a:t>15</a:t>
             </a:fld>
             <a:endParaRPr lang="en-US" dirty="0"/>
           </a:p>
@@ -7209,210 +7217,7 @@
       </p:grpSpPr>
       <p:sp>
         <p:nvSpPr>
-          <p:cNvPr id="5" name="Slide Title">
-            <a:extLst>
-              <a:ext uri="{FF2B5EF4-FFF2-40B4-BE49-F238E27FC236}">
-                <a16:creationId xmlns:a16="http://schemas.microsoft.com/office/drawing/2014/main" id="{FA0703FC-0F8F-4C80-A615-E4B381EC0E0C}"/>
-              </a:ext>
-            </a:extLst>
-          </p:cNvPr>
-          <p:cNvSpPr>
-            <a:spLocks noGrp="1"/>
-          </p:cNvSpPr>
-          <p:nvPr>
-            <p:ph type="title"/>
-          </p:nvPr>
-        </p:nvSpPr>
-        <p:spPr/>
-        <p:txBody>
-          <a:bodyPr/>
-          <a:lstStyle/>
-          <a:p>
-            <a:r>
-              <a:rPr lang="bg-BG" dirty="0"/>
-              <a:t>Въпроси</a:t>
-            </a:r>
-            <a:r>
-              <a:rPr lang="en-US" dirty="0"/>
-              <a:t>?</a:t>
-            </a:r>
-          </a:p>
-        </p:txBody>
-      </p:sp>
-      <p:sp>
-        <p:nvSpPr>
-          <p:cNvPr id="2" name="Rectangle Bottom Copyright">
-            <a:extLst>
-              <a:ext uri="{FF2B5EF4-FFF2-40B4-BE49-F238E27FC236}">
-                <a16:creationId xmlns:a16="http://schemas.microsoft.com/office/drawing/2014/main" id="{664812A4-2991-44D1-BFE9-32E55AADF8A5}"/>
-              </a:ext>
-            </a:extLst>
-          </p:cNvPr>
-          <p:cNvSpPr/>
-          <p:nvPr/>
-        </p:nvSpPr>
-        <p:spPr>
-          <a:xfrm>
-            <a:off x="111000" y="6454758"/>
-            <a:ext cx="11970000" cy="304242"/>
-          </a:xfrm>
-          <a:prstGeom prst="rect">
-            <a:avLst/>
-          </a:prstGeom>
-        </p:spPr>
-        <p:txBody>
-          <a:bodyPr wrap="square">
-            <a:noAutofit/>
-          </a:bodyPr>
-          <a:lstStyle/>
-          <a:p>
-            <a:pPr algn="ctr">
-              <a:lnSpc>
-                <a:spcPct val="100000"/>
-              </a:lnSpc>
-              <a:spcBef>
-                <a:spcPts val="0"/>
-              </a:spcBef>
-              <a:spcAft>
-                <a:spcPts val="0"/>
-              </a:spcAft>
-            </a:pPr>
-            <a:r>
-              <a:rPr lang="bg-BG" sz="1600" dirty="0">
-                <a:solidFill>
-                  <a:schemeClr val="bg2"/>
-                </a:solidFill>
-                <a:effectLst/>
-                <a:latin typeface="Calibri" panose="020F0502020204030204" pitchFamily="34" charset="0"/>
-                <a:ea typeface="Calibri" panose="020F0502020204030204" pitchFamily="34" charset="0"/>
-                <a:cs typeface="Arial" panose="020B0604020202020204" pitchFamily="34" charset="0"/>
-              </a:rPr>
-              <a:t>Проект "</a:t>
-            </a:r>
-            <a:r>
-              <a:rPr lang="bg-BG" sz="1600" dirty="0">
-                <a:solidFill>
-                  <a:schemeClr val="bg1">
-                    <a:lumMod val="20000"/>
-                    <a:lumOff val="80000"/>
-                  </a:schemeClr>
-                </a:solidFill>
-                <a:effectLst/>
-                <a:latin typeface="Calibri" panose="020F0502020204030204" pitchFamily="34" charset="0"/>
-                <a:ea typeface="Calibri" panose="020F0502020204030204" pitchFamily="34" charset="0"/>
-                <a:cs typeface="Arial" panose="020B0604020202020204" pitchFamily="34" charset="0"/>
-                <a:hlinkClick r:id="rId3">
-                  <a:extLst>
-                    <a:ext uri="{A12FA001-AC4F-418D-AE19-62706E023703}">
-                      <ahyp:hlinkClr xmlns:ahyp="http://schemas.microsoft.com/office/drawing/2018/hyperlinkcolor" xmlns="" val="tx"/>
-                    </a:ext>
-                  </a:extLst>
-                </a:hlinkClick>
-              </a:rPr>
-              <a:t>Отворено учебно съдържание по програмиране и ИТ</a:t>
-            </a:r>
-            <a:r>
-              <a:rPr lang="bg-BG" sz="1600" dirty="0">
-                <a:solidFill>
-                  <a:schemeClr val="bg2"/>
-                </a:solidFill>
-                <a:effectLst/>
-                <a:latin typeface="Calibri" panose="020F0502020204030204" pitchFamily="34" charset="0"/>
-                <a:ea typeface="Calibri" panose="020F0502020204030204" pitchFamily="34" charset="0"/>
-                <a:cs typeface="Arial" panose="020B0604020202020204" pitchFamily="34" charset="0"/>
-              </a:rPr>
-              <a:t>", СофтУни Фондация (лиценз </a:t>
-            </a:r>
-            <a:r>
-              <a:rPr lang="en-US" sz="1600" dirty="0">
-                <a:solidFill>
-                  <a:schemeClr val="bg2"/>
-                </a:solidFill>
-                <a:effectLst/>
-                <a:latin typeface="Calibri" panose="020F0502020204030204" pitchFamily="34" charset="0"/>
-                <a:ea typeface="Calibri" panose="020F0502020204030204" pitchFamily="34" charset="0"/>
-                <a:cs typeface="Arial" panose="020B0604020202020204" pitchFamily="34" charset="0"/>
-              </a:rPr>
-              <a:t>CC-BY-NC-SA</a:t>
-            </a:r>
-            <a:r>
-              <a:rPr lang="bg-BG" sz="1600" dirty="0">
-                <a:solidFill>
-                  <a:schemeClr val="bg2"/>
-                </a:solidFill>
-                <a:effectLst/>
-                <a:latin typeface="Calibri" panose="020F0502020204030204" pitchFamily="34" charset="0"/>
-                <a:ea typeface="Calibri" panose="020F0502020204030204" pitchFamily="34" charset="0"/>
-                <a:cs typeface="Arial" panose="020B0604020202020204" pitchFamily="34" charset="0"/>
-              </a:rPr>
-              <a:t>)</a:t>
-            </a:r>
-            <a:endParaRPr lang="bg-BG" sz="2400" dirty="0">
-              <a:solidFill>
-                <a:schemeClr val="bg2"/>
-              </a:solidFill>
-              <a:effectLst/>
-              <a:latin typeface="Calibri" panose="020F0502020204030204" pitchFamily="34" charset="0"/>
-              <a:ea typeface="Calibri" panose="020F0502020204030204" pitchFamily="34" charset="0"/>
-              <a:cs typeface="Arial" panose="020B0604020202020204" pitchFamily="34" charset="0"/>
-            </a:endParaRPr>
-          </a:p>
-        </p:txBody>
-      </p:sp>
-    </p:spTree>
-    <p:extLst>
-      <p:ext uri="{BB962C8B-B14F-4D97-AF65-F5344CB8AC3E}">
-        <p14:creationId xmlns:p14="http://schemas.microsoft.com/office/powerpoint/2010/main" val="1472534970"/>
-      </p:ext>
-    </p:extLst>
-  </p:cSld>
-  <p:clrMapOvr>
-    <a:masterClrMapping/>
-  </p:clrMapOvr>
-  <mc:AlternateContent xmlns:mc="http://schemas.openxmlformats.org/markup-compatibility/2006" xmlns:p14="http://schemas.microsoft.com/office/powerpoint/2010/main">
-    <mc:Choice Requires="p14">
-      <p:transition spd="slow" p14:dur="2000" advClick="0" advTm="5000"/>
-    </mc:Choice>
-    <mc:Fallback xmlns="">
-      <p:transition spd="slow" advClick="0" advTm="5000"/>
-    </mc:Fallback>
-  </mc:AlternateContent>
-  <p:timing>
-    <p:tnLst>
-      <p:par>
-        <p:cTn id="1" dur="indefinite" restart="never" nodeType="tmRoot"/>
-      </p:par>
-    </p:tnLst>
-  </p:timing>
-</p:sld>
-</file>
-
-<file path=ppt/slides/slide11.xml><?xml version="1.0" encoding="utf-8"?>
-<p:sld xmlns:a="http://schemas.openxmlformats.org/drawingml/2006/main" xmlns:r="http://schemas.openxmlformats.org/officeDocument/2006/relationships" xmlns:p="http://schemas.openxmlformats.org/presentationml/2006/main" show="0">
-  <p:cSld>
-    <p:spTree>
-      <p:nvGrpSpPr>
-        <p:cNvPr id="1" name=""/>
-        <p:cNvGrpSpPr/>
-        <p:nvPr/>
-      </p:nvGrpSpPr>
-      <p:grpSpPr>
-        <a:xfrm>
-          <a:off x="0" y="0"/>
-          <a:ext cx="0" cy="0"/>
-          <a:chOff x="0" y="0"/>
-          <a:chExt cx="0" cy="0"/>
-        </a:xfrm>
-      </p:grpSpPr>
-      <p:sp>
-        <p:nvSpPr>
-          <p:cNvPr id="5" name="Slide Number">
-            <a:extLst>
-              <a:ext uri="{FF2B5EF4-FFF2-40B4-BE49-F238E27FC236}">
-                <a16:creationId xmlns:a16="http://schemas.microsoft.com/office/drawing/2014/main" id="{F48C3C93-90A1-4D31-BEA6-B54D1106CE31}"/>
-              </a:ext>
-            </a:extLst>
-          </p:cNvPr>
+          <p:cNvPr id="2" name="Slide Number Placeholder 1"/>
           <p:cNvSpPr>
             <a:spLocks noGrp="1"/>
           </p:cNvSpPr>
@@ -7420,41 +7225,23 @@
             <p:ph type="sldNum" sz="quarter" idx="5"/>
           </p:nvPr>
         </p:nvSpPr>
-        <p:spPr>
-          <a:xfrm>
-            <a:off x="11753030" y="6507000"/>
-            <a:ext cx="367414" cy="297000"/>
-          </a:xfrm>
-          <a:prstGeom prst="rect">
-            <a:avLst/>
-          </a:prstGeom>
-        </p:spPr>
+        <p:spPr/>
         <p:txBody>
-          <a:bodyPr vert="horz" lIns="91440" tIns="45720" rIns="91440" bIns="45720" rtlCol="0" anchor="b"/>
-          <a:lstStyle>
-            <a:lvl1pPr algn="r">
-              <a:defRPr sz="1000"/>
-            </a:lvl1pPr>
-          </a:lstStyle>
+          <a:bodyPr/>
+          <a:lstStyle/>
           <a:p>
             <a:fld id="{2BF067CD-8E6B-4360-9AA8-C5DF2A48A6D1}" type="slidenum">
-              <a:rPr lang="en-US" smtClean="0"/>
+              <a:rPr lang="en-US" noProof="0" smtClean="0"/>
               <a:pPr/>
-              <a:t>11</a:t>
+              <a:t>10</a:t>
             </a:fld>
-            <a:endParaRPr lang="en-US" dirty="0"/>
+            <a:endParaRPr lang="en-US" noProof="0" dirty="0"/>
           </a:p>
         </p:txBody>
       </p:sp>
       <p:sp>
         <p:nvSpPr>
-          <p:cNvPr id="2" name="Slide Body">
-            <a:extLst>
-              <a:ext uri="{FF2B5EF4-FFF2-40B4-BE49-F238E27FC236}">
-                <a16:creationId xmlns:a16="http://schemas.microsoft.com/office/drawing/2014/main" id="{980F49B1-E4BE-4389-A747-7AB9B71AD920}"/>
-              </a:ext>
-            </a:extLst>
-          </p:cNvPr>
+          <p:cNvPr id="3" name="Text Placeholder 2"/>
           <p:cNvSpPr>
             <a:spLocks noGrp="1"/>
           </p:cNvSpPr>
@@ -7462,950 +7249,76 @@
             <p:ph type="body" sz="quarter" idx="10"/>
           </p:nvPr>
         </p:nvSpPr>
-        <p:spPr>
-          <a:xfrm>
-            <a:off x="190402" y="1269001"/>
-            <a:ext cx="9865598" cy="2474999"/>
-          </a:xfrm>
-        </p:spPr>
-        <p:txBody>
-          <a:bodyPr>
-            <a:normAutofit/>
-          </a:bodyPr>
-          <a:lstStyle/>
-          <a:p>
-            <a:pPr>
-              <a:lnSpc>
-                <a:spcPct val="120000"/>
-              </a:lnSpc>
-            </a:pPr>
-            <a:r>
-              <a:rPr lang="bg-BG" sz="3200" dirty="0"/>
-              <a:t>Този курс</a:t>
-            </a:r>
-            <a:r>
-              <a:rPr lang="en-US" sz="3200" dirty="0"/>
-              <a:t> (</a:t>
-            </a:r>
-            <a:r>
-              <a:rPr lang="bg-BG" sz="3200" dirty="0"/>
-              <a:t>презентации, примери, демонстрационен код, упражнения, домашни, видео и други активи</a:t>
-            </a:r>
-            <a:r>
-              <a:rPr lang="en-US" sz="3200" dirty="0"/>
-              <a:t>) </a:t>
-            </a:r>
-            <a:r>
-              <a:rPr lang="bg-BG" sz="3200" dirty="0"/>
-              <a:t>представлява</a:t>
-            </a:r>
-            <a:r>
-              <a:rPr lang="en-US" sz="3200" dirty="0"/>
-              <a:t> </a:t>
-            </a:r>
-            <a:r>
-              <a:rPr lang="bg-BG" sz="3200" b="1" dirty="0"/>
-              <a:t>свободно учебно съдържание </a:t>
-            </a:r>
-            <a:r>
-              <a:rPr lang="bg-BG" sz="3200" dirty="0"/>
-              <a:t>и се разпространява под свободен лиценз </a:t>
-            </a:r>
-            <a:r>
-              <a:rPr lang="en-US" sz="3200" b="1" dirty="0"/>
-              <a:t>CC-BY-NC-SA</a:t>
-            </a:r>
-            <a:endParaRPr lang="bg-BG" sz="3200" dirty="0"/>
-          </a:p>
-        </p:txBody>
-      </p:sp>
-      <p:pic>
-        <p:nvPicPr>
-          <p:cNvPr id="6" name="Picture License" descr="License">
-            <a:extLst>
-              <a:ext uri="{FF2B5EF4-FFF2-40B4-BE49-F238E27FC236}">
-                <a16:creationId xmlns:a16="http://schemas.microsoft.com/office/drawing/2014/main" id="{82BA520F-A037-4E01-AA18-27D9F1E930A6}"/>
-              </a:ext>
-            </a:extLst>
-          </p:cNvPr>
-          <p:cNvPicPr>
-            <a:picLocks noChangeAspect="1"/>
-          </p:cNvPicPr>
-          <p:nvPr/>
-        </p:nvPicPr>
-        <p:blipFill>
-          <a:blip r:embed="rId3">
-            <a:clrChange>
-              <a:clrFrom>
-                <a:srgbClr val="FFFFFF"/>
-              </a:clrFrom>
-              <a:clrTo>
-                <a:srgbClr val="FFFFFF">
-                  <a:alpha val="0"/>
-                </a:srgbClr>
-              </a:clrTo>
-            </a:clrChange>
-          </a:blip>
-          <a:stretch>
-            <a:fillRect/>
-          </a:stretch>
-        </p:blipFill>
-        <p:spPr>
-          <a:xfrm>
-            <a:off x="10226175" y="1440120"/>
-            <a:ext cx="1198986" cy="1268880"/>
-          </a:xfrm>
-          <a:prstGeom prst="rect">
-            <a:avLst/>
-          </a:prstGeom>
-        </p:spPr>
-      </p:pic>
-      <p:sp>
-        <p:nvSpPr>
-          <p:cNvPr id="3" name="Slide Title">
-            <a:extLst>
-              <a:ext uri="{FF2B5EF4-FFF2-40B4-BE49-F238E27FC236}">
-                <a16:creationId xmlns:a16="http://schemas.microsoft.com/office/drawing/2014/main" id="{E5F1FB41-80C3-4816-BC47-CCC50632E6E8}"/>
-              </a:ext>
-            </a:extLst>
-          </p:cNvPr>
-          <p:cNvSpPr>
-            <a:spLocks noGrp="1"/>
-          </p:cNvSpPr>
-          <p:nvPr>
-            <p:ph type="title"/>
-          </p:nvPr>
-        </p:nvSpPr>
         <p:spPr/>
         <p:txBody>
           <a:bodyPr/>
           <a:lstStyle/>
           <a:p>
             <a:r>
+              <a:rPr lang="bg-BG" b="1" dirty="0"/>
+              <a:t>Най-известните програми</a:t>
+            </a:r>
+            <a:r>
               <a:rPr lang="bg-BG" dirty="0"/>
-              <a:t>Лиценз</a:t>
-            </a:r>
-          </a:p>
-        </p:txBody>
-      </p:sp>
-      <p:sp>
-        <p:nvSpPr>
-          <p:cNvPr id="11" name="TextBox 10">
-            <a:extLst>
-              <a:ext uri="{FF2B5EF4-FFF2-40B4-BE49-F238E27FC236}">
-                <a16:creationId xmlns:a16="http://schemas.microsoft.com/office/drawing/2014/main" id="{0C18DF19-B750-4C88-975B-661A6BF61F5E}"/>
-              </a:ext>
-            </a:extLst>
-          </p:cNvPr>
-          <p:cNvSpPr txBox="1"/>
-          <p:nvPr/>
-        </p:nvSpPr>
-        <p:spPr>
-          <a:xfrm>
-            <a:off x="190401" y="3927519"/>
-            <a:ext cx="11710599" cy="1979644"/>
-          </a:xfrm>
-          <a:prstGeom prst="rect">
-            <a:avLst/>
-          </a:prstGeom>
-          <a:noFill/>
-          <a:ln w="12700">
-            <a:noFill/>
-          </a:ln>
-        </p:spPr>
-        <p:txBody>
-          <a:bodyPr wrap="square">
-            <a:spAutoFit/>
-          </a:bodyPr>
-          <a:lstStyle/>
-          <a:p>
-            <a:pPr marL="360363" indent="-360363" defTabSz="1218438">
-              <a:lnSpc>
-                <a:spcPct val="120000"/>
-              </a:lnSpc>
-              <a:spcBef>
-                <a:spcPts val="600"/>
-              </a:spcBef>
-              <a:spcAft>
-                <a:spcPts val="600"/>
-              </a:spcAft>
-              <a:buFont typeface="Wingdings" panose="05000000000000000000" pitchFamily="2" charset="2"/>
-              <a:buChar char="§"/>
-              <a:defRPr/>
-            </a:pPr>
-            <a:r>
-              <a:rPr lang="bg-BG" sz="3200" dirty="0"/>
-              <a:t>Проект "</a:t>
-            </a:r>
-            <a:r>
-              <a:rPr lang="bg-BG" sz="3200" b="1" dirty="0"/>
-              <a:t>Отворено учебно съдържание по програмиране и ИТ</a:t>
-            </a:r>
-            <a:r>
-              <a:rPr lang="bg-BG" sz="3200" dirty="0"/>
-              <a:t>" към Фондация "Софтуерен университет"</a:t>
-            </a:r>
-            <a:r>
-              <a:rPr lang="en-US" sz="3200" dirty="0"/>
+              <a:t>, които използват </a:t>
+            </a:r>
+            <a:r>
+              <a:rPr lang="en-US" b="1" dirty="0" smtClean="0"/>
+              <a:t>VoIP</a:t>
+            </a:r>
+            <a:r>
+              <a:rPr lang="en-US" dirty="0" smtClean="0"/>
+              <a:t>/</a:t>
+            </a:r>
+            <a:r>
+              <a:rPr lang="en-US" b="1" dirty="0" smtClean="0"/>
+              <a:t>mVoIP</a:t>
+            </a:r>
+            <a:r>
+              <a:rPr lang="en-US" dirty="0" smtClean="0"/>
+              <a:t> </a:t>
+            </a:r>
+            <a:r>
+              <a:rPr lang="bg-BG" dirty="0"/>
+              <a:t>са</a:t>
+            </a:r>
+            <a:r>
+              <a:rPr lang="bg-BG" dirty="0" smtClean="0"/>
               <a:t>:</a:t>
             </a:r>
-            <a:endParaRPr lang="bg-BG" sz="3200" dirty="0"/>
-          </a:p>
-          <a:p>
-            <a:pPr marL="817563" lvl="1" indent="-360363" defTabSz="1218438">
-              <a:lnSpc>
-                <a:spcPct val="120000"/>
-              </a:lnSpc>
-              <a:spcBef>
-                <a:spcPts val="600"/>
-              </a:spcBef>
-              <a:spcAft>
-                <a:spcPts val="600"/>
-              </a:spcAft>
-              <a:buFont typeface="Wingdings" panose="05000000000000000000" pitchFamily="2" charset="2"/>
-              <a:buChar char="§"/>
-              <a:defRPr/>
-            </a:pPr>
-            <a:r>
-              <a:rPr kumimoji="0" lang="en-US" sz="3200" b="0" i="0" u="none" strike="noStrike" kern="1200" cap="none" spc="0" normalizeH="0" baseline="0" noProof="0" dirty="0">
-                <a:ln>
-                  <a:noFill/>
-                </a:ln>
-                <a:solidFill>
-                  <a:srgbClr val="234465"/>
-                </a:solidFill>
-                <a:effectLst/>
-                <a:uLnTx/>
-                <a:uFillTx/>
-                <a:latin typeface="Calibri"/>
-                <a:ea typeface="+mn-ea"/>
-                <a:cs typeface="+mn-cs"/>
-                <a:hlinkClick r:id="rId4"/>
-              </a:rPr>
-              <a:t>https://github.com/BG-IT-Edu</a:t>
-            </a:r>
-            <a:endParaRPr kumimoji="0" lang="bg-BG" sz="3200" b="0" i="0" u="none" strike="noStrike" kern="1200" cap="none" spc="0" normalizeH="0" baseline="0" noProof="0" dirty="0">
-              <a:ln>
-                <a:noFill/>
-              </a:ln>
-              <a:solidFill>
-                <a:srgbClr val="234465"/>
-              </a:solidFill>
-              <a:effectLst/>
-              <a:uLnTx/>
-              <a:uFillTx/>
-              <a:latin typeface="Calibri"/>
-              <a:ea typeface="+mn-ea"/>
-              <a:cs typeface="+mn-cs"/>
-            </a:endParaRPr>
-          </a:p>
-        </p:txBody>
-      </p:sp>
-      <p:pic>
-        <p:nvPicPr>
-          <p:cNvPr id="7" name="Picture 6" title="CC-BY-NC-SA License">
-            <a:hlinkClick r:id="rId5" tooltip="This work is licensed under the &quot;Creative Commons Attribution-NonCommercial-ShareAlike 4.0 International&quot; license"/>
-            <a:extLst>
-              <a:ext uri="{FF2B5EF4-FFF2-40B4-BE49-F238E27FC236}">
-                <a16:creationId xmlns:a16="http://schemas.microsoft.com/office/drawing/2014/main" id="{F6C77C47-F7D8-A176-5C69-7FDE5C7E8003}"/>
-              </a:ext>
-            </a:extLst>
-          </p:cNvPr>
-          <p:cNvPicPr>
-            <a:picLocks noChangeAspect="1" noChangeArrowheads="1"/>
-          </p:cNvPicPr>
-          <p:nvPr/>
-        </p:nvPicPr>
-        <p:blipFill>
-          <a:blip r:embed="rId6">
-            <a:extLst>
-              <a:ext uri="{28A0092B-C50C-407E-A947-70E740481C1C}">
-                <a14:useLocalDpi xmlns:a14="http://schemas.microsoft.com/office/drawing/2010/main"/>
-              </a:ext>
-            </a:extLst>
-          </a:blip>
-          <a:srcRect/>
-          <a:stretch>
-            <a:fillRect/>
-          </a:stretch>
-        </p:blipFill>
-        <p:spPr bwMode="auto">
-          <a:xfrm>
-            <a:off x="9831000" y="2908593"/>
-            <a:ext cx="1989336" cy="696022"/>
-          </a:xfrm>
-          <a:prstGeom prst="roundRect">
-            <a:avLst>
-              <a:gd name="adj" fmla="val 3940"/>
-            </a:avLst>
-          </a:prstGeom>
-          <a:solidFill>
-            <a:srgbClr val="231F20">
-              <a:alpha val="50000"/>
-            </a:srgbClr>
-          </a:solidFill>
-          <a:ln>
-            <a:noFill/>
-          </a:ln>
-        </p:spPr>
-      </p:pic>
-    </p:spTree>
-    <p:extLst>
-      <p:ext uri="{BB962C8B-B14F-4D97-AF65-F5344CB8AC3E}">
-        <p14:creationId xmlns:p14="http://schemas.microsoft.com/office/powerpoint/2010/main" val="3879276042"/>
-      </p:ext>
-    </p:extLst>
-  </p:cSld>
-  <p:clrMapOvr>
-    <a:masterClrMapping/>
-  </p:clrMapOvr>
-  <mc:AlternateContent xmlns:mc="http://schemas.openxmlformats.org/markup-compatibility/2006" xmlns:p14="http://schemas.microsoft.com/office/powerpoint/2010/main">
-    <mc:Choice Requires="p14">
-      <p:transition spd="slow" p14:dur="2000" advClick="0" advTm="5000"/>
-    </mc:Choice>
-    <mc:Fallback xmlns="">
-      <p:transition spd="slow" advClick="0" advTm="5000"/>
-    </mc:Fallback>
-  </mc:AlternateContent>
-</p:sld>
-</file>
-
-<file path=ppt/slides/slide2.xml><?xml version="1.0" encoding="utf-8"?>
-<p:sld xmlns:a="http://schemas.openxmlformats.org/drawingml/2006/main" xmlns:r="http://schemas.openxmlformats.org/officeDocument/2006/relationships" xmlns:p="http://schemas.openxmlformats.org/presentationml/2006/main">
-  <p:cSld>
-    <p:spTree>
-      <p:nvGrpSpPr>
-        <p:cNvPr id="1" name=""/>
-        <p:cNvGrpSpPr/>
-        <p:nvPr/>
-      </p:nvGrpSpPr>
-      <p:grpSpPr>
-        <a:xfrm>
-          <a:off x="0" y="0"/>
-          <a:ext cx="0" cy="0"/>
-          <a:chOff x="0" y="0"/>
-          <a:chExt cx="0" cy="0"/>
-        </a:xfrm>
-      </p:grpSpPr>
-      <p:sp>
-        <p:nvSpPr>
-          <p:cNvPr id="5" name="Slide Number">
-            <a:extLst>
-              <a:ext uri="{FF2B5EF4-FFF2-40B4-BE49-F238E27FC236}">
-                <a16:creationId xmlns:a16="http://schemas.microsoft.com/office/drawing/2014/main" id="{6A760D59-0056-4F39-B077-DBDBE3D2927E}"/>
-              </a:ext>
-            </a:extLst>
-          </p:cNvPr>
-          <p:cNvSpPr txBox="1">
-            <a:spLocks/>
-          </p:cNvSpPr>
-          <p:nvPr/>
-        </p:nvSpPr>
-        <p:spPr>
-          <a:xfrm>
-            <a:off x="11753030" y="6507000"/>
-            <a:ext cx="367414" cy="297000"/>
-          </a:xfrm>
-          <a:prstGeom prst="rect">
-            <a:avLst/>
-          </a:prstGeom>
-        </p:spPr>
-        <p:txBody>
-          <a:bodyPr vert="horz" lIns="91440" tIns="45720" rIns="91440" bIns="45720" rtlCol="0" anchor="b"/>
-          <a:lstStyle>
-            <a:defPPr>
-              <a:defRPr lang="en-US"/>
-            </a:defPPr>
-            <a:lvl1pPr marL="0" algn="r" defTabSz="914400" rtl="0" eaLnBrk="1" latinLnBrk="0" hangingPunct="1">
-              <a:defRPr sz="1000" kern="1200">
-                <a:solidFill>
-                  <a:schemeClr val="tx1"/>
-                </a:solidFill>
-                <a:latin typeface="+mn-lt"/>
-                <a:ea typeface="+mn-ea"/>
-                <a:cs typeface="+mn-cs"/>
-              </a:defRPr>
-            </a:lvl1pPr>
-            <a:lvl2pPr marL="457200" algn="l" defTabSz="914400" rtl="0" eaLnBrk="1" latinLnBrk="0" hangingPunct="1">
-              <a:defRPr sz="1800" kern="1200">
-                <a:solidFill>
-                  <a:schemeClr val="tx1"/>
-                </a:solidFill>
-                <a:latin typeface="+mn-lt"/>
-                <a:ea typeface="+mn-ea"/>
-                <a:cs typeface="+mn-cs"/>
-              </a:defRPr>
-            </a:lvl2pPr>
-            <a:lvl3pPr marL="914400" algn="l" defTabSz="914400" rtl="0" eaLnBrk="1" latinLnBrk="0" hangingPunct="1">
-              <a:defRPr sz="1800" kern="1200">
-                <a:solidFill>
-                  <a:schemeClr val="tx1"/>
-                </a:solidFill>
-                <a:latin typeface="+mn-lt"/>
-                <a:ea typeface="+mn-ea"/>
-                <a:cs typeface="+mn-cs"/>
-              </a:defRPr>
-            </a:lvl3pPr>
-            <a:lvl4pPr marL="1371600" algn="l" defTabSz="914400" rtl="0" eaLnBrk="1" latinLnBrk="0" hangingPunct="1">
-              <a:defRPr sz="1800" kern="1200">
-                <a:solidFill>
-                  <a:schemeClr val="tx1"/>
-                </a:solidFill>
-                <a:latin typeface="+mn-lt"/>
-                <a:ea typeface="+mn-ea"/>
-                <a:cs typeface="+mn-cs"/>
-              </a:defRPr>
-            </a:lvl4pPr>
-            <a:lvl5pPr marL="1828800" algn="l" defTabSz="914400" rtl="0" eaLnBrk="1" latinLnBrk="0" hangingPunct="1">
-              <a:defRPr sz="1800" kern="1200">
-                <a:solidFill>
-                  <a:schemeClr val="tx1"/>
-                </a:solidFill>
-                <a:latin typeface="+mn-lt"/>
-                <a:ea typeface="+mn-ea"/>
-                <a:cs typeface="+mn-cs"/>
-              </a:defRPr>
-            </a:lvl5pPr>
-            <a:lvl6pPr marL="2286000" algn="l" defTabSz="914400" rtl="0" eaLnBrk="1" latinLnBrk="0" hangingPunct="1">
-              <a:defRPr sz="1800" kern="1200">
-                <a:solidFill>
-                  <a:schemeClr val="tx1"/>
-                </a:solidFill>
-                <a:latin typeface="+mn-lt"/>
-                <a:ea typeface="+mn-ea"/>
-                <a:cs typeface="+mn-cs"/>
-              </a:defRPr>
-            </a:lvl6pPr>
-            <a:lvl7pPr marL="2743200" algn="l" defTabSz="914400" rtl="0" eaLnBrk="1" latinLnBrk="0" hangingPunct="1">
-              <a:defRPr sz="1800" kern="1200">
-                <a:solidFill>
-                  <a:schemeClr val="tx1"/>
-                </a:solidFill>
-                <a:latin typeface="+mn-lt"/>
-                <a:ea typeface="+mn-ea"/>
-                <a:cs typeface="+mn-cs"/>
-              </a:defRPr>
-            </a:lvl7pPr>
-            <a:lvl8pPr marL="3200400" algn="l" defTabSz="914400" rtl="0" eaLnBrk="1" latinLnBrk="0" hangingPunct="1">
-              <a:defRPr sz="1800" kern="1200">
-                <a:solidFill>
-                  <a:schemeClr val="tx1"/>
-                </a:solidFill>
-                <a:latin typeface="+mn-lt"/>
-                <a:ea typeface="+mn-ea"/>
-                <a:cs typeface="+mn-cs"/>
-              </a:defRPr>
-            </a:lvl8pPr>
-            <a:lvl9pPr marL="3657600" algn="l" defTabSz="914400" rtl="0" eaLnBrk="1" latinLnBrk="0" hangingPunct="1">
-              <a:defRPr sz="1800" kern="1200">
-                <a:solidFill>
-                  <a:schemeClr val="tx1"/>
-                </a:solidFill>
-                <a:latin typeface="+mn-lt"/>
-                <a:ea typeface="+mn-ea"/>
-                <a:cs typeface="+mn-cs"/>
-              </a:defRPr>
-            </a:lvl9pPr>
-          </a:lstStyle>
-          <a:p>
-            <a:fld id="{2BF067CD-8E6B-4360-9AA8-C5DF2A48A6D1}" type="slidenum">
-              <a:rPr lang="en-US" smtClean="0"/>
-              <a:pPr/>
-              <a:t>2</a:t>
-            </a:fld>
-            <a:endParaRPr lang="en-US" dirty="0"/>
-          </a:p>
-        </p:txBody>
-      </p:sp>
-      <p:sp>
-        <p:nvSpPr>
-          <p:cNvPr id="444419" name="Slide Body"/>
-          <p:cNvSpPr>
-            <a:spLocks noGrp="1" noChangeArrowheads="1"/>
-          </p:cNvSpPr>
-          <p:nvPr>
-            <p:ph type="body" sz="quarter" idx="13"/>
-          </p:nvPr>
-        </p:nvSpPr>
-        <p:spPr>
-          <a:xfrm>
-            <a:off x="196766" y="1371604"/>
-            <a:ext cx="8014234" cy="5207396"/>
-          </a:xfrm>
-        </p:spPr>
-        <p:txBody>
-          <a:bodyPr/>
-          <a:lstStyle/>
-          <a:p>
-            <a:r>
-              <a:rPr lang="bg-BG" dirty="0" smtClean="0"/>
-              <a:t>͏</a:t>
-            </a:r>
-            <a:r>
-              <a:rPr lang="bg-BG" dirty="0" smtClean="0"/>
-              <a:t>Видове </a:t>
-            </a:r>
-            <a:r>
-              <a:rPr lang="bg-BG" b="1" dirty="0" smtClean="0"/>
-              <a:t>услуги</a:t>
-            </a:r>
-            <a:r>
-              <a:rPr lang="bg-BG" dirty="0" smtClean="0"/>
-              <a:t> за </a:t>
-            </a:r>
-            <a:r>
-              <a:rPr lang="bg-BG" b="1" dirty="0" smtClean="0"/>
-              <a:t>комуникация</a:t>
-            </a:r>
-            <a:r>
-              <a:rPr lang="bg-BG" dirty="0" smtClean="0"/>
-              <a:t> в </a:t>
-            </a:r>
-            <a:r>
-              <a:rPr lang="bg-BG" b="1" dirty="0" smtClean="0"/>
-              <a:t>реално време</a:t>
-            </a:r>
-          </a:p>
-          <a:p>
+            <a:endParaRPr lang="en-US" dirty="0" smtClean="0"/>
+          </a:p>
+          <a:p>
+            <a:pPr lvl="1"/>
             <a:r>
               <a:rPr lang="en-US" dirty="0" smtClean="0"/>
-              <a:t>͏</a:t>
-            </a:r>
-            <a:r>
-              <a:rPr lang="en-US" b="1" dirty="0" smtClean="0">
-                <a:solidFill>
-                  <a:schemeClr val="bg1"/>
-                </a:solidFill>
-              </a:rPr>
-              <a:t>Discord</a:t>
-            </a:r>
-          </a:p>
-          <a:p>
-            <a:r>
-              <a:rPr lang="bg-BG" dirty="0" smtClean="0"/>
-              <a:t>͏Създаване на </a:t>
-            </a:r>
-            <a:r>
-              <a:rPr lang="bg-BG" b="1" dirty="0" smtClean="0"/>
-              <a:t>профил</a:t>
-            </a:r>
-            <a:r>
-              <a:rPr lang="bg-BG" dirty="0" smtClean="0"/>
-              <a:t> в </a:t>
-            </a:r>
-            <a:r>
-              <a:rPr lang="en-US" b="1" dirty="0" smtClean="0"/>
-              <a:t>Discord</a:t>
-            </a:r>
-          </a:p>
-          <a:p>
-            <a:r>
-              <a:rPr lang="bg-BG" dirty="0" smtClean="0"/>
-              <a:t>͏</a:t>
-            </a:r>
-            <a:r>
-              <a:rPr lang="bg-BG" b="1" dirty="0" smtClean="0"/>
-              <a:t>Работа</a:t>
-            </a:r>
-            <a:r>
-              <a:rPr lang="bg-BG" dirty="0" smtClean="0"/>
-              <a:t> с </a:t>
-            </a:r>
+              <a:t>Skype</a:t>
+            </a:r>
+          </a:p>
+          <a:p>
+            <a:pPr lvl="1"/>
+            <a:r>
+              <a:rPr lang="en-US" dirty="0" smtClean="0"/>
+              <a:t>Viber</a:t>
+            </a:r>
+          </a:p>
+          <a:p>
+            <a:pPr lvl="1"/>
+            <a:r>
+              <a:rPr lang="en-US" dirty="0" smtClean="0"/>
+              <a:t>Facebook Messenger</a:t>
+            </a:r>
+          </a:p>
+          <a:p>
+            <a:pPr lvl="1"/>
             <a:r>
               <a:rPr lang="en-US" dirty="0" smtClean="0"/>
               <a:t>Discord</a:t>
             </a:r>
-          </a:p>
-          <a:p>
-            <a:r>
-              <a:rPr lang="bg-BG" dirty="0" smtClean="0"/>
-              <a:t>Правила за </a:t>
-            </a:r>
-            <a:r>
-              <a:rPr lang="bg-BG" b="1" dirty="0" smtClean="0"/>
-              <a:t>сигурност</a:t>
-            </a:r>
-            <a:r>
-              <a:rPr lang="bg-BG" dirty="0" smtClean="0"/>
-              <a:t> в </a:t>
-            </a:r>
-            <a:r>
-              <a:rPr lang="bg-BG" b="1" dirty="0" smtClean="0"/>
-              <a:t>интернет</a:t>
-            </a:r>
-            <a:endParaRPr lang="bg-BG" b="1" dirty="0" smtClean="0"/>
-          </a:p>
-        </p:txBody>
-      </p:sp>
-      <p:sp>
-        <p:nvSpPr>
-          <p:cNvPr id="444418" name="Slide Title"/>
-          <p:cNvSpPr>
-            <a:spLocks noGrp="1" noChangeArrowheads="1"/>
-          </p:cNvSpPr>
-          <p:nvPr>
-            <p:ph type="title"/>
-          </p:nvPr>
-        </p:nvSpPr>
-        <p:spPr>
-          <a:xfrm>
-            <a:off x="190406" y="100750"/>
-            <a:ext cx="10270594" cy="882654"/>
-          </a:xfrm>
-        </p:spPr>
-        <p:txBody>
-          <a:bodyPr/>
-          <a:lstStyle/>
-          <a:p>
-            <a:r>
-              <a:rPr lang="bg-BG"/>
-              <a:t>Съдържание</a:t>
-            </a:r>
             <a:endParaRPr lang="bg-BG" dirty="0"/>
           </a:p>
-        </p:txBody>
-      </p:sp>
-      <p:pic>
-        <p:nvPicPr>
-          <p:cNvPr id="4" name="Picture 3">
-            <a:extLst>
-              <a:ext uri="{FF2B5EF4-FFF2-40B4-BE49-F238E27FC236}">
-                <a16:creationId xmlns:a16="http://schemas.microsoft.com/office/drawing/2014/main" id="{8835CDFB-0E94-0132-177D-CD4B4F85BF89}"/>
-              </a:ext>
-            </a:extLst>
-          </p:cNvPr>
-          <p:cNvPicPr>
-            <a:picLocks noChangeAspect="1"/>
-          </p:cNvPicPr>
-          <p:nvPr/>
-        </p:nvPicPr>
-        <p:blipFill>
-          <a:blip r:embed="rId3">
-            <a:duotone>
-              <a:prstClr val="black"/>
-              <a:schemeClr val="accent1">
-                <a:tint val="45000"/>
-                <a:satMod val="400000"/>
-              </a:schemeClr>
-            </a:duotone>
-            <a:extLst>
-              <a:ext uri="{BEBA8EAE-BF5A-486C-A8C5-ECC9F3942E4B}">
-                <a14:imgProps xmlns:a14="http://schemas.microsoft.com/office/drawing/2010/main">
-                  <a14:imgLayer r:embed="rId4">
-                    <a14:imgEffect>
-                      <a14:brightnessContrast bright="30000"/>
-                    </a14:imgEffect>
-                  </a14:imgLayer>
-                </a14:imgProps>
-              </a:ext>
-            </a:extLst>
-          </a:blip>
-          <a:stretch>
-            <a:fillRect/>
-          </a:stretch>
-        </p:blipFill>
-        <p:spPr>
-          <a:xfrm>
-            <a:off x="10011000" y="1584000"/>
-            <a:ext cx="1581246" cy="2115000"/>
-          </a:xfrm>
-          <a:prstGeom prst="rect">
-            <a:avLst/>
-          </a:prstGeom>
-        </p:spPr>
-      </p:pic>
-    </p:spTree>
-    <p:extLst>
-      <p:ext uri="{BB962C8B-B14F-4D97-AF65-F5344CB8AC3E}">
-        <p14:creationId xmlns:p14="http://schemas.microsoft.com/office/powerpoint/2010/main" val="1646986932"/>
-      </p:ext>
-    </p:extLst>
-  </p:cSld>
-  <p:clrMapOvr>
-    <a:masterClrMapping/>
-  </p:clrMapOvr>
-  <mc:AlternateContent xmlns:mc="http://schemas.openxmlformats.org/markup-compatibility/2006" xmlns:p14="http://schemas.microsoft.com/office/powerpoint/2010/main">
-    <mc:Choice Requires="p14">
-      <p:transition spd="slow" p14:dur="2000" advClick="0" advTm="5000"/>
-    </mc:Choice>
-    <mc:Fallback xmlns="">
-      <p:transition spd="slow" advClick="0" advTm="5000"/>
-    </mc:Fallback>
-  </mc:AlternateContent>
-  <p:timing>
-    <p:tnLst>
-      <p:par>
-        <p:cTn id="1" dur="indefinite" restart="never" nodeType="tmRoot"/>
-      </p:par>
-    </p:tnLst>
-  </p:timing>
-</p:sld>
-</file>
-
-<file path=ppt/slides/slide3.xml><?xml version="1.0" encoding="utf-8"?>
-<p:sld xmlns:a="http://schemas.openxmlformats.org/drawingml/2006/main" xmlns:r="http://schemas.openxmlformats.org/officeDocument/2006/relationships" xmlns:p="http://schemas.openxmlformats.org/presentationml/2006/main">
-  <p:cSld>
-    <p:spTree>
-      <p:nvGrpSpPr>
-        <p:cNvPr id="1" name=""/>
-        <p:cNvGrpSpPr/>
-        <p:nvPr/>
-      </p:nvGrpSpPr>
-      <p:grpSpPr>
-        <a:xfrm>
-          <a:off x="0" y="0"/>
-          <a:ext cx="0" cy="0"/>
-          <a:chOff x="0" y="0"/>
-          <a:chExt cx="0" cy="0"/>
-        </a:xfrm>
-      </p:grpSpPr>
-      <p:sp>
-        <p:nvSpPr>
-          <p:cNvPr id="5" name="Title 4"/>
-          <p:cNvSpPr>
-            <a:spLocks noGrp="1"/>
-          </p:cNvSpPr>
-          <p:nvPr>
-            <p:ph type="title" sz="quarter" idx="10"/>
-          </p:nvPr>
-        </p:nvSpPr>
-        <p:spPr>
-          <a:xfrm>
-            <a:off x="615109" y="4704825"/>
-            <a:ext cx="10961783" cy="1694175"/>
-          </a:xfrm>
-        </p:spPr>
-        <p:txBody>
-          <a:bodyPr/>
-          <a:lstStyle/>
-          <a:p>
-            <a:r>
-              <a:rPr lang="ru-RU" dirty="0"/>
-              <a:t>͏Видове услуги за комуникация в реално </a:t>
-            </a:r>
-            <a:r>
-              <a:rPr lang="ru-RU" dirty="0" smtClean="0"/>
-              <a:t>време</a:t>
-            </a:r>
+          <a:p>
             <a:endParaRPr lang="en-US" dirty="0"/>
-          </a:p>
-        </p:txBody>
-      </p:sp>
-      <p:pic>
-        <p:nvPicPr>
-          <p:cNvPr id="7" name="Picture 6"/>
-          <p:cNvPicPr>
-            <a:picLocks noChangeAspect="1"/>
-          </p:cNvPicPr>
-          <p:nvPr/>
-        </p:nvPicPr>
-        <p:blipFill>
-          <a:blip r:embed="rId2">
-            <a:extLst>
-              <a:ext uri="{28A0092B-C50C-407E-A947-70E740481C1C}">
-                <a14:useLocalDpi xmlns:a14="http://schemas.microsoft.com/office/drawing/2010/main" val="0"/>
-              </a:ext>
-            </a:extLst>
-          </a:blip>
-          <a:stretch>
-            <a:fillRect/>
-          </a:stretch>
-        </p:blipFill>
-        <p:spPr>
-          <a:xfrm>
-            <a:off x="4290741" y="1629000"/>
-            <a:ext cx="3610517" cy="2059251"/>
-          </a:xfrm>
-          <a:prstGeom prst="rect">
-            <a:avLst/>
-          </a:prstGeom>
-        </p:spPr>
-      </p:pic>
-    </p:spTree>
-    <p:extLst>
-      <p:ext uri="{BB962C8B-B14F-4D97-AF65-F5344CB8AC3E}">
-        <p14:creationId xmlns:p14="http://schemas.microsoft.com/office/powerpoint/2010/main" val="2724412080"/>
-      </p:ext>
-    </p:extLst>
-  </p:cSld>
-  <p:clrMapOvr>
-    <a:masterClrMapping/>
-  </p:clrMapOvr>
-  <mc:AlternateContent xmlns:mc="http://schemas.openxmlformats.org/markup-compatibility/2006" xmlns:p14="http://schemas.microsoft.com/office/powerpoint/2010/main">
-    <mc:Choice Requires="p14">
-      <p:transition spd="slow" p14:dur="2000" advClick="0" advTm="5000"/>
-    </mc:Choice>
-    <mc:Fallback xmlns="">
-      <p:transition spd="slow" advClick="0" advTm="5000"/>
-    </mc:Fallback>
-  </mc:AlternateContent>
-  <p:timing>
-    <p:tnLst>
-      <p:par>
-        <p:cTn id="1" dur="indefinite" restart="never" nodeType="tmRoot"/>
-      </p:par>
-    </p:tnLst>
-  </p:timing>
-</p:sld>
-</file>
-
-<file path=ppt/slides/slide4.xml><?xml version="1.0" encoding="utf-8"?>
-<p:sld xmlns:a="http://schemas.openxmlformats.org/drawingml/2006/main" xmlns:r="http://schemas.openxmlformats.org/officeDocument/2006/relationships" xmlns:p="http://schemas.openxmlformats.org/presentationml/2006/main">
-  <p:cSld>
-    <p:spTree>
-      <p:nvGrpSpPr>
-        <p:cNvPr id="1" name=""/>
-        <p:cNvGrpSpPr/>
-        <p:nvPr/>
-      </p:nvGrpSpPr>
-      <p:grpSpPr>
-        <a:xfrm>
-          <a:off x="0" y="0"/>
-          <a:ext cx="0" cy="0"/>
-          <a:chOff x="0" y="0"/>
-          <a:chExt cx="0" cy="0"/>
-        </a:xfrm>
-      </p:grpSpPr>
-      <p:sp>
-        <p:nvSpPr>
-          <p:cNvPr id="5" name="Text Placeholder 4"/>
-          <p:cNvSpPr>
-            <a:spLocks noGrp="1"/>
-          </p:cNvSpPr>
-          <p:nvPr>
-            <p:ph type="body" sz="quarter" idx="10"/>
-          </p:nvPr>
-        </p:nvSpPr>
-        <p:spPr>
-          <a:xfrm>
-            <a:off x="1866000" y="1121143"/>
-            <a:ext cx="10109977" cy="5546589"/>
-          </a:xfrm>
-        </p:spPr>
-        <p:txBody>
-          <a:bodyPr/>
-          <a:lstStyle/>
-          <a:p>
-            <a:r>
-              <a:rPr lang="bg-BG" b="1" dirty="0" smtClean="0"/>
-              <a:t>͏</a:t>
-            </a:r>
-            <a:r>
-              <a:rPr lang="bg-BG" b="1" dirty="0" smtClean="0">
-                <a:solidFill>
-                  <a:schemeClr val="bg1"/>
-                </a:solidFill>
-              </a:rPr>
-              <a:t>Разговори в реално време </a:t>
-            </a:r>
-            <a:r>
-              <a:rPr lang="bg-BG" dirty="0" smtClean="0"/>
-              <a:t>(</a:t>
-            </a:r>
-            <a:r>
-              <a:rPr lang="en-US" b="1" dirty="0">
-                <a:solidFill>
-                  <a:schemeClr val="bg1"/>
-                </a:solidFill>
-              </a:rPr>
-              <a:t>I</a:t>
-            </a:r>
-            <a:r>
-              <a:rPr lang="en-US" dirty="0"/>
-              <a:t>nternet </a:t>
-            </a:r>
-            <a:r>
-              <a:rPr lang="en-US" b="1" dirty="0">
-                <a:solidFill>
-                  <a:schemeClr val="bg1"/>
-                </a:solidFill>
-              </a:rPr>
-              <a:t>R</a:t>
-            </a:r>
-            <a:r>
-              <a:rPr lang="en-US" dirty="0"/>
-              <a:t>elay </a:t>
-            </a:r>
-            <a:r>
-              <a:rPr lang="en-US" b="1" dirty="0">
-                <a:solidFill>
-                  <a:schemeClr val="bg1"/>
-                </a:solidFill>
-              </a:rPr>
-              <a:t>C</a:t>
-            </a:r>
-            <a:r>
-              <a:rPr lang="en-US" dirty="0"/>
-              <a:t>hat</a:t>
-            </a:r>
-            <a:r>
-              <a:rPr lang="bg-BG" dirty="0" smtClean="0"/>
-              <a:t>)</a:t>
-            </a:r>
-            <a:r>
-              <a:rPr lang="en-US" dirty="0" smtClean="0"/>
-              <a:t> </a:t>
-            </a:r>
-            <a:r>
-              <a:rPr lang="bg-BG" dirty="0" smtClean="0"/>
-              <a:t>– </a:t>
-            </a:r>
-            <a:r>
-              <a:rPr lang="ru-RU" dirty="0" smtClean="0"/>
-              <a:t>позволява </a:t>
-            </a:r>
-            <a:r>
-              <a:rPr lang="ru-RU" b="1" dirty="0" smtClean="0"/>
-              <a:t>едновременно общуване </a:t>
-            </a:r>
-            <a:r>
-              <a:rPr lang="ru-RU" dirty="0" smtClean="0"/>
-              <a:t>в </a:t>
-            </a:r>
-            <a:r>
-              <a:rPr lang="ru-RU" b="1" dirty="0" smtClean="0"/>
-              <a:t>реално време </a:t>
-            </a:r>
-            <a:r>
-              <a:rPr lang="ru-RU" dirty="0" smtClean="0"/>
-              <a:t>с потребители от целия свят</a:t>
-            </a:r>
-          </a:p>
-          <a:p>
-            <a:pPr lvl="1"/>
-            <a:r>
-              <a:rPr lang="ru-RU" dirty="0" smtClean="0"/>
-              <a:t>Нарича се </a:t>
-            </a:r>
-            <a:r>
-              <a:rPr lang="ru-RU" b="1" dirty="0" smtClean="0">
-                <a:solidFill>
-                  <a:schemeClr val="bg1"/>
-                </a:solidFill>
-              </a:rPr>
-              <a:t>чат</a:t>
-            </a:r>
-            <a:r>
-              <a:rPr lang="ru-RU" dirty="0" smtClean="0"/>
-              <a:t> (</a:t>
-            </a:r>
-            <a:r>
-              <a:rPr lang="en-US" b="1" dirty="0" smtClean="0"/>
-              <a:t>chat</a:t>
-            </a:r>
-            <a:r>
-              <a:rPr lang="ru-RU" dirty="0" smtClean="0"/>
-              <a:t>), което преведено от английски означава "</a:t>
-            </a:r>
-            <a:r>
-              <a:rPr lang="ru-RU" b="1" dirty="0" smtClean="0"/>
-              <a:t>бърборене</a:t>
-            </a:r>
-            <a:r>
-              <a:rPr lang="ru-RU" dirty="0" smtClean="0"/>
-              <a:t>"</a:t>
-            </a:r>
-            <a:endParaRPr lang="en-US" dirty="0" smtClean="0"/>
           </a:p>
         </p:txBody>
       </p:sp>
@@ -8421,22 +7334,24 @@
         </p:nvSpPr>
         <p:spPr/>
         <p:txBody>
-          <a:bodyPr>
-            <a:normAutofit/>
-          </a:bodyPr>
+          <a:bodyPr/>
           <a:lstStyle/>
           <a:p>
             <a:r>
-              <a:rPr lang="ru-RU" dirty="0"/>
-              <a:t>Разговори в реално време </a:t>
-            </a:r>
-            <a:r>
-              <a:rPr lang="ru-RU" dirty="0" smtClean="0"/>
-              <a:t>(IRC</a:t>
-            </a:r>
-            <a:r>
-              <a:rPr lang="ru-RU" dirty="0"/>
-              <a:t>)</a:t>
+              <a:rPr lang="bg-BG" dirty="0"/>
+              <a:t>Програми за </a:t>
+            </a:r>
+            <a:r>
+              <a:rPr lang="en-US" dirty="0" smtClean="0"/>
+              <a:t>VoIP</a:t>
+            </a:r>
+            <a:r>
+              <a:rPr lang="bg-BG" dirty="0" smtClean="0"/>
+              <a:t>/</a:t>
+            </a:r>
+            <a:r>
+              <a:rPr lang="en-US" dirty="0" smtClean="0"/>
+              <a:t>mVoIP</a:t>
             </a:r>
             <a:endParaRPr lang="en-US" dirty="0"/>
           </a:p>
@@ -8444,7 +7359,7 @@
       </p:sp>
       <p:pic>
         <p:nvPicPr>
-          <p:cNvPr id="3080" name="Picture 8" descr="Four Ways Video is Changing the Customer Support Landscape - Freshdesk Blogs"/>
+          <p:cNvPr id="3076" name="Picture 4" descr="Файл:Skype logo (2019–present).svg"/>
           <p:cNvPicPr>
             <a:picLocks noChangeAspect="1" noChangeArrowheads="1"/>
           </p:cNvPicPr>
@@ -8465,20 +7380,134 @@
         </p:blipFill>
         <p:spPr bwMode="auto">
           <a:xfrm>
-            <a:off x="3711000" y="4119088"/>
-            <a:ext cx="6414845" cy="2568444"/>
+            <a:off x="5542929" y="2136279"/>
+            <a:ext cx="1951296" cy="1967721"/>
           </a:xfrm>
           <a:prstGeom prst="rect">
             <a:avLst/>
           </a:prstGeom>
           <a:noFill/>
-          <a:ln>
-            <a:solidFill>
-              <a:schemeClr val="bg2">
-                <a:lumMod val="75000"/>
-              </a:schemeClr>
-            </a:solidFill>
-          </a:ln>
+          <a:extLst>
+            <a:ext uri="{909E8E84-426E-40DD-AFC4-6F175D3DCCD1}">
+              <a14:hiddenFill xmlns:a14="http://schemas.microsoft.com/office/drawing/2010/main">
+                <a:solidFill>
+                  <a:srgbClr val="FFFFFF"/>
+                </a:solidFill>
+              </a14:hiddenFill>
+            </a:ext>
+          </a:extLst>
+        </p:spPr>
+      </p:pic>
+      <p:pic>
+        <p:nvPicPr>
+          <p:cNvPr id="3078" name="Picture 6" descr="Viber - Free social media icons"/>
+          <p:cNvPicPr>
+            <a:picLocks noChangeAspect="1" noChangeArrowheads="1"/>
+          </p:cNvPicPr>
+          <p:nvPr/>
+        </p:nvPicPr>
+        <p:blipFill>
+          <a:blip r:embed="rId3">
+            <a:extLst>
+              <a:ext uri="{28A0092B-C50C-407E-A947-70E740481C1C}">
+                <a14:useLocalDpi xmlns:a14="http://schemas.microsoft.com/office/drawing/2010/main" val="0"/>
+              </a:ext>
+            </a:extLst>
+          </a:blip>
+          <a:srcRect/>
+          <a:stretch>
+            <a:fillRect/>
+          </a:stretch>
+        </p:blipFill>
+        <p:spPr bwMode="auto">
+          <a:xfrm>
+            <a:off x="8796000" y="1826649"/>
+            <a:ext cx="2586978" cy="2586979"/>
+          </a:xfrm>
+          <a:prstGeom prst="rect">
+            <a:avLst/>
+          </a:prstGeom>
+          <a:noFill/>
+          <a:extLst>
+            <a:ext uri="{909E8E84-426E-40DD-AFC4-6F175D3DCCD1}">
+              <a14:hiddenFill xmlns:a14="http://schemas.microsoft.com/office/drawing/2010/main">
+                <a:solidFill>
+                  <a:srgbClr val="FFFFFF"/>
+                </a:solidFill>
+              </a14:hiddenFill>
+            </a:ext>
+          </a:extLst>
+        </p:spPr>
+      </p:pic>
+      <p:pic>
+        <p:nvPicPr>
+          <p:cNvPr id="3080" name="Picture 8" descr="undefined"/>
+          <p:cNvPicPr>
+            <a:picLocks noChangeAspect="1" noChangeArrowheads="1"/>
+          </p:cNvPicPr>
+          <p:nvPr/>
+        </p:nvPicPr>
+        <p:blipFill>
+          <a:blip r:embed="rId4" cstate="hqprint">
+            <a:extLst>
+              <a:ext uri="{28A0092B-C50C-407E-A947-70E740481C1C}">
+                <a14:useLocalDpi xmlns:a14="http://schemas.microsoft.com/office/drawing/2010/main" val="0"/>
+              </a:ext>
+            </a:extLst>
+          </a:blip>
+          <a:srcRect/>
+          <a:stretch>
+            <a:fillRect/>
+          </a:stretch>
+        </p:blipFill>
+        <p:spPr bwMode="auto">
+          <a:xfrm>
+            <a:off x="3415172" y="4501077"/>
+            <a:ext cx="2005923" cy="2005923"/>
+          </a:xfrm>
+          <a:prstGeom prst="rect">
+            <a:avLst/>
+          </a:prstGeom>
+          <a:noFill/>
+          <a:extLst>
+            <a:ext uri="{909E8E84-426E-40DD-AFC4-6F175D3DCCD1}">
+              <a14:hiddenFill xmlns:a14="http://schemas.microsoft.com/office/drawing/2010/main">
+                <a:solidFill>
+                  <a:srgbClr val="FFFFFF"/>
+                </a:solidFill>
+              </a14:hiddenFill>
+            </a:ext>
+          </a:extLst>
+        </p:spPr>
+      </p:pic>
+      <p:pic>
+        <p:nvPicPr>
+          <p:cNvPr id="3082" name="Picture 10" descr="static.vecteezy.com/system/resources/previews/018/..."/>
+          <p:cNvPicPr>
+            <a:picLocks noChangeAspect="1" noChangeArrowheads="1"/>
+          </p:cNvPicPr>
+          <p:nvPr/>
+        </p:nvPicPr>
+        <p:blipFill rotWithShape="1">
+          <a:blip r:embed="rId5" cstate="hqprint">
+            <a:extLst>
+              <a:ext uri="{28A0092B-C50C-407E-A947-70E740481C1C}">
+                <a14:useLocalDpi xmlns:a14="http://schemas.microsoft.com/office/drawing/2010/main" val="0"/>
+              </a:ext>
+            </a:extLst>
+          </a:blip>
+          <a:srcRect l="14028" t="14579" r="13876" b="15293"/>
+          <a:stretch/>
+        </p:blipFill>
+        <p:spPr bwMode="auto">
+          <a:xfrm>
+            <a:off x="7147842" y="4453045"/>
+            <a:ext cx="2278158" cy="2215956"/>
+          </a:xfrm>
+          <a:prstGeom prst="rect">
+            <a:avLst/>
+          </a:prstGeom>
+          <a:noFill/>
           <a:extLst>
             <a:ext uri="{909E8E84-426E-40DD-AFC4-6F175D3DCCD1}">
               <a14:hiddenFill xmlns:a14="http://schemas.microsoft.com/office/drawing/2010/main">
@@ -8493,7 +7522,7 @@
     </p:spTree>
     <p:extLst>
       <p:ext uri="{BB962C8B-B14F-4D97-AF65-F5344CB8AC3E}">
-        <p14:creationId xmlns:p14="http://schemas.microsoft.com/office/powerpoint/2010/main" val="1083328205"/>
+        <p14:creationId xmlns:p14="http://schemas.microsoft.com/office/powerpoint/2010/main" val="817123820"/>
       </p:ext>
     </p:extLst>
   </p:cSld>
@@ -8542,11 +7571,38 @@
                                           </p:stCondLst>
                                         </p:cTn>
                                         <p:tgtEl>
-                                          <p:spTgt spid="5">
+                                          <p:spTgt spid="3">
                                             <p:txEl>
                                               <p:pRg st="1" end="1"/>
                                             </p:txEl>
                                           </p:spTgt>
+                                        </p:tgtEl>
+                                        <p:attrNameLst>
+                                          <p:attrName>style.visibility</p:attrName>
+                                        </p:attrNameLst>
+                                      </p:cBhvr>
+                                      <p:to>
+                                        <p:strVal val="visible"/>
+                                      </p:to>
+                                    </p:set>
+                                  </p:childTnLst>
+                                </p:cTn>
+                              </p:par>
+                              <p:par>
+                                <p:cTn id="7" presetID="1" presetClass="entr" presetSubtype="0" fill="hold" nodeType="withEffect">
+                                  <p:stCondLst>
+                                    <p:cond delay="0"/>
+                                  </p:stCondLst>
+                                  <p:childTnLst>
+                                    <p:set>
+                                      <p:cBhvr>
+                                        <p:cTn id="8" dur="1" fill="hold">
+                                          <p:stCondLst>
+                                            <p:cond delay="0"/>
+                                          </p:stCondLst>
+                                        </p:cTn>
+                                        <p:tgtEl>
+                                          <p:spTgt spid="3076"/>
                                         </p:tgtEl>
                                         <p:attrNameLst>
                                           <p:attrName>style.visibility</p:attrName>
@@ -8566,32 +7622,215 @@
                     </p:cTn>
                   </p:par>
                   <p:par>
-                    <p:cTn id="7" fill="hold">
+                    <p:cTn id="9" fill="hold">
                       <p:stCondLst>
                         <p:cond delay="indefinite"/>
                       </p:stCondLst>
                       <p:childTnLst>
                         <p:par>
-                          <p:cTn id="8" fill="hold">
+                          <p:cTn id="10" fill="hold">
                             <p:stCondLst>
                               <p:cond delay="0"/>
                             </p:stCondLst>
                             <p:childTnLst>
                               <p:par>
-                                <p:cTn id="9" presetID="1" presetClass="entr" presetSubtype="0" fill="hold" nodeType="clickEffect">
+                                <p:cTn id="11" presetID="1" presetClass="entr" presetSubtype="0" fill="hold" nodeType="clickEffect">
                                   <p:stCondLst>
                                     <p:cond delay="0"/>
                                   </p:stCondLst>
                                   <p:childTnLst>
                                     <p:set>
                                       <p:cBhvr>
-                                        <p:cTn id="10" dur="1" fill="hold">
+                                        <p:cTn id="12" dur="1" fill="hold">
+                                          <p:stCondLst>
+                                            <p:cond delay="0"/>
+                                          </p:stCondLst>
+                                        </p:cTn>
+                                        <p:tgtEl>
+                                          <p:spTgt spid="3">
+                                            <p:txEl>
+                                              <p:pRg st="2" end="2"/>
+                                            </p:txEl>
+                                          </p:spTgt>
+                                        </p:tgtEl>
+                                        <p:attrNameLst>
+                                          <p:attrName>style.visibility</p:attrName>
+                                        </p:attrNameLst>
+                                      </p:cBhvr>
+                                      <p:to>
+                                        <p:strVal val="visible"/>
+                                      </p:to>
+                                    </p:set>
+                                  </p:childTnLst>
+                                </p:cTn>
+                              </p:par>
+                              <p:par>
+                                <p:cTn id="13" presetID="1" presetClass="entr" presetSubtype="0" fill="hold" nodeType="withEffect">
+                                  <p:stCondLst>
+                                    <p:cond delay="0"/>
+                                  </p:stCondLst>
+                                  <p:childTnLst>
+                                    <p:set>
+                                      <p:cBhvr>
+                                        <p:cTn id="14" dur="1" fill="hold">
+                                          <p:stCondLst>
+                                            <p:cond delay="0"/>
+                                          </p:stCondLst>
+                                        </p:cTn>
+                                        <p:tgtEl>
+                                          <p:spTgt spid="3078"/>
+                                        </p:tgtEl>
+                                        <p:attrNameLst>
+                                          <p:attrName>style.visibility</p:attrName>
+                                        </p:attrNameLst>
+                                      </p:cBhvr>
+                                      <p:to>
+                                        <p:strVal val="visible"/>
+                                      </p:to>
+                                    </p:set>
+                                  </p:childTnLst>
+                                </p:cTn>
+                              </p:par>
+                            </p:childTnLst>
+                          </p:cTn>
+                        </p:par>
+                      </p:childTnLst>
+                    </p:cTn>
+                  </p:par>
+                  <p:par>
+                    <p:cTn id="15" fill="hold">
+                      <p:stCondLst>
+                        <p:cond delay="indefinite"/>
+                      </p:stCondLst>
+                      <p:childTnLst>
+                        <p:par>
+                          <p:cTn id="16" fill="hold">
+                            <p:stCondLst>
+                              <p:cond delay="0"/>
+                            </p:stCondLst>
+                            <p:childTnLst>
+                              <p:par>
+                                <p:cTn id="17" presetID="1" presetClass="entr" presetSubtype="0" fill="hold" nodeType="clickEffect">
+                                  <p:stCondLst>
+                                    <p:cond delay="0"/>
+                                  </p:stCondLst>
+                                  <p:childTnLst>
+                                    <p:set>
+                                      <p:cBhvr>
+                                        <p:cTn id="18" dur="1" fill="hold">
+                                          <p:stCondLst>
+                                            <p:cond delay="0"/>
+                                          </p:stCondLst>
+                                        </p:cTn>
+                                        <p:tgtEl>
+                                          <p:spTgt spid="3">
+                                            <p:txEl>
+                                              <p:pRg st="3" end="3"/>
+                                            </p:txEl>
+                                          </p:spTgt>
+                                        </p:tgtEl>
+                                        <p:attrNameLst>
+                                          <p:attrName>style.visibility</p:attrName>
+                                        </p:attrNameLst>
+                                      </p:cBhvr>
+                                      <p:to>
+                                        <p:strVal val="visible"/>
+                                      </p:to>
+                                    </p:set>
+                                  </p:childTnLst>
+                                </p:cTn>
+                              </p:par>
+                              <p:par>
+                                <p:cTn id="19" presetID="1" presetClass="entr" presetSubtype="0" fill="hold" nodeType="withEffect">
+                                  <p:stCondLst>
+                                    <p:cond delay="0"/>
+                                  </p:stCondLst>
+                                  <p:childTnLst>
+                                    <p:set>
+                                      <p:cBhvr>
+                                        <p:cTn id="20" dur="1" fill="hold">
                                           <p:stCondLst>
                                             <p:cond delay="0"/>
                                           </p:stCondLst>
                                         </p:cTn>
                                         <p:tgtEl>
                                           <p:spTgt spid="3080"/>
+                                        </p:tgtEl>
+                                        <p:attrNameLst>
+                                          <p:attrName>style.visibility</p:attrName>
+                                        </p:attrNameLst>
+                                      </p:cBhvr>
+                                      <p:to>
+                                        <p:strVal val="visible"/>
+                                      </p:to>
+                                    </p:set>
+                                  </p:childTnLst>
+                                </p:cTn>
+                              </p:par>
+                            </p:childTnLst>
+                          </p:cTn>
+                        </p:par>
+                      </p:childTnLst>
+                    </p:cTn>
+                  </p:par>
+                  <p:par>
+                    <p:cTn id="21" fill="hold">
+                      <p:stCondLst>
+                        <p:cond delay="indefinite"/>
+                      </p:stCondLst>
+                      <p:childTnLst>
+                        <p:par>
+                          <p:cTn id="22" fill="hold">
+                            <p:stCondLst>
+                              <p:cond delay="0"/>
+                            </p:stCondLst>
+                            <p:childTnLst>
+                              <p:par>
+                                <p:cTn id="23" presetID="1" presetClass="entr" presetSubtype="0" fill="hold" nodeType="clickEffect">
+                                  <p:stCondLst>
+                                    <p:cond delay="0"/>
+                                  </p:stCondLst>
+                                  <p:childTnLst>
+                                    <p:set>
+                                      <p:cBhvr>
+                                        <p:cTn id="24" dur="1" fill="hold">
+                                          <p:stCondLst>
+                                            <p:cond delay="0"/>
+                                          </p:stCondLst>
+                                        </p:cTn>
+                                        <p:tgtEl>
+                                          <p:spTgt spid="3">
+                                            <p:txEl>
+                                              <p:pRg st="4" end="4"/>
+                                            </p:txEl>
+                                          </p:spTgt>
+                                        </p:tgtEl>
+                                        <p:attrNameLst>
+                                          <p:attrName>style.visibility</p:attrName>
+                                        </p:attrNameLst>
+                                      </p:cBhvr>
+                                      <p:to>
+                                        <p:strVal val="visible"/>
+                                      </p:to>
+                                    </p:set>
+                                  </p:childTnLst>
+                                </p:cTn>
+                              </p:par>
+                              <p:par>
+                                <p:cTn id="25" presetID="1" presetClass="entr" presetSubtype="0" fill="hold" nodeType="withEffect">
+                                  <p:stCondLst>
+                                    <p:cond delay="0"/>
+                                  </p:stCondLst>
+                                  <p:childTnLst>
+                                    <p:set>
+                                      <p:cBhvr>
+                                        <p:cTn id="26" dur="1" fill="hold">
+                                          <p:stCondLst>
+                                            <p:cond delay="0"/>
+                                          </p:stCondLst>
+                                        </p:cTn>
+                                        <p:tgtEl>
+                                          <p:spTgt spid="3082"/>
                                         </p:tgtEl>
                                         <p:attrNameLst>
                                           <p:attrName>style.visibility</p:attrName>
@@ -8635,7 +7874,7 @@
 </p:sld>
 </file>
 
-<file path=ppt/slides/slide5.xml><?xml version="1.0" encoding="utf-8"?>
+<file path=ppt/slides/slide11.xml><?xml version="1.0" encoding="utf-8"?>
 <p:sld xmlns:a="http://schemas.openxmlformats.org/drawingml/2006/main" xmlns:r="http://schemas.openxmlformats.org/officeDocument/2006/relationships" xmlns:p="http://schemas.openxmlformats.org/presentationml/2006/main">
   <p:cSld>
     <p:spTree>
@@ -8670,7 +7909,7 @@
             <a:fld id="{2BF067CD-8E6B-4360-9AA8-C5DF2A48A6D1}" type="slidenum">
               <a:rPr lang="en-US" noProof="0" smtClean="0"/>
               <a:pPr/>
-              <a:t>5</a:t>
+              <a:t>11</a:t>
             </a:fld>
             <a:endParaRPr lang="en-US" noProof="0" dirty="0"/>
           </a:p>
@@ -8678,7 +7917,7 @@
       </p:sp>
       <p:sp>
         <p:nvSpPr>
-          <p:cNvPr id="6" name="Text Placeholder 5"/>
+          <p:cNvPr id="3" name="Text Placeholder 2"/>
           <p:cNvSpPr>
             <a:spLocks noGrp="1"/>
           </p:cNvSpPr>
@@ -8686,89 +7925,160 @@
             <p:ph type="body" sz="quarter" idx="10"/>
           </p:nvPr>
         </p:nvSpPr>
-        <p:spPr/>
+        <p:spPr>
+          <a:xfrm>
+            <a:off x="190402" y="1196125"/>
+            <a:ext cx="8245598" cy="5528766"/>
+          </a:xfrm>
+        </p:spPr>
         <p:txBody>
           <a:bodyPr/>
           <a:lstStyle/>
           <a:p>
             <a:r>
-              <a:rPr lang="ru-RU" dirty="0"/>
-              <a:t>Всеки </a:t>
-            </a:r>
-            <a:r>
-              <a:rPr lang="ru-RU" b="1" dirty="0"/>
-              <a:t>потребител</a:t>
-            </a:r>
-            <a:r>
-              <a:rPr lang="ru-RU" dirty="0"/>
-              <a:t> има уникално "</a:t>
-            </a:r>
-            <a:r>
-              <a:rPr lang="ru-RU" b="1" dirty="0"/>
-              <a:t>име</a:t>
-            </a:r>
-            <a:r>
-              <a:rPr lang="ru-RU" dirty="0"/>
-              <a:t>" – </a:t>
-            </a:r>
-            <a:r>
-              <a:rPr lang="ru-RU" b="1" dirty="0">
+              <a:rPr lang="bg-BG" dirty="0" smtClean="0"/>
+              <a:t>͏</a:t>
+            </a:r>
+            <a:r>
+              <a:rPr lang="bg-BG" b="1" dirty="0" smtClean="0">
                 <a:solidFill>
                   <a:schemeClr val="bg1"/>
                 </a:solidFill>
               </a:rPr>
-              <a:t>псевдоним</a:t>
+              <a:t>Размяна </a:t>
+            </a:r>
+            <a:r>
+              <a:rPr lang="bg-BG" b="1" dirty="0">
+                <a:solidFill>
+                  <a:schemeClr val="bg1"/>
+                </a:solidFill>
+              </a:rPr>
+              <a:t>на мигновени </a:t>
+            </a:r>
+            <a:r>
+              <a:rPr lang="bg-BG" b="1" dirty="0" smtClean="0">
+                <a:solidFill>
+                  <a:schemeClr val="bg1"/>
+                </a:solidFill>
+              </a:rPr>
+              <a:t>съобщения </a:t>
+            </a:r>
+            <a:r>
+              <a:rPr lang="en-US" dirty="0"/>
+              <a:t>(</a:t>
+            </a:r>
+            <a:r>
+              <a:rPr lang="en-US" b="1" dirty="0"/>
+              <a:t>Instant Messaging</a:t>
+            </a:r>
+            <a:r>
+              <a:rPr lang="en-US" dirty="0" smtClean="0"/>
+              <a:t>)</a:t>
+            </a:r>
+            <a:r>
+              <a:rPr lang="bg-BG" dirty="0" smtClean="0"/>
+              <a:t> – </a:t>
+            </a:r>
+            <a:r>
+              <a:rPr lang="ru-RU" dirty="0" smtClean="0"/>
+              <a:t>вид </a:t>
+            </a:r>
+            <a:r>
+              <a:rPr lang="ru-RU" b="1" dirty="0"/>
+              <a:t>онлайн чат </a:t>
             </a:r>
             <a:r>
               <a:rPr lang="ru-RU" dirty="0"/>
-              <a:t> (</a:t>
+              <a:t>за изпращане на текстови съобщения, файлове и </a:t>
+            </a:r>
+            <a:r>
+              <a:rPr lang="ru-RU" dirty="0" smtClean="0"/>
+              <a:t>картички в </a:t>
             </a:r>
             <a:r>
               <a:rPr lang="ru-RU" b="1" dirty="0"/>
-              <a:t>nickname</a:t>
+              <a:t>реално </a:t>
+            </a:r>
+            <a:r>
+              <a:rPr lang="ru-RU" b="1" dirty="0" smtClean="0"/>
+              <a:t>време</a:t>
+            </a:r>
+          </a:p>
+          <a:p>
+            <a:pPr lvl="1">
+              <a:spcAft>
+                <a:spcPts val="0"/>
+              </a:spcAft>
+            </a:pPr>
+            <a:r>
+              <a:rPr lang="ru-RU" dirty="0" smtClean="0"/>
+              <a:t>Възможност за </a:t>
+            </a:r>
+            <a:r>
+              <a:rPr lang="ru-RU" b="1" dirty="0" smtClean="0"/>
+              <a:t>едновременно участие</a:t>
+            </a:r>
+          </a:p>
+          <a:p>
+            <a:pPr marL="442912" lvl="1" indent="0">
+              <a:spcBef>
+                <a:spcPts val="0"/>
+              </a:spcBef>
+              <a:buNone/>
+            </a:pPr>
+            <a:r>
+              <a:rPr lang="ru-RU" dirty="0" smtClean="0"/>
+              <a:t>    в разговори</a:t>
+            </a:r>
+          </a:p>
+          <a:p>
+            <a:r>
+              <a:rPr lang="ru-RU" dirty="0" smtClean="0"/>
+              <a:t>За разлика от </a:t>
+            </a:r>
+            <a:r>
+              <a:rPr lang="en-US" b="1" dirty="0" smtClean="0"/>
+              <a:t>IRC</a:t>
+            </a:r>
+            <a:r>
+              <a:rPr lang="en-US" dirty="0" smtClean="0"/>
+              <a:t>, </a:t>
+            </a:r>
+            <a:r>
+              <a:rPr lang="ru-RU" dirty="0" smtClean="0"/>
+              <a:t>всички </a:t>
             </a:r>
             <a:r>
               <a:rPr lang="ru-RU" dirty="0"/>
-              <a:t>), различаващ го от останалите</a:t>
-            </a:r>
-            <a:endParaRPr lang="en-US" dirty="0"/>
-          </a:p>
-          <a:p>
-            <a:pPr lvl="1"/>
+              <a:t>потребители се </a:t>
+            </a:r>
+            <a:r>
+              <a:rPr lang="ru-RU" b="1" dirty="0"/>
+              <a:t>регистрират</a:t>
+            </a:r>
             <a:r>
               <a:rPr lang="ru-RU" dirty="0"/>
-              <a:t>Псевдонимът е </a:t>
+              <a:t> в </a:t>
             </a:r>
             <a:r>
               <a:rPr lang="ru-RU" b="1" dirty="0"/>
-              <a:t>измислен</a:t>
+              <a:t>общо приложение </a:t>
+            </a:r>
+            <a:r>
+              <a:rPr lang="ru-RU" dirty="0" smtClean="0"/>
+              <a:t>и </a:t>
             </a:r>
             <a:r>
               <a:rPr lang="ru-RU" dirty="0"/>
-              <a:t> и служи като </a:t>
-            </a:r>
-            <a:r>
-              <a:rPr lang="ru-RU" b="1" dirty="0"/>
-              <a:t>алтернатива</a:t>
-            </a:r>
-            <a:r>
-              <a:rPr lang="ru-RU" dirty="0"/>
-              <a:t> на </a:t>
-            </a:r>
-            <a:r>
-              <a:rPr lang="ru-RU" b="1" dirty="0"/>
-              <a:t>истинското име</a:t>
-            </a:r>
-            <a:endParaRPr lang="en-US" b="1" dirty="0"/>
-          </a:p>
-          <a:p>
+              <a:t>могат да изпращат съобщения един на друг</a:t>
+            </a:r>
             <a:endParaRPr lang="en-US" dirty="0"/>
           </a:p>
         </p:txBody>
       </p:sp>
       <p:sp>
         <p:nvSpPr>
-          <p:cNvPr id="5" name="Title 4"/>
+          <p:cNvPr id="4" name="Title 3"/>
           <p:cNvSpPr>
             <a:spLocks noGrp="1"/>
           </p:cNvSpPr>
@@ -8783,7 +8093,7 @@
           <a:p>
             <a:r>
               <a:rPr lang="bg-BG" dirty="0" smtClean="0"/>
-              <a:t>Псевдоним</a:t>
+              <a:t>Размяна на мигновени съобщения</a:t>
             </a:r>
             <a:endParaRPr lang="en-US" dirty="0"/>
           </a:p>
@@ -8791,7 +8101,7 @@
       </p:sp>
       <p:pic>
         <p:nvPicPr>
-          <p:cNvPr id="4100" name="Picture 4" descr="nickname-generator/README.md at master · dasmig/nickname-generator · GitHub"/>
+          <p:cNvPr id="4102" name="Picture 6" descr="Tip of the Week: How Instant Messaging Can Be Used to Improve Workplace  Collaboration - Business Technology, Gadgets, and IT Best Practices from  Grove Networks Blog | Miami | Grove Networks"/>
           <p:cNvPicPr>
             <a:picLocks noChangeAspect="1" noChangeArrowheads="1"/>
           </p:cNvPicPr>
@@ -8812,8 +8122,8 @@
         </p:blipFill>
         <p:spPr bwMode="auto">
           <a:xfrm>
-            <a:off x="3013500" y="3588241"/>
-            <a:ext cx="6165000" cy="3082500"/>
+            <a:off x="8369515" y="1449000"/>
+            <a:ext cx="3450000" cy="3450000"/>
           </a:xfrm>
           <a:prstGeom prst="rect">
             <a:avLst/>
@@ -8840,7 +8150,7 @@
     </p:spTree>
     <p:extLst>
       <p:ext uri="{BB962C8B-B14F-4D97-AF65-F5344CB8AC3E}">
-        <p14:creationId xmlns:p14="http://schemas.microsoft.com/office/powerpoint/2010/main" val="2150684719"/>
+        <p14:creationId xmlns:p14="http://schemas.microsoft.com/office/powerpoint/2010/main" val="1907567073"/>
       </p:ext>
     </p:extLst>
   </p:cSld>
@@ -8889,9 +8199,40 @@
                                           </p:stCondLst>
                                         </p:cTn>
                                         <p:tgtEl>
-                                          <p:spTgt spid="6">
+                                          <p:spTgt spid="3">
                                             <p:txEl>
                                               <p:pRg st="1" end="1"/>
+                                            </p:txEl>
+                                          </p:spTgt>
+                                        </p:tgtEl>
+                                        <p:attrNameLst>
+                                          <p:attrName>style.visibility</p:attrName>
+                                        </p:attrNameLst>
+                                      </p:cBhvr>
+                                      <p:to>
+                                        <p:strVal val="visible"/>
+                                      </p:to>
+                                    </p:set>
+                                  </p:childTnLst>
+                                </p:cTn>
+                              </p:par>
+                              <p:par>
+                                <p:cTn id="7" presetID="1" presetClass="entr" presetSubtype="0" fill="hold" nodeType="withEffect">
+                                  <p:stCondLst>
+                                    <p:cond delay="0"/>
+                                  </p:stCondLst>
+                                  <p:childTnLst>
+                                    <p:set>
+                                      <p:cBhvr>
+                                        <p:cTn id="8" dur="1" fill="hold">
+                                          <p:stCondLst>
+                                            <p:cond delay="0"/>
+                                          </p:stCondLst>
+                                        </p:cTn>
+                                        <p:tgtEl>
+                                          <p:spTgt spid="3">
+                                            <p:txEl>
+                                              <p:pRg st="2" end="2"/>
                                             </p:txEl>
                                           </p:spTgt>
                                         </p:tgtEl>
@@ -8913,32 +8254,36 @@
                     </p:cTn>
                   </p:par>
                   <p:par>
-                    <p:cTn id="7" fill="hold">
+                    <p:cTn id="9" fill="hold">
                       <p:stCondLst>
                         <p:cond delay="indefinite"/>
                       </p:stCondLst>
                       <p:childTnLst>
                         <p:par>
-                          <p:cTn id="8" fill="hold">
+                          <p:cTn id="10" fill="hold">
                             <p:stCondLst>
                               <p:cond delay="0"/>
                             </p:stCondLst>
                             <p:childTnLst>
                               <p:par>
-                                <p:cTn id="9" presetID="1" presetClass="entr" presetSubtype="0" fill="hold" nodeType="clickEffect">
+                                <p:cTn id="11" presetID="1" presetClass="entr" presetSubtype="0" fill="hold" nodeType="clickEffect">
                                   <p:stCondLst>
                                     <p:cond delay="0"/>
                                   </p:stCondLst>
                                   <p:childTnLst>
                                     <p:set>
                                       <p:cBhvr>
-                                        <p:cTn id="10" dur="1" fill="hold">
+                                        <p:cTn id="12" dur="1" fill="hold">
                                           <p:stCondLst>
                                             <p:cond delay="0"/>
                                           </p:stCondLst>
                                         </p:cTn>
                                         <p:tgtEl>
-                                          <p:spTgt spid="4100"/>
+                                          <p:spTgt spid="3">
+                                            <p:txEl>
+                                              <p:pRg st="3" end="3"/>
+                                            </p:txEl>
+                                          </p:spTgt>
                                         </p:tgtEl>
                                         <p:attrNameLst>
                                           <p:attrName>style.visibility</p:attrName>
@@ -8982,7 +8327,7 @@
 </p:sld>
 </file>
 
-<file path=ppt/slides/slide6.xml><?xml version="1.0" encoding="utf-8"?>
+<file path=ppt/slides/slide12.xml><?xml version="1.0" encoding="utf-8"?>
 <p:sld xmlns:a="http://schemas.openxmlformats.org/drawingml/2006/main" xmlns:r="http://schemas.openxmlformats.org/officeDocument/2006/relationships" xmlns:p="http://schemas.openxmlformats.org/presentationml/2006/main">
   <p:cSld>
     <p:spTree>
@@ -9017,381 +8362,7 @@
             <a:fld id="{2BF067CD-8E6B-4360-9AA8-C5DF2A48A6D1}" type="slidenum">
               <a:rPr lang="en-US" noProof="0" smtClean="0"/>
               <a:pPr/>
-              <a:t>6</a:t>
-            </a:fld>
-            <a:endParaRPr lang="en-US" noProof="0" dirty="0"/>
-          </a:p>
-        </p:txBody>
-      </p:sp>
-      <p:sp>
-        <p:nvSpPr>
-          <p:cNvPr id="6" name="Text Placeholder 5"/>
-          <p:cNvSpPr>
-            <a:spLocks noGrp="1"/>
-          </p:cNvSpPr>
-          <p:nvPr>
-            <p:ph type="body" sz="quarter" idx="10"/>
-          </p:nvPr>
-        </p:nvSpPr>
-        <p:spPr>
-          <a:xfrm>
-            <a:off x="190402" y="1196125"/>
-            <a:ext cx="7615598" cy="5528766"/>
-          </a:xfrm>
-        </p:spPr>
-        <p:txBody>
-          <a:bodyPr/>
-          <a:lstStyle/>
-          <a:p>
-            <a:r>
-              <a:rPr lang="ru-RU" b="1" dirty="0" smtClean="0"/>
-              <a:t>͏</a:t>
-            </a:r>
-            <a:r>
-              <a:rPr lang="ru-RU" b="1" dirty="0" smtClean="0">
-                <a:solidFill>
-                  <a:schemeClr val="bg1"/>
-                </a:solidFill>
-              </a:rPr>
-              <a:t>Сървърът</a:t>
-            </a:r>
-            <a:r>
-              <a:rPr lang="ru-RU" b="1" dirty="0" smtClean="0"/>
-              <a:t> </a:t>
-            </a:r>
-            <a:r>
-              <a:rPr lang="ru-RU" dirty="0" smtClean="0"/>
-              <a:t>(</a:t>
-            </a:r>
-            <a:r>
-              <a:rPr lang="ru-RU" b="1" dirty="0" smtClean="0"/>
-              <a:t>компютърът</a:t>
-            </a:r>
-            <a:r>
-              <a:rPr lang="ru-RU" dirty="0" smtClean="0"/>
-              <a:t>), </a:t>
-            </a:r>
-            <a:r>
-              <a:rPr lang="ru-RU" dirty="0"/>
-              <a:t>който предоставя услугата, </a:t>
-            </a:r>
-            <a:r>
-              <a:rPr lang="ru-RU" b="1" dirty="0"/>
-              <a:t>организира</a:t>
-            </a:r>
-            <a:r>
-              <a:rPr lang="ru-RU" dirty="0"/>
-              <a:t> потребителите в </a:t>
-            </a:r>
-            <a:r>
-              <a:rPr lang="ru-RU" b="1" dirty="0" smtClean="0"/>
-              <a:t>групи</a:t>
-            </a:r>
-            <a:r>
-              <a:rPr lang="ru-RU" dirty="0" smtClean="0"/>
-              <a:t>,</a:t>
-            </a:r>
-            <a:r>
-              <a:rPr lang="en-US" dirty="0" smtClean="0"/>
-              <a:t> </a:t>
-            </a:r>
-            <a:r>
-              <a:rPr lang="ru-RU" dirty="0" smtClean="0"/>
-              <a:t>наречени </a:t>
-            </a:r>
-            <a:r>
-              <a:rPr lang="ru-RU" b="1" dirty="0" smtClean="0">
-                <a:solidFill>
-                  <a:schemeClr val="bg1"/>
-                </a:solidFill>
-              </a:rPr>
-              <a:t>канали</a:t>
-            </a:r>
-          </a:p>
-          <a:p>
-            <a:pPr lvl="1"/>
-            <a:r>
-              <a:rPr lang="ru-RU" dirty="0"/>
-              <a:t>Всяко </a:t>
-            </a:r>
-            <a:r>
-              <a:rPr lang="ru-RU" b="1" dirty="0"/>
-              <a:t>съобщение</a:t>
-            </a:r>
-            <a:r>
-              <a:rPr lang="ru-RU" dirty="0"/>
-              <a:t>, </a:t>
-            </a:r>
-            <a:r>
-              <a:rPr lang="ru-RU" dirty="0" smtClean="0"/>
-              <a:t>изпратено </a:t>
-            </a:r>
-            <a:r>
-              <a:rPr lang="ru-RU" dirty="0"/>
-              <a:t>в </a:t>
-            </a:r>
-            <a:r>
-              <a:rPr lang="ru-RU" b="1" dirty="0"/>
-              <a:t>групата</a:t>
-            </a:r>
-            <a:r>
-              <a:rPr lang="ru-RU" dirty="0"/>
-              <a:t>, достига до </a:t>
-            </a:r>
-            <a:r>
-              <a:rPr lang="ru-RU" b="1" dirty="0"/>
-              <a:t>всички</a:t>
-            </a:r>
-            <a:r>
-              <a:rPr lang="ru-RU" dirty="0"/>
-              <a:t> </a:t>
-            </a:r>
-            <a:r>
-              <a:rPr lang="ru-RU" b="1" dirty="0" smtClean="0"/>
-              <a:t>участници</a:t>
-            </a:r>
-          </a:p>
-          <a:p>
-            <a:r>
-              <a:rPr lang="ru-RU" b="1" dirty="0" smtClean="0"/>
-              <a:t>Имената</a:t>
-            </a:r>
-            <a:r>
-              <a:rPr lang="ru-RU" dirty="0" smtClean="0"/>
-              <a:t> на каналите </a:t>
-            </a:r>
-            <a:r>
-              <a:rPr lang="ru-RU" b="1" dirty="0" smtClean="0"/>
-              <a:t>започват</a:t>
-            </a:r>
-            <a:r>
-              <a:rPr lang="ru-RU" dirty="0" smtClean="0"/>
-              <a:t> със знака "</a:t>
-            </a:r>
-            <a:r>
-              <a:rPr lang="en-US" b="1" dirty="0" smtClean="0">
-                <a:solidFill>
-                  <a:schemeClr val="bg1"/>
-                </a:solidFill>
-              </a:rPr>
-              <a:t>#</a:t>
-            </a:r>
-            <a:r>
-              <a:rPr lang="en-US" dirty="0" smtClean="0"/>
-              <a:t>" </a:t>
-            </a:r>
-            <a:r>
-              <a:rPr lang="bg-BG" dirty="0" smtClean="0"/>
-              <a:t>(</a:t>
-            </a:r>
-            <a:r>
-              <a:rPr lang="bg-BG" b="1" dirty="0" smtClean="0"/>
-              <a:t>диез</a:t>
-            </a:r>
-            <a:r>
-              <a:rPr lang="bg-BG" dirty="0" smtClean="0"/>
-              <a:t>)</a:t>
-            </a:r>
-            <a:endParaRPr lang="en-US" dirty="0" smtClean="0"/>
-          </a:p>
-        </p:txBody>
-      </p:sp>
-      <p:sp>
-        <p:nvSpPr>
-          <p:cNvPr id="5" name="Title 4"/>
-          <p:cNvSpPr>
-            <a:spLocks noGrp="1"/>
-          </p:cNvSpPr>
-          <p:nvPr>
-            <p:ph type="title"/>
-          </p:nvPr>
-        </p:nvSpPr>
-        <p:spPr/>
-        <p:txBody>
-          <a:bodyPr/>
-          <a:lstStyle/>
-          <a:p>
-            <a:r>
-              <a:rPr lang="bg-BG" dirty="0" smtClean="0"/>
-              <a:t>Канали в</a:t>
-            </a:r>
-            <a:r>
-              <a:rPr lang="en-US" dirty="0"/>
-              <a:t> </a:t>
-            </a:r>
-            <a:r>
-              <a:rPr lang="en-US" dirty="0" smtClean="0"/>
-              <a:t>IRC</a:t>
-            </a:r>
-            <a:endParaRPr lang="en-US" dirty="0"/>
-          </a:p>
-        </p:txBody>
-      </p:sp>
-      <p:pic>
-        <p:nvPicPr>
-          <p:cNvPr id="5122" name="Picture 2" descr="undefined"/>
-          <p:cNvPicPr>
-            <a:picLocks noChangeAspect="1" noChangeArrowheads="1"/>
-          </p:cNvPicPr>
-          <p:nvPr/>
-        </p:nvPicPr>
-        <p:blipFill>
-          <a:blip r:embed="rId3">
-            <a:extLst>
-              <a:ext uri="{28A0092B-C50C-407E-A947-70E740481C1C}">
-                <a14:useLocalDpi xmlns:a14="http://schemas.microsoft.com/office/drawing/2010/main" val="0"/>
-              </a:ext>
-            </a:extLst>
-          </a:blip>
-          <a:srcRect/>
-          <a:stretch>
-            <a:fillRect/>
-          </a:stretch>
-        </p:blipFill>
-        <p:spPr bwMode="auto">
-          <a:xfrm>
-            <a:off x="8115946" y="1314000"/>
-            <a:ext cx="3372138" cy="4653551"/>
-          </a:xfrm>
-          <a:prstGeom prst="rect">
-            <a:avLst/>
-          </a:prstGeom>
-          <a:noFill/>
-          <a:ln>
-            <a:solidFill>
-              <a:schemeClr val="bg2">
-                <a:lumMod val="75000"/>
-              </a:schemeClr>
-            </a:solidFill>
-          </a:ln>
-          <a:extLst>
-            <a:ext uri="{909E8E84-426E-40DD-AFC4-6F175D3DCCD1}">
-              <a14:hiddenFill xmlns:a14="http://schemas.microsoft.com/office/drawing/2010/main">
-                <a:solidFill>
-                  <a:srgbClr val="FFFFFF"/>
-                </a:solidFill>
-              </a14:hiddenFill>
-            </a:ext>
-          </a:extLst>
-        </p:spPr>
-      </p:pic>
-      <p:sp>
-        <p:nvSpPr>
-          <p:cNvPr id="8" name="TextBox 7"/>
-          <p:cNvSpPr txBox="1"/>
-          <p:nvPr/>
-        </p:nvSpPr>
-        <p:spPr>
-          <a:xfrm>
-            <a:off x="8317015" y="5967551"/>
-            <a:ext cx="2970000" cy="624374"/>
-          </a:xfrm>
-          <a:prstGeom prst="rect">
-            <a:avLst/>
-          </a:prstGeom>
-          <a:noFill/>
-          <a:ln w="12700">
-            <a:noFill/>
-          </a:ln>
-        </p:spPr>
-        <p:txBody>
-          <a:bodyPr vert="horz" wrap="square" lIns="144000" tIns="108000" rIns="144000" bIns="108000" rtlCol="0">
-            <a:spAutoFit/>
-          </a:bodyPr>
-          <a:lstStyle/>
-          <a:p>
-            <a:pPr algn="r" eaLnBrk="0" hangingPunct="0">
-              <a:lnSpc>
-                <a:spcPct val="110000"/>
-              </a:lnSpc>
-              <a:buClr>
-                <a:schemeClr val="accent5">
-                  <a:lumMod val="40000"/>
-                  <a:lumOff val="60000"/>
-                </a:schemeClr>
-              </a:buClr>
-              <a:buSzPct val="70000"/>
-            </a:pPr>
-            <a:r>
-              <a:rPr lang="bg-BG" sz="2400" dirty="0"/>
-              <a:t>Първият </a:t>
-            </a:r>
-            <a:r>
-              <a:rPr lang="en-US" sz="2400" b="1" dirty="0" smtClean="0"/>
-              <a:t>IRC </a:t>
-            </a:r>
-            <a:r>
-              <a:rPr lang="bg-BG" sz="2400" b="1" dirty="0" smtClean="0"/>
-              <a:t>сървър</a:t>
-            </a:r>
-            <a:endParaRPr lang="en-US" sz="2400" b="1" dirty="0"/>
-          </a:p>
-        </p:txBody>
-      </p:sp>
-    </p:spTree>
-    <p:extLst>
-      <p:ext uri="{BB962C8B-B14F-4D97-AF65-F5344CB8AC3E}">
-        <p14:creationId xmlns:p14="http://schemas.microsoft.com/office/powerpoint/2010/main" val="3209975091"/>
-      </p:ext>
-    </p:extLst>
-  </p:cSld>
-  <p:clrMapOvr>
-    <a:masterClrMapping/>
-  </p:clrMapOvr>
-  <mc:AlternateContent xmlns:mc="http://schemas.openxmlformats.org/markup-compatibility/2006" xmlns:p14="http://schemas.microsoft.com/office/powerpoint/2010/main">
-    <mc:Choice Requires="p14">
-      <p:transition spd="slow" p14:dur="2000" advClick="0" advTm="5000"/>
-    </mc:Choice>
-    <mc:Fallback xmlns="">
-      <p:transition spd="slow" advClick="0" advTm="5000"/>
-    </mc:Fallback>
-  </mc:AlternateContent>
-  <p:timing>
-    <p:tnLst>
-      <p:par>
-        <p:cTn id="1" dur="indefinite" restart="never" nodeType="tmRoot"/>
-      </p:par>
-    </p:tnLst>
-  </p:timing>
-</p:sld>
-</file>
-
-<file path=ppt/slides/slide7.xml><?xml version="1.0" encoding="utf-8"?>
-<p:sld xmlns:a="http://schemas.openxmlformats.org/drawingml/2006/main" xmlns:r="http://schemas.openxmlformats.org/officeDocument/2006/relationships" xmlns:p="http://schemas.openxmlformats.org/presentationml/2006/main">
-  <p:cSld>
-    <p:spTree>
-      <p:nvGrpSpPr>
-        <p:cNvPr id="1" name=""/>
-        <p:cNvGrpSpPr/>
-        <p:nvPr/>
-      </p:nvGrpSpPr>
-      <p:grpSpPr>
-        <a:xfrm>
-          <a:off x="0" y="0"/>
-          <a:ext cx="0" cy="0"/>
-          <a:chOff x="0" y="0"/>
-          <a:chExt cx="0" cy="0"/>
-        </a:xfrm>
-      </p:grpSpPr>
-      <p:sp>
-        <p:nvSpPr>
-          <p:cNvPr id="2" name="Slide Number Placeholder 1"/>
-          <p:cNvSpPr>
-            <a:spLocks noGrp="1"/>
-          </p:cNvSpPr>
-          <p:nvPr>
-            <p:ph type="sldNum" sz="quarter" idx="5"/>
-          </p:nvPr>
-        </p:nvSpPr>
-        <p:spPr/>
-        <p:txBody>
-          <a:bodyPr/>
-          <a:lstStyle/>
-          <a:p>
-            <a:fld id="{2BF067CD-8E6B-4360-9AA8-C5DF2A48A6D1}" type="slidenum">
-              <a:rPr lang="en-US" noProof="0" smtClean="0"/>
-              <a:pPr/>
-              <a:t>7</a:t>
+              <a:t>12</a:t>
             </a:fld>
             <a:endParaRPr lang="en-US" noProof="0" dirty="0"/>
           </a:p>
@@ -9413,60 +8384,56 @@
           <a:lstStyle/>
           <a:p>
             <a:r>
-              <a:rPr lang="ru-RU" dirty="0"/>
-              <a:t>Възможни са и </a:t>
-            </a:r>
-            <a:r>
-              <a:rPr lang="ru-RU" b="1" dirty="0"/>
-              <a:t>лични разговори </a:t>
-            </a:r>
-            <a:r>
-              <a:rPr lang="ru-RU" dirty="0"/>
-              <a:t>между </a:t>
-            </a:r>
-            <a:r>
-              <a:rPr lang="ru-RU" b="1" dirty="0"/>
-              <a:t>двама потребители</a:t>
-            </a:r>
-            <a:endParaRPr lang="en-US" b="1" dirty="0"/>
-          </a:p>
-          <a:p>
-            <a:r>
-              <a:rPr lang="ru-RU" dirty="0"/>
-              <a:t>Всяка </a:t>
-            </a:r>
-            <a:r>
-              <a:rPr lang="ru-RU" b="1" dirty="0"/>
-              <a:t>IRC мрежа </a:t>
-            </a:r>
-            <a:r>
-              <a:rPr lang="ru-RU" dirty="0"/>
-              <a:t>е </a:t>
-            </a:r>
-            <a:r>
-              <a:rPr lang="ru-RU" b="1" dirty="0"/>
-              <a:t>отделна</a:t>
-            </a:r>
-            <a:r>
-              <a:rPr lang="ru-RU" dirty="0"/>
-              <a:t>, и потребителите могат да </a:t>
-            </a:r>
-            <a:r>
-              <a:rPr lang="ru-RU" b="1" dirty="0"/>
-              <a:t>общуват</a:t>
-            </a:r>
-            <a:r>
-              <a:rPr lang="ru-RU" dirty="0"/>
-              <a:t> само в рамките на </a:t>
-            </a:r>
-            <a:r>
-              <a:rPr lang="ru-RU" b="1" dirty="0"/>
-              <a:t>същата мрежа</a:t>
-            </a:r>
-            <a:endParaRPr lang="en-US" b="1" dirty="0"/>
-          </a:p>
-          <a:p>
-            <a:endParaRPr lang="en-US" dirty="0"/>
+              <a:rPr lang="bg-BG" b="1" dirty="0"/>
+              <a:t>Най-известните </a:t>
+            </a:r>
+            <a:r>
+              <a:rPr lang="bg-BG" b="1" dirty="0" smtClean="0"/>
+              <a:t>програми</a:t>
+            </a:r>
+            <a:r>
+              <a:rPr lang="bg-BG" dirty="0"/>
+              <a:t> </a:t>
+            </a:r>
+            <a:r>
+              <a:rPr lang="bg-BG" dirty="0" smtClean="0"/>
+              <a:t>за мигновени съобщения са:</a:t>
+            </a:r>
+          </a:p>
+          <a:p>
+            <a:pPr lvl="1"/>
+            <a:r>
+              <a:rPr lang="en-US" dirty="0" smtClean="0"/>
+              <a:t>WhatsApp</a:t>
+            </a:r>
+          </a:p>
+          <a:p>
+            <a:pPr lvl="1"/>
+            <a:r>
+              <a:rPr lang="en-US" dirty="0" smtClean="0"/>
+              <a:t>Telegram</a:t>
+            </a:r>
+          </a:p>
+          <a:p>
+            <a:pPr lvl="1"/>
+            <a:r>
+              <a:rPr lang="en-US" dirty="0" smtClean="0"/>
+              <a:t>Viber</a:t>
+            </a:r>
+          </a:p>
+          <a:p>
+            <a:pPr lvl="1"/>
+            <a:r>
+              <a:rPr lang="en-US" dirty="0" smtClean="0"/>
+              <a:t>Discord</a:t>
+            </a:r>
+          </a:p>
+          <a:p>
+            <a:pPr lvl="1"/>
+            <a:r>
+              <a:rPr lang="en-US" dirty="0" smtClean="0"/>
+              <a:t>Snapchat</a:t>
+            </a:r>
           </a:p>
         </p:txBody>
       </p:sp>
@@ -9482,12 +8449,14 @@
         </p:nvSpPr>
         <p:spPr/>
         <p:txBody>
-          <a:bodyPr/>
+          <a:bodyPr>
+            <a:normAutofit fontScale="90000"/>
+          </a:bodyPr>
           <a:lstStyle/>
           <a:p>
             <a:r>
-              <a:rPr lang="ru-RU" dirty="0"/>
-              <a:t>Функции и ограничения на IRC мрежите</a:t>
+              <a:rPr lang="bg-BG" dirty="0" smtClean="0"/>
+              <a:t>Програми за размяна на мигновени съобщения</a:t>
             </a:r>
             <a:endParaRPr lang="en-US" dirty="0"/>
           </a:p>
@@ -9495,7 +8464,7 @@
       </p:sp>
       <p:pic>
         <p:nvPicPr>
-          <p:cNvPr id="6146" name="Picture 2" descr="Video Call Friends Images - Free Download on Freepik"/>
+          <p:cNvPr id="5122" name="Picture 2" descr="Category:WhatsApp – Wikimedia Commons"/>
           <p:cNvPicPr>
             <a:picLocks noChangeAspect="1" noChangeArrowheads="1"/>
           </p:cNvPicPr>
@@ -9516,20 +8485,13 @@
         </p:blipFill>
         <p:spPr bwMode="auto">
           <a:xfrm>
-            <a:off x="1551000" y="3463379"/>
-            <a:ext cx="4535235" cy="3021075"/>
+            <a:off x="4951950" y="1908477"/>
+            <a:ext cx="2295000" cy="2302172"/>
           </a:xfrm>
           <a:prstGeom prst="rect">
             <a:avLst/>
           </a:prstGeom>
           <a:noFill/>
-          <a:ln>
-            <a:solidFill>
-              <a:schemeClr val="bg2">
-                <a:lumMod val="75000"/>
-              </a:schemeClr>
-            </a:solidFill>
-          </a:ln>
           <a:extLst>
             <a:ext uri="{909E8E84-426E-40DD-AFC4-6F175D3DCCD1}">
               <a14:hiddenFill xmlns:a14="http://schemas.microsoft.com/office/drawing/2010/main">
@@ -9543,7 +8505,7 @@
       </p:pic>
       <p:pic>
         <p:nvPicPr>
-          <p:cNvPr id="6148" name="Picture 4" descr="User access denied icon in editable flat outline design 5231268 Vector Art  at Vecteezy"/>
+          <p:cNvPr id="5124" name="Picture 4" descr="Телеграм – Уикипедия"/>
           <p:cNvPicPr>
             <a:picLocks noChangeAspect="1" noChangeArrowheads="1"/>
           </p:cNvPicPr>
@@ -9564,8 +8526,127 @@
         </p:blipFill>
         <p:spPr bwMode="auto">
           <a:xfrm>
-            <a:off x="7332307" y="3395909"/>
-            <a:ext cx="3259591" cy="3259591"/>
+            <a:off x="8211000" y="2075844"/>
+            <a:ext cx="1967438" cy="1967438"/>
+          </a:xfrm>
+          <a:prstGeom prst="rect">
+            <a:avLst/>
+          </a:prstGeom>
+          <a:noFill/>
+          <a:extLst>
+            <a:ext uri="{909E8E84-426E-40DD-AFC4-6F175D3DCCD1}">
+              <a14:hiddenFill xmlns:a14="http://schemas.microsoft.com/office/drawing/2010/main">
+                <a:solidFill>
+                  <a:srgbClr val="FFFFFF"/>
+                </a:solidFill>
+              </a14:hiddenFill>
+            </a:ext>
+          </a:extLst>
+        </p:spPr>
+      </p:pic>
+      <p:pic>
+        <p:nvPicPr>
+          <p:cNvPr id="8" name="Picture 10" descr="static.vecteezy.com/system/resources/previews/018/..."/>
+          <p:cNvPicPr>
+            <a:picLocks noChangeAspect="1" noChangeArrowheads="1"/>
+          </p:cNvPicPr>
+          <p:nvPr/>
+        </p:nvPicPr>
+        <p:blipFill rotWithShape="1">
+          <a:blip r:embed="rId4" cstate="hqprint">
+            <a:extLst>
+              <a:ext uri="{28A0092B-C50C-407E-A947-70E740481C1C}">
+                <a14:useLocalDpi xmlns:a14="http://schemas.microsoft.com/office/drawing/2010/main" val="0"/>
+              </a:ext>
+            </a:extLst>
+          </a:blip>
+          <a:srcRect l="14028" t="14579" r="13876" b="15293"/>
+          <a:stretch/>
+        </p:blipFill>
+        <p:spPr bwMode="auto">
+          <a:xfrm>
+            <a:off x="6502725" y="4317009"/>
+            <a:ext cx="2291550" cy="2228982"/>
+          </a:xfrm>
+          <a:prstGeom prst="rect">
+            <a:avLst/>
+          </a:prstGeom>
+          <a:noFill/>
+          <a:extLst>
+            <a:ext uri="{909E8E84-426E-40DD-AFC4-6F175D3DCCD1}">
+              <a14:hiddenFill xmlns:a14="http://schemas.microsoft.com/office/drawing/2010/main">
+                <a:solidFill>
+                  <a:srgbClr val="FFFFFF"/>
+                </a:solidFill>
+              </a14:hiddenFill>
+            </a:ext>
+          </a:extLst>
+        </p:spPr>
+      </p:pic>
+      <p:pic>
+        <p:nvPicPr>
+          <p:cNvPr id="5128" name="Picture 8" descr="Snapchat Logo PNG Vector (EPS) Free Download"/>
+          <p:cNvPicPr>
+            <a:picLocks noChangeAspect="1" noChangeArrowheads="1"/>
+          </p:cNvPicPr>
+          <p:nvPr/>
+        </p:nvPicPr>
+        <p:blipFill>
+          <a:blip r:embed="rId5">
+            <a:extLst>
+              <a:ext uri="{28A0092B-C50C-407E-A947-70E740481C1C}">
+                <a14:useLocalDpi xmlns:a14="http://schemas.microsoft.com/office/drawing/2010/main" val="0"/>
+              </a:ext>
+            </a:extLst>
+          </a:blip>
+          <a:srcRect/>
+          <a:stretch>
+            <a:fillRect/>
+          </a:stretch>
+        </p:blipFill>
+        <p:spPr bwMode="auto">
+          <a:xfrm>
+            <a:off x="9426000" y="4468323"/>
+            <a:ext cx="1926355" cy="1926355"/>
+          </a:xfrm>
+          <a:prstGeom prst="rect">
+            <a:avLst/>
+          </a:prstGeom>
+          <a:noFill/>
+          <a:extLst>
+            <a:ext uri="{909E8E84-426E-40DD-AFC4-6F175D3DCCD1}">
+              <a14:hiddenFill xmlns:a14="http://schemas.microsoft.com/office/drawing/2010/main">
+                <a:solidFill>
+                  <a:srgbClr val="FFFFFF"/>
+                </a:solidFill>
+              </a14:hiddenFill>
+            </a:ext>
+          </a:extLst>
+        </p:spPr>
+      </p:pic>
+      <p:pic>
+        <p:nvPicPr>
+          <p:cNvPr id="7" name="Picture 6" descr="Viber - Free social media icons"/>
+          <p:cNvPicPr>
+            <a:picLocks noChangeAspect="1" noChangeArrowheads="1"/>
+          </p:cNvPicPr>
+          <p:nvPr/>
+        </p:nvPicPr>
+        <p:blipFill rotWithShape="1">
+          <a:blip r:embed="rId6">
+            <a:extLst>
+              <a:ext uri="{28A0092B-C50C-407E-A947-70E740481C1C}">
+                <a14:useLocalDpi xmlns:a14="http://schemas.microsoft.com/office/drawing/2010/main" val="0"/>
+              </a:ext>
+            </a:extLst>
+          </a:blip>
+          <a:srcRect l="7633" t="4424" r="8819" b="3994"/>
+          <a:stretch/>
+        </p:blipFill>
+        <p:spPr bwMode="auto">
+          <a:xfrm>
+            <a:off x="3729270" y="4317008"/>
+            <a:ext cx="2186729" cy="2396991"/>
           </a:xfrm>
           <a:prstGeom prst="rect">
             <a:avLst/>
@@ -9585,7 +8666,7 @@
     </p:spTree>
     <p:extLst>
       <p:ext uri="{BB962C8B-B14F-4D97-AF65-F5344CB8AC3E}">
-        <p14:creationId xmlns:p14="http://schemas.microsoft.com/office/powerpoint/2010/main" val="4077437236"/>
+        <p14:creationId xmlns:p14="http://schemas.microsoft.com/office/powerpoint/2010/main" val="4204450404"/>
       </p:ext>
     </p:extLst>
   </p:cSld>
@@ -9634,7 +8715,38 @@
                                           </p:stCondLst>
                                         </p:cTn>
                                         <p:tgtEl>
-                                          <p:spTgt spid="6146"/>
+                                          <p:spTgt spid="3">
+                                            <p:txEl>
+                                              <p:pRg st="1" end="1"/>
+                                            </p:txEl>
+                                          </p:spTgt>
+                                        </p:tgtEl>
+                                        <p:attrNameLst>
+                                          <p:attrName>style.visibility</p:attrName>
+                                        </p:attrNameLst>
+                                      </p:cBhvr>
+                                      <p:to>
+                                        <p:strVal val="visible"/>
+                                      </p:to>
+                                    </p:set>
+                                  </p:childTnLst>
+                                </p:cTn>
+                              </p:par>
+                              <p:par>
+                                <p:cTn id="7" presetID="1" presetClass="entr" presetSubtype="0" fill="hold" nodeType="withEffect">
+                                  <p:stCondLst>
+                                    <p:cond delay="0"/>
+                                  </p:stCondLst>
+                                  <p:childTnLst>
+                                    <p:set>
+                                      <p:cBhvr>
+                                        <p:cTn id="8" dur="1" fill="hold">
+                                          <p:stCondLst>
+                                            <p:cond delay="0"/>
+                                          </p:stCondLst>
+                                        </p:cTn>
+                                        <p:tgtEl>
+                                          <p:spTgt spid="5122"/>
                                         </p:tgtEl>
                                         <p:attrNameLst>
                                           <p:attrName>style.visibility</p:attrName>
@@ -9654,26 +8766,26 @@
                     </p:cTn>
                   </p:par>
                   <p:par>
-                    <p:cTn id="7" fill="hold">
+                    <p:cTn id="9" fill="hold">
                       <p:stCondLst>
                         <p:cond delay="indefinite"/>
                       </p:stCondLst>
                       <p:childTnLst>
                         <p:par>
-                          <p:cTn id="8" fill="hold">
+                          <p:cTn id="10" fill="hold">
                             <p:stCondLst>
                               <p:cond delay="0"/>
                             </p:stCondLst>
                             <p:childTnLst>
                               <p:par>
-                                <p:cTn id="9" presetID="1" presetClass="entr" presetSubtype="0" fill="hold" nodeType="clickEffect">
+                                <p:cTn id="11" presetID="1" presetClass="entr" presetSubtype="0" fill="hold" nodeType="clickEffect">
                                   <p:stCondLst>
                                     <p:cond delay="0"/>
                                   </p:stCondLst>
                                   <p:childTnLst>
                                     <p:set>
                                       <p:cBhvr>
-                                        <p:cTn id="10" dur="1" fill="hold">
+                                        <p:cTn id="12" dur="1" fill="hold">
                                           <p:stCondLst>
                                             <p:cond delay="0"/>
                                           </p:stCondLst>
@@ -9681,9 +8793,36 @@
                                         <p:tgtEl>
                                           <p:spTgt spid="3">
                                             <p:txEl>
-                                              <p:pRg st="1" end="1"/>
+                                              <p:pRg st="2" end="2"/>
                                             </p:txEl>
                                           </p:spTgt>
+                                        </p:tgtEl>
+                                        <p:attrNameLst>
+                                          <p:attrName>style.visibility</p:attrName>
+                                        </p:attrNameLst>
+                                      </p:cBhvr>
+                                      <p:to>
+                                        <p:strVal val="visible"/>
+                                      </p:to>
+                                    </p:set>
+                                  </p:childTnLst>
+                                </p:cTn>
+                              </p:par>
+                              <p:par>
+                                <p:cTn id="13" presetID="1" presetClass="entr" presetSubtype="0" fill="hold" nodeType="withEffect">
+                                  <p:stCondLst>
+                                    <p:cond delay="0"/>
+                                  </p:stCondLst>
+                                  <p:childTnLst>
+                                    <p:set>
+                                      <p:cBhvr>
+                                        <p:cTn id="14" dur="1" fill="hold">
+                                          <p:stCondLst>
+                                            <p:cond delay="0"/>
+                                          </p:stCondLst>
+                                        </p:cTn>
+                                        <p:tgtEl>
+                                          <p:spTgt spid="5124"/>
                                         </p:tgtEl>
                                         <p:attrNameLst>
                                           <p:attrName>style.visibility</p:attrName>
@@ -9703,32 +8842,215 @@
                     </p:cTn>
                   </p:par>
                   <p:par>
-                    <p:cTn id="11" fill="hold">
+                    <p:cTn id="15" fill="hold">
                       <p:stCondLst>
                         <p:cond delay="indefinite"/>
                       </p:stCondLst>
                       <p:childTnLst>
                         <p:par>
-                          <p:cTn id="12" fill="hold">
+                          <p:cTn id="16" fill="hold">
                             <p:stCondLst>
                               <p:cond delay="0"/>
                             </p:stCondLst>
                             <p:childTnLst>
                               <p:par>
-                                <p:cTn id="13" presetID="1" presetClass="entr" presetSubtype="0" fill="hold" nodeType="clickEffect">
+                                <p:cTn id="17" presetID="1" presetClass="entr" presetSubtype="0" fill="hold" nodeType="clickEffect">
                                   <p:stCondLst>
                                     <p:cond delay="0"/>
                                   </p:stCondLst>
                                   <p:childTnLst>
                                     <p:set>
                                       <p:cBhvr>
-                                        <p:cTn id="14" dur="1" fill="hold">
+                                        <p:cTn id="18" dur="1" fill="hold">
                                           <p:stCondLst>
                                             <p:cond delay="0"/>
                                           </p:stCondLst>
                                         </p:cTn>
                                         <p:tgtEl>
-                                          <p:spTgt spid="6148"/>
+                                          <p:spTgt spid="3">
+                                            <p:txEl>
+                                              <p:pRg st="3" end="3"/>
+                                            </p:txEl>
+                                          </p:spTgt>
+                                        </p:tgtEl>
+                                        <p:attrNameLst>
+                                          <p:attrName>style.visibility</p:attrName>
+                                        </p:attrNameLst>
+                                      </p:cBhvr>
+                                      <p:to>
+                                        <p:strVal val="visible"/>
+                                      </p:to>
+                                    </p:set>
+                                  </p:childTnLst>
+                                </p:cTn>
+                              </p:par>
+                              <p:par>
+                                <p:cTn id="19" presetID="1" presetClass="entr" presetSubtype="0" fill="hold" nodeType="withEffect">
+                                  <p:stCondLst>
+                                    <p:cond delay="0"/>
+                                  </p:stCondLst>
+                                  <p:childTnLst>
+                                    <p:set>
+                                      <p:cBhvr>
+                                        <p:cTn id="20" dur="1" fill="hold">
+                                          <p:stCondLst>
+                                            <p:cond delay="0"/>
+                                          </p:stCondLst>
+                                        </p:cTn>
+                                        <p:tgtEl>
+                                          <p:spTgt spid="7"/>
+                                        </p:tgtEl>
+                                        <p:attrNameLst>
+                                          <p:attrName>style.visibility</p:attrName>
+                                        </p:attrNameLst>
+                                      </p:cBhvr>
+                                      <p:to>
+                                        <p:strVal val="visible"/>
+                                      </p:to>
+                                    </p:set>
+                                  </p:childTnLst>
+                                </p:cTn>
+                              </p:par>
+                            </p:childTnLst>
+                          </p:cTn>
+                        </p:par>
+                      </p:childTnLst>
+                    </p:cTn>
+                  </p:par>
+                  <p:par>
+                    <p:cTn id="21" fill="hold">
+                      <p:stCondLst>
+                        <p:cond delay="indefinite"/>
+                      </p:stCondLst>
+                      <p:childTnLst>
+                        <p:par>
+                          <p:cTn id="22" fill="hold">
+                            <p:stCondLst>
+                              <p:cond delay="0"/>
+                            </p:stCondLst>
+                            <p:childTnLst>
+                              <p:par>
+                                <p:cTn id="23" presetID="1" presetClass="entr" presetSubtype="0" fill="hold" nodeType="clickEffect">
+                                  <p:stCondLst>
+                                    <p:cond delay="0"/>
+                                  </p:stCondLst>
+                                  <p:childTnLst>
+                                    <p:set>
+                                      <p:cBhvr>
+                                        <p:cTn id="24" dur="1" fill="hold">
+                                          <p:stCondLst>
+                                            <p:cond delay="0"/>
+                                          </p:stCondLst>
+                                        </p:cTn>
+                                        <p:tgtEl>
+                                          <p:spTgt spid="3">
+                                            <p:txEl>
+                                              <p:pRg st="4" end="4"/>
+                                            </p:txEl>
+                                          </p:spTgt>
+                                        </p:tgtEl>
+                                        <p:attrNameLst>
+                                          <p:attrName>style.visibility</p:attrName>
+                                        </p:attrNameLst>
+                                      </p:cBhvr>
+                                      <p:to>
+                                        <p:strVal val="visible"/>
+                                      </p:to>
+                                    </p:set>
+                                  </p:childTnLst>
+                                </p:cTn>
+                              </p:par>
+                              <p:par>
+                                <p:cTn id="25" presetID="1" presetClass="entr" presetSubtype="0" fill="hold" nodeType="withEffect">
+                                  <p:stCondLst>
+                                    <p:cond delay="0"/>
+                                  </p:stCondLst>
+                                  <p:childTnLst>
+                                    <p:set>
+                                      <p:cBhvr>
+                                        <p:cTn id="26" dur="1" fill="hold">
+                                          <p:stCondLst>
+                                            <p:cond delay="0"/>
+                                          </p:stCondLst>
+                                        </p:cTn>
+                                        <p:tgtEl>
+                                          <p:spTgt spid="8"/>
+                                        </p:tgtEl>
+                                        <p:attrNameLst>
+                                          <p:attrName>style.visibility</p:attrName>
+                                        </p:attrNameLst>
+                                      </p:cBhvr>
+                                      <p:to>
+                                        <p:strVal val="visible"/>
+                                      </p:to>
+                                    </p:set>
+                                  </p:childTnLst>
+                                </p:cTn>
+                              </p:par>
+                            </p:childTnLst>
+                          </p:cTn>
+                        </p:par>
+                      </p:childTnLst>
+                    </p:cTn>
+                  </p:par>
+                  <p:par>
+                    <p:cTn id="27" fill="hold">
+                      <p:stCondLst>
+                        <p:cond delay="indefinite"/>
+                      </p:stCondLst>
+                      <p:childTnLst>
+                        <p:par>
+                          <p:cTn id="28" fill="hold">
+                            <p:stCondLst>
+                              <p:cond delay="0"/>
+                            </p:stCondLst>
+                            <p:childTnLst>
+                              <p:par>
+                                <p:cTn id="29" presetID="1" presetClass="entr" presetSubtype="0" fill="hold" nodeType="clickEffect">
+                                  <p:stCondLst>
+                                    <p:cond delay="0"/>
+                                  </p:stCondLst>
+                                  <p:childTnLst>
+                                    <p:set>
+                                      <p:cBhvr>
+                                        <p:cTn id="30" dur="1" fill="hold">
+                                          <p:stCondLst>
+                                            <p:cond delay="0"/>
+                                          </p:stCondLst>
+                                        </p:cTn>
+                                        <p:tgtEl>
+                                          <p:spTgt spid="3">
+                                            <p:txEl>
+                                              <p:pRg st="5" end="5"/>
+                                            </p:txEl>
+                                          </p:spTgt>
+                                        </p:tgtEl>
+                                        <p:attrNameLst>
+                                          <p:attrName>style.visibility</p:attrName>
+                                        </p:attrNameLst>
+                                      </p:cBhvr>
+                                      <p:to>
+                                        <p:strVal val="visible"/>
+                                      </p:to>
+                                    </p:set>
+                                  </p:childTnLst>
+                                </p:cTn>
+                              </p:par>
+                              <p:par>
+                                <p:cTn id="31" presetID="1" presetClass="entr" presetSubtype="0" fill="hold" nodeType="withEffect">
+                                  <p:stCondLst>
+                                    <p:cond delay="0"/>
+                                  </p:stCondLst>
+                                  <p:childTnLst>
+                                    <p:set>
+                                      <p:cBhvr>
+                                        <p:cTn id="32" dur="1" fill="hold">
+                                          <p:stCondLst>
+                                            <p:cond delay="0"/>
+                                          </p:stCondLst>
+                                        </p:cTn>
+                                        <p:tgtEl>
+                                          <p:spTgt spid="5128"/>
                                         </p:tgtEl>
                                         <p:attrNameLst>
                                           <p:attrName>style.visibility</p:attrName>
@@ -9772,307 +9094,7 @@
 </p:sld>
 </file>
 
-<file path=ppt/slides/slide8.xml><?xml version="1.0" encoding="utf-8"?>
-<p:sld xmlns:a="http://schemas.openxmlformats.org/drawingml/2006/main" xmlns:r="http://schemas.openxmlformats.org/officeDocument/2006/relationships" xmlns:p="http://schemas.openxmlformats.org/presentationml/2006/main">
-  <p:cSld>
-    <p:spTree>
-      <p:nvGrpSpPr>
-        <p:cNvPr id="1" name=""/>
-        <p:cNvGrpSpPr/>
-        <p:nvPr/>
-      </p:nvGrpSpPr>
-      <p:grpSpPr>
-        <a:xfrm>
-          <a:off x="0" y="0"/>
-          <a:ext cx="0" cy="0"/>
-          <a:chOff x="0" y="0"/>
-          <a:chExt cx="0" cy="0"/>
-        </a:xfrm>
-      </p:grpSpPr>
-      <p:sp>
-        <p:nvSpPr>
-          <p:cNvPr id="2" name="Slide Number Placeholder 1"/>
-          <p:cNvSpPr>
-            <a:spLocks noGrp="1"/>
-          </p:cNvSpPr>
-          <p:nvPr>
-            <p:ph type="sldNum" sz="quarter" idx="5"/>
-          </p:nvPr>
-        </p:nvSpPr>
-        <p:spPr/>
-        <p:txBody>
-          <a:bodyPr/>
-          <a:lstStyle/>
-          <a:p>
-            <a:fld id="{2BF067CD-8E6B-4360-9AA8-C5DF2A48A6D1}" type="slidenum">
-              <a:rPr lang="en-US" noProof="0" smtClean="0"/>
-              <a:pPr/>
-              <a:t>8</a:t>
-            </a:fld>
-            <a:endParaRPr lang="en-US" noProof="0" dirty="0"/>
-          </a:p>
-        </p:txBody>
-      </p:sp>
-      <p:sp>
-        <p:nvSpPr>
-          <p:cNvPr id="3" name="Text Placeholder 2"/>
-          <p:cNvSpPr>
-            <a:spLocks noGrp="1"/>
-          </p:cNvSpPr>
-          <p:nvPr>
-            <p:ph type="body" sz="quarter" idx="10"/>
-          </p:nvPr>
-        </p:nvSpPr>
-        <p:spPr/>
-        <p:txBody>
-          <a:bodyPr/>
-          <a:lstStyle/>
-          <a:p>
-            <a:r>
-              <a:rPr lang="bg-BG" b="1" dirty="0" smtClean="0"/>
-              <a:t>͏</a:t>
-            </a:r>
-            <a:r>
-              <a:rPr lang="bg-BG" b="1" dirty="0" smtClean="0">
-                <a:solidFill>
-                  <a:schemeClr val="bg1"/>
-                </a:solidFill>
-              </a:rPr>
-              <a:t>Интернет телефония </a:t>
-            </a:r>
-            <a:r>
-              <a:rPr lang="bg-BG" dirty="0" smtClean="0"/>
-              <a:t>(</a:t>
-            </a:r>
-            <a:r>
-              <a:rPr lang="en-US" b="1" dirty="0">
-                <a:solidFill>
-                  <a:schemeClr val="bg1"/>
-                </a:solidFill>
-              </a:rPr>
-              <a:t>V</a:t>
-            </a:r>
-            <a:r>
-              <a:rPr lang="en-US" dirty="0"/>
-              <a:t>oice </a:t>
-            </a:r>
-            <a:r>
-              <a:rPr lang="en-US" b="1" dirty="0">
-                <a:solidFill>
-                  <a:schemeClr val="bg1"/>
-                </a:solidFill>
-              </a:rPr>
-              <a:t>o</a:t>
-            </a:r>
-            <a:r>
-              <a:rPr lang="en-US" dirty="0"/>
-              <a:t>ver </a:t>
-            </a:r>
-            <a:r>
-              <a:rPr lang="en-US" b="1" dirty="0">
-                <a:solidFill>
-                  <a:schemeClr val="bg1"/>
-                </a:solidFill>
-              </a:rPr>
-              <a:t>I</a:t>
-            </a:r>
-            <a:r>
-              <a:rPr lang="en-US" dirty="0"/>
-              <a:t>nternet </a:t>
-            </a:r>
-            <a:r>
-              <a:rPr lang="en-US" b="1" dirty="0">
-                <a:solidFill>
-                  <a:schemeClr val="bg1"/>
-                </a:solidFill>
-              </a:rPr>
-              <a:t>P</a:t>
-            </a:r>
-            <a:r>
-              <a:rPr lang="en-US" dirty="0"/>
-              <a:t>rotocol</a:t>
-            </a:r>
-            <a:r>
-              <a:rPr lang="bg-BG" dirty="0" smtClean="0"/>
-              <a:t>)</a:t>
-            </a:r>
-            <a:r>
-              <a:rPr lang="en-US" dirty="0" smtClean="0"/>
-              <a:t> – </a:t>
-            </a:r>
-            <a:r>
-              <a:rPr lang="ru-RU" dirty="0" smtClean="0"/>
-              <a:t>технология</a:t>
-            </a:r>
-            <a:r>
-              <a:rPr lang="ru-RU" dirty="0"/>
-              <a:t>, която позволява пренасянето на глас </a:t>
-            </a:r>
-            <a:r>
-              <a:rPr lang="ru-RU" dirty="0" smtClean="0"/>
-              <a:t>благодарение </a:t>
-            </a:r>
-            <a:r>
-              <a:rPr lang="ru-RU" dirty="0"/>
-              <a:t>на инфраструктурата на </a:t>
-            </a:r>
-            <a:r>
-              <a:rPr lang="ru-RU" dirty="0" smtClean="0"/>
-              <a:t>интернет</a:t>
-            </a:r>
-            <a:endParaRPr lang="en-US" dirty="0" smtClean="0"/>
-          </a:p>
-          <a:p>
-            <a:r>
-              <a:rPr lang="bg-BG" dirty="0" smtClean="0"/>
-              <a:t>Съществува и </a:t>
-            </a:r>
-            <a:r>
-              <a:rPr lang="en-US" dirty="0" err="1" smtClean="0"/>
-              <a:t>mVoIP</a:t>
-            </a:r>
-            <a:r>
-              <a:rPr lang="en-US" dirty="0" smtClean="0"/>
-              <a:t> (</a:t>
-            </a:r>
-            <a:r>
-              <a:rPr lang="en-US" dirty="0"/>
-              <a:t>Mobile VoIP</a:t>
-            </a:r>
-            <a:r>
-              <a:rPr lang="en-US" dirty="0" smtClean="0"/>
-              <a:t>) </a:t>
-            </a:r>
-            <a:r>
-              <a:rPr lang="bg-BG" dirty="0" smtClean="0"/>
-              <a:t>технология, която използва мобилните устройства – смартфони, таблети и т.н.</a:t>
-            </a:r>
-          </a:p>
-        </p:txBody>
-      </p:sp>
-      <p:sp>
-        <p:nvSpPr>
-          <p:cNvPr id="4" name="Title 3"/>
-          <p:cNvSpPr>
-            <a:spLocks noGrp="1"/>
-          </p:cNvSpPr>
-          <p:nvPr>
-            <p:ph type="title"/>
-          </p:nvPr>
-        </p:nvSpPr>
-        <p:spPr/>
-        <p:txBody>
-          <a:bodyPr/>
-          <a:lstStyle/>
-          <a:p>
-            <a:r>
-              <a:rPr lang="bg-BG" dirty="0" smtClean="0"/>
-              <a:t>Интернет телефония</a:t>
-            </a:r>
-            <a:r>
-              <a:rPr lang="en-US" dirty="0" smtClean="0"/>
-              <a:t> </a:t>
-            </a:r>
-            <a:r>
-              <a:rPr lang="en-US" dirty="0"/>
-              <a:t>VoIP</a:t>
-            </a:r>
-          </a:p>
-        </p:txBody>
-      </p:sp>
-      <p:sp>
-        <p:nvSpPr>
-          <p:cNvPr id="5" name="TextBox 4"/>
-          <p:cNvSpPr txBox="1"/>
-          <p:nvPr/>
-        </p:nvSpPr>
-        <p:spPr>
-          <a:xfrm>
-            <a:off x="3306000" y="2844000"/>
-            <a:ext cx="6300000" cy="3160133"/>
-          </a:xfrm>
-          <a:prstGeom prst="rect">
-            <a:avLst/>
-          </a:prstGeom>
-          <a:ln/>
-        </p:spPr>
-        <p:style>
-          <a:lnRef idx="2">
-            <a:schemeClr val="accent1"/>
-          </a:lnRef>
-          <a:fillRef idx="1">
-            <a:schemeClr val="lt1"/>
-          </a:fillRef>
-          <a:effectRef idx="0">
-            <a:schemeClr val="accent1"/>
-          </a:effectRef>
-          <a:fontRef idx="minor">
-            <a:schemeClr val="dk1"/>
-          </a:fontRef>
-        </p:style>
-        <p:txBody>
-          <a:bodyPr vert="horz" wrap="square" lIns="144000" tIns="108000" rIns="144000" bIns="108000" rtlCol="0">
-            <a:spAutoFit/>
-          </a:bodyPr>
-          <a:lstStyle/>
-          <a:p>
-            <a:pPr algn="l" eaLnBrk="0" hangingPunct="0">
-              <a:lnSpc>
-                <a:spcPct val="110000"/>
-              </a:lnSpc>
-              <a:buClr>
-                <a:schemeClr val="accent5">
-                  <a:lumMod val="40000"/>
-                  <a:lumOff val="60000"/>
-                </a:schemeClr>
-              </a:buClr>
-              <a:buSzPct val="70000"/>
-            </a:pPr>
-            <a:r>
-              <a:rPr lang="bg-BG" sz="4400" b="1" dirty="0" smtClean="0"/>
-              <a:t>Снимки за </a:t>
-            </a:r>
-            <a:r>
-              <a:rPr lang="en-US" sz="4400" b="1" dirty="0" smtClean="0"/>
-              <a:t>VoIP </a:t>
-            </a:r>
-            <a:r>
-              <a:rPr lang="bg-BG" sz="4400" b="1" dirty="0" smtClean="0"/>
-              <a:t>и пример за програми, които използват технологията</a:t>
-            </a:r>
-            <a:endParaRPr lang="en-US" sz="4400" b="1" dirty="0"/>
-          </a:p>
-        </p:txBody>
-      </p:sp>
-    </p:spTree>
-    <p:extLst>
-      <p:ext uri="{BB962C8B-B14F-4D97-AF65-F5344CB8AC3E}">
-        <p14:creationId xmlns:p14="http://schemas.microsoft.com/office/powerpoint/2010/main" val="3630292162"/>
-      </p:ext>
-    </p:extLst>
-  </p:cSld>
-  <p:clrMapOvr>
-    <a:masterClrMapping/>
-  </p:clrMapOvr>
-  <mc:AlternateContent xmlns:mc="http://schemas.openxmlformats.org/markup-compatibility/2006" xmlns:p14="http://schemas.microsoft.com/office/powerpoint/2010/main">
-    <mc:Choice Requires="p14">
-      <p:transition spd="slow" p14:dur="2000" advClick="0" advTm="5000"/>
-    </mc:Choice>
-    <mc:Fallback xmlns="">
-      <p:transition spd="slow" advClick="0" advTm="5000"/>
-    </mc:Fallback>
-  </mc:AlternateContent>
-  <p:timing>
-    <p:tnLst>
-      <p:par>
-        <p:cTn id="1" dur="indefinite" restart="never" nodeType="tmRoot"/>
-      </p:par>
-    </p:tnLst>
-  </p:timing>
-</p:sld>
-</file>
-
-<file path=ppt/slides/slide9.xml><?xml version="1.0" encoding="utf-8"?>
+<file path=ppt/slides/slide13.xml><?xml version="1.0" encoding="utf-8"?>
 <p:sld xmlns:a="http://schemas.openxmlformats.org/drawingml/2006/main" xmlns:r="http://schemas.openxmlformats.org/officeDocument/2006/relationships" xmlns:p="http://schemas.openxmlformats.org/presentationml/2006/main">
   <p:cSld>
     <p:spTree>
@@ -10334,7 +9356,7 @@
             <a:fld id="{C014DD1E-5D91-48A3-AD6D-45FBA980D106}" type="slidenum">
               <a:rPr lang="en-US" smtClean="0"/>
               <a:pPr/>
-              <a:t>9</a:t>
+              <a:t>13</a:t>
             </a:fld>
             <a:endParaRPr lang="en-US" dirty="0"/>
           </a:p>
@@ -10845,6 +9867,3843 @@
                                               <p:pRg st="0" end="0"/>
                                             </p:txEl>
                                           </p:spTgt>
+                                        </p:tgtEl>
+                                        <p:attrNameLst>
+                                          <p:attrName>style.visibility</p:attrName>
+                                        </p:attrNameLst>
+                                      </p:cBhvr>
+                                      <p:to>
+                                        <p:strVal val="visible"/>
+                                      </p:to>
+                                    </p:set>
+                                  </p:childTnLst>
+                                </p:cTn>
+                              </p:par>
+                            </p:childTnLst>
+                          </p:cTn>
+                        </p:par>
+                      </p:childTnLst>
+                    </p:cTn>
+                  </p:par>
+                </p:childTnLst>
+              </p:cTn>
+              <p:prevCondLst>
+                <p:cond evt="onPrev" delay="0">
+                  <p:tgtEl>
+                    <p:sldTgt/>
+                  </p:tgtEl>
+                </p:cond>
+              </p:prevCondLst>
+              <p:nextCondLst>
+                <p:cond evt="onNext" delay="0">
+                  <p:tgtEl>
+                    <p:sldTgt/>
+                  </p:tgtEl>
+                </p:cond>
+              </p:nextCondLst>
+            </p:seq>
+          </p:childTnLst>
+        </p:cTn>
+      </p:par>
+    </p:tnLst>
+  </p:timing>
+</p:sld>
+</file>
+
+<file path=ppt/slides/slide14.xml><?xml version="1.0" encoding="utf-8"?>
+<p:sld xmlns:a="http://schemas.openxmlformats.org/drawingml/2006/main" xmlns:r="http://schemas.openxmlformats.org/officeDocument/2006/relationships" xmlns:p="http://schemas.openxmlformats.org/presentationml/2006/main">
+  <p:cSld>
+    <p:spTree>
+      <p:nvGrpSpPr>
+        <p:cNvPr id="1" name=""/>
+        <p:cNvGrpSpPr/>
+        <p:nvPr/>
+      </p:nvGrpSpPr>
+      <p:grpSpPr>
+        <a:xfrm>
+          <a:off x="0" y="0"/>
+          <a:ext cx="0" cy="0"/>
+          <a:chOff x="0" y="0"/>
+          <a:chExt cx="0" cy="0"/>
+        </a:xfrm>
+      </p:grpSpPr>
+      <p:sp>
+        <p:nvSpPr>
+          <p:cNvPr id="5" name="Slide Title">
+            <a:extLst>
+              <a:ext uri="{FF2B5EF4-FFF2-40B4-BE49-F238E27FC236}">
+                <a16:creationId xmlns:a16="http://schemas.microsoft.com/office/drawing/2014/main" id="{FA0703FC-0F8F-4C80-A615-E4B381EC0E0C}"/>
+              </a:ext>
+            </a:extLst>
+          </p:cNvPr>
+          <p:cNvSpPr>
+            <a:spLocks noGrp="1"/>
+          </p:cNvSpPr>
+          <p:nvPr>
+            <p:ph type="title"/>
+          </p:nvPr>
+        </p:nvSpPr>
+        <p:spPr/>
+        <p:txBody>
+          <a:bodyPr/>
+          <a:lstStyle/>
+          <a:p>
+            <a:r>
+              <a:rPr lang="bg-BG" dirty="0"/>
+              <a:t>Въпроси</a:t>
+            </a:r>
+            <a:r>
+              <a:rPr lang="en-US" dirty="0"/>
+              <a:t>?</a:t>
+            </a:r>
+          </a:p>
+        </p:txBody>
+      </p:sp>
+      <p:sp>
+        <p:nvSpPr>
+          <p:cNvPr id="2" name="Rectangle Bottom Copyright">
+            <a:extLst>
+              <a:ext uri="{FF2B5EF4-FFF2-40B4-BE49-F238E27FC236}">
+                <a16:creationId xmlns:a16="http://schemas.microsoft.com/office/drawing/2014/main" id="{664812A4-2991-44D1-BFE9-32E55AADF8A5}"/>
+              </a:ext>
+            </a:extLst>
+          </p:cNvPr>
+          <p:cNvSpPr/>
+          <p:nvPr/>
+        </p:nvSpPr>
+        <p:spPr>
+          <a:xfrm>
+            <a:off x="111000" y="6454758"/>
+            <a:ext cx="11970000" cy="304242"/>
+          </a:xfrm>
+          <a:prstGeom prst="rect">
+            <a:avLst/>
+          </a:prstGeom>
+        </p:spPr>
+        <p:txBody>
+          <a:bodyPr wrap="square">
+            <a:noAutofit/>
+          </a:bodyPr>
+          <a:lstStyle/>
+          <a:p>
+            <a:pPr algn="ctr">
+              <a:lnSpc>
+                <a:spcPct val="100000"/>
+              </a:lnSpc>
+              <a:spcBef>
+                <a:spcPts val="0"/>
+              </a:spcBef>
+              <a:spcAft>
+                <a:spcPts val="0"/>
+              </a:spcAft>
+            </a:pPr>
+            <a:r>
+              <a:rPr lang="bg-BG" sz="1600" dirty="0">
+                <a:solidFill>
+                  <a:schemeClr val="bg2"/>
+                </a:solidFill>
+                <a:effectLst/>
+                <a:latin typeface="Calibri" panose="020F0502020204030204" pitchFamily="34" charset="0"/>
+                <a:ea typeface="Calibri" panose="020F0502020204030204" pitchFamily="34" charset="0"/>
+                <a:cs typeface="Arial" panose="020B0604020202020204" pitchFamily="34" charset="0"/>
+              </a:rPr>
+              <a:t>Проект "</a:t>
+            </a:r>
+            <a:r>
+              <a:rPr lang="bg-BG" sz="1600" dirty="0">
+                <a:solidFill>
+                  <a:schemeClr val="bg1">
+                    <a:lumMod val="20000"/>
+                    <a:lumOff val="80000"/>
+                  </a:schemeClr>
+                </a:solidFill>
+                <a:effectLst/>
+                <a:latin typeface="Calibri" panose="020F0502020204030204" pitchFamily="34" charset="0"/>
+                <a:ea typeface="Calibri" panose="020F0502020204030204" pitchFamily="34" charset="0"/>
+                <a:cs typeface="Arial" panose="020B0604020202020204" pitchFamily="34" charset="0"/>
+                <a:hlinkClick r:id="rId3">
+                  <a:extLst>
+                    <a:ext uri="{A12FA001-AC4F-418D-AE19-62706E023703}">
+                      <ahyp:hlinkClr xmlns="" xmlns:ahyp="http://schemas.microsoft.com/office/drawing/2018/hyperlinkcolor" val="tx"/>
+                    </a:ext>
+                  </a:extLst>
+                </a:hlinkClick>
+              </a:rPr>
+              <a:t>Отворено учебно съдържание по програмиране и ИТ</a:t>
+            </a:r>
+            <a:r>
+              <a:rPr lang="bg-BG" sz="1600" dirty="0">
+                <a:solidFill>
+                  <a:schemeClr val="bg2"/>
+                </a:solidFill>
+                <a:effectLst/>
+                <a:latin typeface="Calibri" panose="020F0502020204030204" pitchFamily="34" charset="0"/>
+                <a:ea typeface="Calibri" panose="020F0502020204030204" pitchFamily="34" charset="0"/>
+                <a:cs typeface="Arial" panose="020B0604020202020204" pitchFamily="34" charset="0"/>
+              </a:rPr>
+              <a:t>", СофтУни Фондация (лиценз </a:t>
+            </a:r>
+            <a:r>
+              <a:rPr lang="en-US" sz="1600" dirty="0">
+                <a:solidFill>
+                  <a:schemeClr val="bg2"/>
+                </a:solidFill>
+                <a:effectLst/>
+                <a:latin typeface="Calibri" panose="020F0502020204030204" pitchFamily="34" charset="0"/>
+                <a:ea typeface="Calibri" panose="020F0502020204030204" pitchFamily="34" charset="0"/>
+                <a:cs typeface="Arial" panose="020B0604020202020204" pitchFamily="34" charset="0"/>
+              </a:rPr>
+              <a:t>CC-BY-NC-SA</a:t>
+            </a:r>
+            <a:r>
+              <a:rPr lang="bg-BG" sz="1600" dirty="0">
+                <a:solidFill>
+                  <a:schemeClr val="bg2"/>
+                </a:solidFill>
+                <a:effectLst/>
+                <a:latin typeface="Calibri" panose="020F0502020204030204" pitchFamily="34" charset="0"/>
+                <a:ea typeface="Calibri" panose="020F0502020204030204" pitchFamily="34" charset="0"/>
+                <a:cs typeface="Arial" panose="020B0604020202020204" pitchFamily="34" charset="0"/>
+              </a:rPr>
+              <a:t>)</a:t>
+            </a:r>
+            <a:endParaRPr lang="bg-BG" sz="2400" dirty="0">
+              <a:solidFill>
+                <a:schemeClr val="bg2"/>
+              </a:solidFill>
+              <a:effectLst/>
+              <a:latin typeface="Calibri" panose="020F0502020204030204" pitchFamily="34" charset="0"/>
+              <a:ea typeface="Calibri" panose="020F0502020204030204" pitchFamily="34" charset="0"/>
+              <a:cs typeface="Arial" panose="020B0604020202020204" pitchFamily="34" charset="0"/>
+            </a:endParaRPr>
+          </a:p>
+        </p:txBody>
+      </p:sp>
+    </p:spTree>
+    <p:extLst>
+      <p:ext uri="{BB962C8B-B14F-4D97-AF65-F5344CB8AC3E}">
+        <p14:creationId xmlns:p14="http://schemas.microsoft.com/office/powerpoint/2010/main" val="1472534970"/>
+      </p:ext>
+    </p:extLst>
+  </p:cSld>
+  <p:clrMapOvr>
+    <a:masterClrMapping/>
+  </p:clrMapOvr>
+  <mc:AlternateContent xmlns:mc="http://schemas.openxmlformats.org/markup-compatibility/2006" xmlns:p14="http://schemas.microsoft.com/office/powerpoint/2010/main">
+    <mc:Choice Requires="p14">
+      <p:transition spd="slow" p14:dur="2000" advClick="0" advTm="5000"/>
+    </mc:Choice>
+    <mc:Fallback xmlns="">
+      <p:transition spd="slow" advClick="0" advTm="5000"/>
+    </mc:Fallback>
+  </mc:AlternateContent>
+  <p:timing>
+    <p:tnLst>
+      <p:par>
+        <p:cTn id="1" dur="indefinite" restart="never" nodeType="tmRoot"/>
+      </p:par>
+    </p:tnLst>
+  </p:timing>
+</p:sld>
+</file>
+
+<file path=ppt/slides/slide15.xml><?xml version="1.0" encoding="utf-8"?>
+<p:sld xmlns:a="http://schemas.openxmlformats.org/drawingml/2006/main" xmlns:r="http://schemas.openxmlformats.org/officeDocument/2006/relationships" xmlns:p="http://schemas.openxmlformats.org/presentationml/2006/main" show="0">
+  <p:cSld>
+    <p:spTree>
+      <p:nvGrpSpPr>
+        <p:cNvPr id="1" name=""/>
+        <p:cNvGrpSpPr/>
+        <p:nvPr/>
+      </p:nvGrpSpPr>
+      <p:grpSpPr>
+        <a:xfrm>
+          <a:off x="0" y="0"/>
+          <a:ext cx="0" cy="0"/>
+          <a:chOff x="0" y="0"/>
+          <a:chExt cx="0" cy="0"/>
+        </a:xfrm>
+      </p:grpSpPr>
+      <p:sp>
+        <p:nvSpPr>
+          <p:cNvPr id="5" name="Slide Number">
+            <a:extLst>
+              <a:ext uri="{FF2B5EF4-FFF2-40B4-BE49-F238E27FC236}">
+                <a16:creationId xmlns:a16="http://schemas.microsoft.com/office/drawing/2014/main" id="{F48C3C93-90A1-4D31-BEA6-B54D1106CE31}"/>
+              </a:ext>
+            </a:extLst>
+          </p:cNvPr>
+          <p:cNvSpPr>
+            <a:spLocks noGrp="1"/>
+          </p:cNvSpPr>
+          <p:nvPr>
+            <p:ph type="sldNum" sz="quarter" idx="5"/>
+          </p:nvPr>
+        </p:nvSpPr>
+        <p:spPr>
+          <a:xfrm>
+            <a:off x="11753030" y="6507000"/>
+            <a:ext cx="367414" cy="297000"/>
+          </a:xfrm>
+          <a:prstGeom prst="rect">
+            <a:avLst/>
+          </a:prstGeom>
+        </p:spPr>
+        <p:txBody>
+          <a:bodyPr vert="horz" lIns="91440" tIns="45720" rIns="91440" bIns="45720" rtlCol="0" anchor="b"/>
+          <a:lstStyle>
+            <a:lvl1pPr algn="r">
+              <a:defRPr sz="1000"/>
+            </a:lvl1pPr>
+          </a:lstStyle>
+          <a:p>
+            <a:fld id="{2BF067CD-8E6B-4360-9AA8-C5DF2A48A6D1}" type="slidenum">
+              <a:rPr lang="en-US" smtClean="0"/>
+              <a:pPr/>
+              <a:t>15</a:t>
+            </a:fld>
+            <a:endParaRPr lang="en-US" dirty="0"/>
+          </a:p>
+        </p:txBody>
+      </p:sp>
+      <p:sp>
+        <p:nvSpPr>
+          <p:cNvPr id="2" name="Slide Body">
+            <a:extLst>
+              <a:ext uri="{FF2B5EF4-FFF2-40B4-BE49-F238E27FC236}">
+                <a16:creationId xmlns:a16="http://schemas.microsoft.com/office/drawing/2014/main" id="{980F49B1-E4BE-4389-A747-7AB9B71AD920}"/>
+              </a:ext>
+            </a:extLst>
+          </p:cNvPr>
+          <p:cNvSpPr>
+            <a:spLocks noGrp="1"/>
+          </p:cNvSpPr>
+          <p:nvPr>
+            <p:ph type="body" sz="quarter" idx="10"/>
+          </p:nvPr>
+        </p:nvSpPr>
+        <p:spPr>
+          <a:xfrm>
+            <a:off x="190402" y="1269001"/>
+            <a:ext cx="9865598" cy="2474999"/>
+          </a:xfrm>
+        </p:spPr>
+        <p:txBody>
+          <a:bodyPr>
+            <a:normAutofit/>
+          </a:bodyPr>
+          <a:lstStyle/>
+          <a:p>
+            <a:pPr>
+              <a:lnSpc>
+                <a:spcPct val="120000"/>
+              </a:lnSpc>
+            </a:pPr>
+            <a:r>
+              <a:rPr lang="bg-BG" sz="3200" dirty="0"/>
+              <a:t>Този курс</a:t>
+            </a:r>
+            <a:r>
+              <a:rPr lang="en-US" sz="3200" dirty="0"/>
+              <a:t> (</a:t>
+            </a:r>
+            <a:r>
+              <a:rPr lang="bg-BG" sz="3200" dirty="0"/>
+              <a:t>презентации, примери, демонстрационен код, упражнения, домашни, видео и други активи</a:t>
+            </a:r>
+            <a:r>
+              <a:rPr lang="en-US" sz="3200" dirty="0"/>
+              <a:t>) </a:t>
+            </a:r>
+            <a:r>
+              <a:rPr lang="bg-BG" sz="3200" dirty="0"/>
+              <a:t>представлява</a:t>
+            </a:r>
+            <a:r>
+              <a:rPr lang="en-US" sz="3200" dirty="0"/>
+              <a:t> </a:t>
+            </a:r>
+            <a:r>
+              <a:rPr lang="bg-BG" sz="3200" b="1" dirty="0"/>
+              <a:t>свободно учебно съдържание </a:t>
+            </a:r>
+            <a:r>
+              <a:rPr lang="bg-BG" sz="3200" dirty="0"/>
+              <a:t>и се разпространява под свободен лиценз </a:t>
+            </a:r>
+            <a:r>
+              <a:rPr lang="en-US" sz="3200" b="1" dirty="0"/>
+              <a:t>CC-BY-NC-SA</a:t>
+            </a:r>
+            <a:endParaRPr lang="bg-BG" sz="3200" dirty="0"/>
+          </a:p>
+        </p:txBody>
+      </p:sp>
+      <p:pic>
+        <p:nvPicPr>
+          <p:cNvPr id="6" name="Picture License" descr="License">
+            <a:extLst>
+              <a:ext uri="{FF2B5EF4-FFF2-40B4-BE49-F238E27FC236}">
+                <a16:creationId xmlns:a16="http://schemas.microsoft.com/office/drawing/2014/main" id="{82BA520F-A037-4E01-AA18-27D9F1E930A6}"/>
+              </a:ext>
+            </a:extLst>
+          </p:cNvPr>
+          <p:cNvPicPr>
+            <a:picLocks noChangeAspect="1"/>
+          </p:cNvPicPr>
+          <p:nvPr/>
+        </p:nvPicPr>
+        <p:blipFill>
+          <a:blip r:embed="rId3">
+            <a:clrChange>
+              <a:clrFrom>
+                <a:srgbClr val="FFFFFF"/>
+              </a:clrFrom>
+              <a:clrTo>
+                <a:srgbClr val="FFFFFF">
+                  <a:alpha val="0"/>
+                </a:srgbClr>
+              </a:clrTo>
+            </a:clrChange>
+          </a:blip>
+          <a:stretch>
+            <a:fillRect/>
+          </a:stretch>
+        </p:blipFill>
+        <p:spPr>
+          <a:xfrm>
+            <a:off x="10226175" y="1440120"/>
+            <a:ext cx="1198986" cy="1268880"/>
+          </a:xfrm>
+          <a:prstGeom prst="rect">
+            <a:avLst/>
+          </a:prstGeom>
+        </p:spPr>
+      </p:pic>
+      <p:sp>
+        <p:nvSpPr>
+          <p:cNvPr id="3" name="Slide Title">
+            <a:extLst>
+              <a:ext uri="{FF2B5EF4-FFF2-40B4-BE49-F238E27FC236}">
+                <a16:creationId xmlns:a16="http://schemas.microsoft.com/office/drawing/2014/main" id="{E5F1FB41-80C3-4816-BC47-CCC50632E6E8}"/>
+              </a:ext>
+            </a:extLst>
+          </p:cNvPr>
+          <p:cNvSpPr>
+            <a:spLocks noGrp="1"/>
+          </p:cNvSpPr>
+          <p:nvPr>
+            <p:ph type="title"/>
+          </p:nvPr>
+        </p:nvSpPr>
+        <p:spPr/>
+        <p:txBody>
+          <a:bodyPr/>
+          <a:lstStyle/>
+          <a:p>
+            <a:r>
+              <a:rPr lang="bg-BG" dirty="0"/>
+              <a:t>Лиценз</a:t>
+            </a:r>
+          </a:p>
+        </p:txBody>
+      </p:sp>
+      <p:sp>
+        <p:nvSpPr>
+          <p:cNvPr id="11" name="TextBox 10">
+            <a:extLst>
+              <a:ext uri="{FF2B5EF4-FFF2-40B4-BE49-F238E27FC236}">
+                <a16:creationId xmlns:a16="http://schemas.microsoft.com/office/drawing/2014/main" id="{0C18DF19-B750-4C88-975B-661A6BF61F5E}"/>
+              </a:ext>
+            </a:extLst>
+          </p:cNvPr>
+          <p:cNvSpPr txBox="1"/>
+          <p:nvPr/>
+        </p:nvSpPr>
+        <p:spPr>
+          <a:xfrm>
+            <a:off x="190401" y="3927519"/>
+            <a:ext cx="11710599" cy="1979644"/>
+          </a:xfrm>
+          <a:prstGeom prst="rect">
+            <a:avLst/>
+          </a:prstGeom>
+          <a:noFill/>
+          <a:ln w="12700">
+            <a:noFill/>
+          </a:ln>
+        </p:spPr>
+        <p:txBody>
+          <a:bodyPr wrap="square">
+            <a:spAutoFit/>
+          </a:bodyPr>
+          <a:lstStyle/>
+          <a:p>
+            <a:pPr marL="360363" indent="-360363" defTabSz="1218438">
+              <a:lnSpc>
+                <a:spcPct val="120000"/>
+              </a:lnSpc>
+              <a:spcBef>
+                <a:spcPts val="600"/>
+              </a:spcBef>
+              <a:spcAft>
+                <a:spcPts val="600"/>
+              </a:spcAft>
+              <a:buFont typeface="Wingdings" panose="05000000000000000000" pitchFamily="2" charset="2"/>
+              <a:buChar char="§"/>
+              <a:defRPr/>
+            </a:pPr>
+            <a:r>
+              <a:rPr lang="bg-BG" sz="3200" dirty="0"/>
+              <a:t>Проект "</a:t>
+            </a:r>
+            <a:r>
+              <a:rPr lang="bg-BG" sz="3200" b="1" dirty="0"/>
+              <a:t>Отворено учебно съдържание по програмиране и ИТ</a:t>
+            </a:r>
+            <a:r>
+              <a:rPr lang="bg-BG" sz="3200" dirty="0"/>
+              <a:t>" към Фондация "Софтуерен университет"</a:t>
+            </a:r>
+            <a:r>
+              <a:rPr lang="en-US" sz="3200" dirty="0"/>
+              <a:t>:</a:t>
+            </a:r>
+            <a:endParaRPr lang="bg-BG" sz="3200" dirty="0"/>
+          </a:p>
+          <a:p>
+            <a:pPr marL="817563" lvl="1" indent="-360363" defTabSz="1218438">
+              <a:lnSpc>
+                <a:spcPct val="120000"/>
+              </a:lnSpc>
+              <a:spcBef>
+                <a:spcPts val="600"/>
+              </a:spcBef>
+              <a:spcAft>
+                <a:spcPts val="600"/>
+              </a:spcAft>
+              <a:buFont typeface="Wingdings" panose="05000000000000000000" pitchFamily="2" charset="2"/>
+              <a:buChar char="§"/>
+              <a:defRPr/>
+            </a:pPr>
+            <a:r>
+              <a:rPr kumimoji="0" lang="en-US" sz="3200" b="0" i="0" u="none" strike="noStrike" kern="1200" cap="none" spc="0" normalizeH="0" baseline="0" noProof="0" dirty="0">
+                <a:ln>
+                  <a:noFill/>
+                </a:ln>
+                <a:solidFill>
+                  <a:srgbClr val="234465"/>
+                </a:solidFill>
+                <a:effectLst/>
+                <a:uLnTx/>
+                <a:uFillTx/>
+                <a:latin typeface="Calibri"/>
+                <a:ea typeface="+mn-ea"/>
+                <a:cs typeface="+mn-cs"/>
+                <a:hlinkClick r:id="rId4"/>
+              </a:rPr>
+              <a:t>https://github.com/BG-IT-Edu</a:t>
+            </a:r>
+            <a:endParaRPr kumimoji="0" lang="bg-BG" sz="3200" b="0" i="0" u="none" strike="noStrike" kern="1200" cap="none" spc="0" normalizeH="0" baseline="0" noProof="0" dirty="0">
+              <a:ln>
+                <a:noFill/>
+              </a:ln>
+              <a:solidFill>
+                <a:srgbClr val="234465"/>
+              </a:solidFill>
+              <a:effectLst/>
+              <a:uLnTx/>
+              <a:uFillTx/>
+              <a:latin typeface="Calibri"/>
+              <a:ea typeface="+mn-ea"/>
+              <a:cs typeface="+mn-cs"/>
+            </a:endParaRPr>
+          </a:p>
+        </p:txBody>
+      </p:sp>
+      <p:pic>
+        <p:nvPicPr>
+          <p:cNvPr id="7" name="Picture 6" title="CC-BY-NC-SA License">
+            <a:hlinkClick r:id="rId5" tooltip="This work is licensed under the &quot;Creative Commons Attribution-NonCommercial-ShareAlike 4.0 International&quot; license"/>
+            <a:extLst>
+              <a:ext uri="{FF2B5EF4-FFF2-40B4-BE49-F238E27FC236}">
+                <a16:creationId xmlns:a16="http://schemas.microsoft.com/office/drawing/2014/main" id="{F6C77C47-F7D8-A176-5C69-7FDE5C7E8003}"/>
+              </a:ext>
+            </a:extLst>
+          </p:cNvPr>
+          <p:cNvPicPr>
+            <a:picLocks noChangeAspect="1" noChangeArrowheads="1"/>
+          </p:cNvPicPr>
+          <p:nvPr/>
+        </p:nvPicPr>
+        <p:blipFill>
+          <a:blip r:embed="rId6">
+            <a:extLst>
+              <a:ext uri="{28A0092B-C50C-407E-A947-70E740481C1C}">
+                <a14:useLocalDpi xmlns:a14="http://schemas.microsoft.com/office/drawing/2010/main"/>
+              </a:ext>
+            </a:extLst>
+          </a:blip>
+          <a:srcRect/>
+          <a:stretch>
+            <a:fillRect/>
+          </a:stretch>
+        </p:blipFill>
+        <p:spPr bwMode="auto">
+          <a:xfrm>
+            <a:off x="9831000" y="2908593"/>
+            <a:ext cx="1989336" cy="696022"/>
+          </a:xfrm>
+          <a:prstGeom prst="roundRect">
+            <a:avLst>
+              <a:gd name="adj" fmla="val 3940"/>
+            </a:avLst>
+          </a:prstGeom>
+          <a:solidFill>
+            <a:srgbClr val="231F20">
+              <a:alpha val="50000"/>
+            </a:srgbClr>
+          </a:solidFill>
+          <a:ln>
+            <a:noFill/>
+          </a:ln>
+        </p:spPr>
+      </p:pic>
+    </p:spTree>
+    <p:extLst>
+      <p:ext uri="{BB962C8B-B14F-4D97-AF65-F5344CB8AC3E}">
+        <p14:creationId xmlns:p14="http://schemas.microsoft.com/office/powerpoint/2010/main" val="3879276042"/>
+      </p:ext>
+    </p:extLst>
+  </p:cSld>
+  <p:clrMapOvr>
+    <a:masterClrMapping/>
+  </p:clrMapOvr>
+  <mc:AlternateContent xmlns:mc="http://schemas.openxmlformats.org/markup-compatibility/2006" xmlns:p14="http://schemas.microsoft.com/office/powerpoint/2010/main">
+    <mc:Choice Requires="p14">
+      <p:transition spd="slow" p14:dur="2000" advClick="0" advTm="5000"/>
+    </mc:Choice>
+    <mc:Fallback xmlns="">
+      <p:transition spd="slow" advClick="0" advTm="5000"/>
+    </mc:Fallback>
+  </mc:AlternateContent>
+</p:sld>
+</file>
+
+<file path=ppt/slides/slide2.xml><?xml version="1.0" encoding="utf-8"?>
+<p:sld xmlns:a="http://schemas.openxmlformats.org/drawingml/2006/main" xmlns:r="http://schemas.openxmlformats.org/officeDocument/2006/relationships" xmlns:p="http://schemas.openxmlformats.org/presentationml/2006/main">
+  <p:cSld>
+    <p:spTree>
+      <p:nvGrpSpPr>
+        <p:cNvPr id="1" name=""/>
+        <p:cNvGrpSpPr/>
+        <p:nvPr/>
+      </p:nvGrpSpPr>
+      <p:grpSpPr>
+        <a:xfrm>
+          <a:off x="0" y="0"/>
+          <a:ext cx="0" cy="0"/>
+          <a:chOff x="0" y="0"/>
+          <a:chExt cx="0" cy="0"/>
+        </a:xfrm>
+      </p:grpSpPr>
+      <p:sp>
+        <p:nvSpPr>
+          <p:cNvPr id="5" name="Slide Number">
+            <a:extLst>
+              <a:ext uri="{FF2B5EF4-FFF2-40B4-BE49-F238E27FC236}">
+                <a16:creationId xmlns:a16="http://schemas.microsoft.com/office/drawing/2014/main" id="{6A760D59-0056-4F39-B077-DBDBE3D2927E}"/>
+              </a:ext>
+            </a:extLst>
+          </p:cNvPr>
+          <p:cNvSpPr txBox="1">
+            <a:spLocks/>
+          </p:cNvSpPr>
+          <p:nvPr/>
+        </p:nvSpPr>
+        <p:spPr>
+          <a:xfrm>
+            <a:off x="11753030" y="6507000"/>
+            <a:ext cx="367414" cy="297000"/>
+          </a:xfrm>
+          <a:prstGeom prst="rect">
+            <a:avLst/>
+          </a:prstGeom>
+        </p:spPr>
+        <p:txBody>
+          <a:bodyPr vert="horz" lIns="91440" tIns="45720" rIns="91440" bIns="45720" rtlCol="0" anchor="b"/>
+          <a:lstStyle>
+            <a:defPPr>
+              <a:defRPr lang="en-US"/>
+            </a:defPPr>
+            <a:lvl1pPr marL="0" algn="r" defTabSz="914400" rtl="0" eaLnBrk="1" latinLnBrk="0" hangingPunct="1">
+              <a:defRPr sz="1000" kern="1200">
+                <a:solidFill>
+                  <a:schemeClr val="tx1"/>
+                </a:solidFill>
+                <a:latin typeface="+mn-lt"/>
+                <a:ea typeface="+mn-ea"/>
+                <a:cs typeface="+mn-cs"/>
+              </a:defRPr>
+            </a:lvl1pPr>
+            <a:lvl2pPr marL="457200" algn="l" defTabSz="914400" rtl="0" eaLnBrk="1" latinLnBrk="0" hangingPunct="1">
+              <a:defRPr sz="1800" kern="1200">
+                <a:solidFill>
+                  <a:schemeClr val="tx1"/>
+                </a:solidFill>
+                <a:latin typeface="+mn-lt"/>
+                <a:ea typeface="+mn-ea"/>
+                <a:cs typeface="+mn-cs"/>
+              </a:defRPr>
+            </a:lvl2pPr>
+            <a:lvl3pPr marL="914400" algn="l" defTabSz="914400" rtl="0" eaLnBrk="1" latinLnBrk="0" hangingPunct="1">
+              <a:defRPr sz="1800" kern="1200">
+                <a:solidFill>
+                  <a:schemeClr val="tx1"/>
+                </a:solidFill>
+                <a:latin typeface="+mn-lt"/>
+                <a:ea typeface="+mn-ea"/>
+                <a:cs typeface="+mn-cs"/>
+              </a:defRPr>
+            </a:lvl3pPr>
+            <a:lvl4pPr marL="1371600" algn="l" defTabSz="914400" rtl="0" eaLnBrk="1" latinLnBrk="0" hangingPunct="1">
+              <a:defRPr sz="1800" kern="1200">
+                <a:solidFill>
+                  <a:schemeClr val="tx1"/>
+                </a:solidFill>
+                <a:latin typeface="+mn-lt"/>
+                <a:ea typeface="+mn-ea"/>
+                <a:cs typeface="+mn-cs"/>
+              </a:defRPr>
+            </a:lvl4pPr>
+            <a:lvl5pPr marL="1828800" algn="l" defTabSz="914400" rtl="0" eaLnBrk="1" latinLnBrk="0" hangingPunct="1">
+              <a:defRPr sz="1800" kern="1200">
+                <a:solidFill>
+                  <a:schemeClr val="tx1"/>
+                </a:solidFill>
+                <a:latin typeface="+mn-lt"/>
+                <a:ea typeface="+mn-ea"/>
+                <a:cs typeface="+mn-cs"/>
+              </a:defRPr>
+            </a:lvl5pPr>
+            <a:lvl6pPr marL="2286000" algn="l" defTabSz="914400" rtl="0" eaLnBrk="1" latinLnBrk="0" hangingPunct="1">
+              <a:defRPr sz="1800" kern="1200">
+                <a:solidFill>
+                  <a:schemeClr val="tx1"/>
+                </a:solidFill>
+                <a:latin typeface="+mn-lt"/>
+                <a:ea typeface="+mn-ea"/>
+                <a:cs typeface="+mn-cs"/>
+              </a:defRPr>
+            </a:lvl6pPr>
+            <a:lvl7pPr marL="2743200" algn="l" defTabSz="914400" rtl="0" eaLnBrk="1" latinLnBrk="0" hangingPunct="1">
+              <a:defRPr sz="1800" kern="1200">
+                <a:solidFill>
+                  <a:schemeClr val="tx1"/>
+                </a:solidFill>
+                <a:latin typeface="+mn-lt"/>
+                <a:ea typeface="+mn-ea"/>
+                <a:cs typeface="+mn-cs"/>
+              </a:defRPr>
+            </a:lvl7pPr>
+            <a:lvl8pPr marL="3200400" algn="l" defTabSz="914400" rtl="0" eaLnBrk="1" latinLnBrk="0" hangingPunct="1">
+              <a:defRPr sz="1800" kern="1200">
+                <a:solidFill>
+                  <a:schemeClr val="tx1"/>
+                </a:solidFill>
+                <a:latin typeface="+mn-lt"/>
+                <a:ea typeface="+mn-ea"/>
+                <a:cs typeface="+mn-cs"/>
+              </a:defRPr>
+            </a:lvl8pPr>
+            <a:lvl9pPr marL="3657600" algn="l" defTabSz="914400" rtl="0" eaLnBrk="1" latinLnBrk="0" hangingPunct="1">
+              <a:defRPr sz="1800" kern="1200">
+                <a:solidFill>
+                  <a:schemeClr val="tx1"/>
+                </a:solidFill>
+                <a:latin typeface="+mn-lt"/>
+                <a:ea typeface="+mn-ea"/>
+                <a:cs typeface="+mn-cs"/>
+              </a:defRPr>
+            </a:lvl9pPr>
+          </a:lstStyle>
+          <a:p>
+            <a:fld id="{2BF067CD-8E6B-4360-9AA8-C5DF2A48A6D1}" type="slidenum">
+              <a:rPr lang="en-US" smtClean="0"/>
+              <a:pPr/>
+              <a:t>2</a:t>
+            </a:fld>
+            <a:endParaRPr lang="en-US" dirty="0"/>
+          </a:p>
+        </p:txBody>
+      </p:sp>
+      <p:sp>
+        <p:nvSpPr>
+          <p:cNvPr id="444419" name="Slide Body"/>
+          <p:cNvSpPr>
+            <a:spLocks noGrp="1" noChangeArrowheads="1"/>
+          </p:cNvSpPr>
+          <p:nvPr>
+            <p:ph type="body" sz="quarter" idx="13"/>
+          </p:nvPr>
+        </p:nvSpPr>
+        <p:spPr>
+          <a:xfrm>
+            <a:off x="196766" y="1371604"/>
+            <a:ext cx="8014234" cy="5207396"/>
+          </a:xfrm>
+        </p:spPr>
+        <p:txBody>
+          <a:bodyPr/>
+          <a:lstStyle/>
+          <a:p>
+            <a:r>
+              <a:rPr lang="bg-BG" dirty="0" smtClean="0"/>
+              <a:t>͏Видове </a:t>
+            </a:r>
+            <a:r>
+              <a:rPr lang="bg-BG" b="1" dirty="0" smtClean="0"/>
+              <a:t>услуги</a:t>
+            </a:r>
+            <a:r>
+              <a:rPr lang="bg-BG" dirty="0" smtClean="0"/>
+              <a:t> за </a:t>
+            </a:r>
+            <a:r>
+              <a:rPr lang="bg-BG" b="1" dirty="0" smtClean="0"/>
+              <a:t>комуникация</a:t>
+            </a:r>
+            <a:r>
+              <a:rPr lang="bg-BG" dirty="0" smtClean="0"/>
+              <a:t> в </a:t>
+            </a:r>
+            <a:r>
+              <a:rPr lang="bg-BG" b="1" dirty="0" smtClean="0"/>
+              <a:t>реално време</a:t>
+            </a:r>
+          </a:p>
+          <a:p>
+            <a:r>
+              <a:rPr lang="en-US" dirty="0" smtClean="0"/>
+              <a:t>͏</a:t>
+            </a:r>
+            <a:r>
+              <a:rPr lang="en-US" b="1" dirty="0" smtClean="0">
+                <a:solidFill>
+                  <a:schemeClr val="bg1"/>
+                </a:solidFill>
+              </a:rPr>
+              <a:t>Discord</a:t>
+            </a:r>
+          </a:p>
+          <a:p>
+            <a:r>
+              <a:rPr lang="bg-BG" dirty="0" smtClean="0"/>
+              <a:t>͏Създаване на </a:t>
+            </a:r>
+            <a:r>
+              <a:rPr lang="bg-BG" b="1" dirty="0" smtClean="0"/>
+              <a:t>профил</a:t>
+            </a:r>
+            <a:r>
+              <a:rPr lang="bg-BG" dirty="0" smtClean="0"/>
+              <a:t> в </a:t>
+            </a:r>
+            <a:r>
+              <a:rPr lang="en-US" b="1" dirty="0" smtClean="0"/>
+              <a:t>Discord</a:t>
+            </a:r>
+          </a:p>
+          <a:p>
+            <a:r>
+              <a:rPr lang="bg-BG" dirty="0" smtClean="0"/>
+              <a:t>͏</a:t>
+            </a:r>
+            <a:r>
+              <a:rPr lang="bg-BG" b="1" dirty="0" smtClean="0"/>
+              <a:t>Работа</a:t>
+            </a:r>
+            <a:r>
+              <a:rPr lang="bg-BG" dirty="0" smtClean="0"/>
+              <a:t> с </a:t>
+            </a:r>
+            <a:r>
+              <a:rPr lang="en-US" dirty="0" smtClean="0"/>
+              <a:t>Discord</a:t>
+            </a:r>
+          </a:p>
+          <a:p>
+            <a:r>
+              <a:rPr lang="bg-BG" dirty="0" smtClean="0"/>
+              <a:t>Правила за </a:t>
+            </a:r>
+            <a:r>
+              <a:rPr lang="bg-BG" b="1" dirty="0" smtClean="0"/>
+              <a:t>сигурност</a:t>
+            </a:r>
+            <a:r>
+              <a:rPr lang="bg-BG" dirty="0" smtClean="0"/>
+              <a:t> в </a:t>
+            </a:r>
+            <a:r>
+              <a:rPr lang="bg-BG" b="1" dirty="0" smtClean="0"/>
+              <a:t>интернет</a:t>
+            </a:r>
+          </a:p>
+        </p:txBody>
+      </p:sp>
+      <p:sp>
+        <p:nvSpPr>
+          <p:cNvPr id="444418" name="Slide Title"/>
+          <p:cNvSpPr>
+            <a:spLocks noGrp="1" noChangeArrowheads="1"/>
+          </p:cNvSpPr>
+          <p:nvPr>
+            <p:ph type="title"/>
+          </p:nvPr>
+        </p:nvSpPr>
+        <p:spPr>
+          <a:xfrm>
+            <a:off x="190406" y="100750"/>
+            <a:ext cx="10270594" cy="882654"/>
+          </a:xfrm>
+        </p:spPr>
+        <p:txBody>
+          <a:bodyPr/>
+          <a:lstStyle/>
+          <a:p>
+            <a:r>
+              <a:rPr lang="bg-BG"/>
+              <a:t>Съдържание</a:t>
+            </a:r>
+            <a:endParaRPr lang="bg-BG" dirty="0"/>
+          </a:p>
+        </p:txBody>
+      </p:sp>
+      <p:pic>
+        <p:nvPicPr>
+          <p:cNvPr id="4" name="Picture 3">
+            <a:extLst>
+              <a:ext uri="{FF2B5EF4-FFF2-40B4-BE49-F238E27FC236}">
+                <a16:creationId xmlns:a16="http://schemas.microsoft.com/office/drawing/2014/main" id="{8835CDFB-0E94-0132-177D-CD4B4F85BF89}"/>
+              </a:ext>
+            </a:extLst>
+          </p:cNvPr>
+          <p:cNvPicPr>
+            <a:picLocks noChangeAspect="1"/>
+          </p:cNvPicPr>
+          <p:nvPr/>
+        </p:nvPicPr>
+        <p:blipFill>
+          <a:blip r:embed="rId3">
+            <a:duotone>
+              <a:prstClr val="black"/>
+              <a:schemeClr val="accent1">
+                <a:tint val="45000"/>
+                <a:satMod val="400000"/>
+              </a:schemeClr>
+            </a:duotone>
+            <a:extLst>
+              <a:ext uri="{BEBA8EAE-BF5A-486C-A8C5-ECC9F3942E4B}">
+                <a14:imgProps xmlns:a14="http://schemas.microsoft.com/office/drawing/2010/main">
+                  <a14:imgLayer r:embed="rId4">
+                    <a14:imgEffect>
+                      <a14:brightnessContrast bright="30000"/>
+                    </a14:imgEffect>
+                  </a14:imgLayer>
+                </a14:imgProps>
+              </a:ext>
+            </a:extLst>
+          </a:blip>
+          <a:stretch>
+            <a:fillRect/>
+          </a:stretch>
+        </p:blipFill>
+        <p:spPr>
+          <a:xfrm>
+            <a:off x="10011000" y="1584000"/>
+            <a:ext cx="1581246" cy="2115000"/>
+          </a:xfrm>
+          <a:prstGeom prst="rect">
+            <a:avLst/>
+          </a:prstGeom>
+        </p:spPr>
+      </p:pic>
+    </p:spTree>
+    <p:extLst>
+      <p:ext uri="{BB962C8B-B14F-4D97-AF65-F5344CB8AC3E}">
+        <p14:creationId xmlns:p14="http://schemas.microsoft.com/office/powerpoint/2010/main" val="1646986932"/>
+      </p:ext>
+    </p:extLst>
+  </p:cSld>
+  <p:clrMapOvr>
+    <a:masterClrMapping/>
+  </p:clrMapOvr>
+  <mc:AlternateContent xmlns:mc="http://schemas.openxmlformats.org/markup-compatibility/2006" xmlns:p14="http://schemas.microsoft.com/office/powerpoint/2010/main">
+    <mc:Choice Requires="p14">
+      <p:transition spd="slow" p14:dur="2000" advClick="0" advTm="5000"/>
+    </mc:Choice>
+    <mc:Fallback xmlns="">
+      <p:transition spd="slow" advClick="0" advTm="5000"/>
+    </mc:Fallback>
+  </mc:AlternateContent>
+  <p:timing>
+    <p:tnLst>
+      <p:par>
+        <p:cTn id="1" dur="indefinite" restart="never" nodeType="tmRoot"/>
+      </p:par>
+    </p:tnLst>
+  </p:timing>
+</p:sld>
+</file>
+
+<file path=ppt/slides/slide3.xml><?xml version="1.0" encoding="utf-8"?>
+<p:sld xmlns:a="http://schemas.openxmlformats.org/drawingml/2006/main" xmlns:r="http://schemas.openxmlformats.org/officeDocument/2006/relationships" xmlns:p="http://schemas.openxmlformats.org/presentationml/2006/main">
+  <p:cSld>
+    <p:spTree>
+      <p:nvGrpSpPr>
+        <p:cNvPr id="1" name=""/>
+        <p:cNvGrpSpPr/>
+        <p:nvPr/>
+      </p:nvGrpSpPr>
+      <p:grpSpPr>
+        <a:xfrm>
+          <a:off x="0" y="0"/>
+          <a:ext cx="0" cy="0"/>
+          <a:chOff x="0" y="0"/>
+          <a:chExt cx="0" cy="0"/>
+        </a:xfrm>
+      </p:grpSpPr>
+      <p:sp>
+        <p:nvSpPr>
+          <p:cNvPr id="5" name="Title 4"/>
+          <p:cNvSpPr>
+            <a:spLocks noGrp="1"/>
+          </p:cNvSpPr>
+          <p:nvPr>
+            <p:ph type="title" sz="quarter" idx="10"/>
+          </p:nvPr>
+        </p:nvSpPr>
+        <p:spPr>
+          <a:xfrm>
+            <a:off x="615109" y="4704825"/>
+            <a:ext cx="10961783" cy="1694175"/>
+          </a:xfrm>
+        </p:spPr>
+        <p:txBody>
+          <a:bodyPr/>
+          <a:lstStyle/>
+          <a:p>
+            <a:r>
+              <a:rPr lang="ru-RU" dirty="0"/>
+              <a:t>͏Видове услуги за комуникация в реално </a:t>
+            </a:r>
+            <a:r>
+              <a:rPr lang="ru-RU" dirty="0" smtClean="0"/>
+              <a:t>време</a:t>
+            </a:r>
+            <a:endParaRPr lang="en-US" dirty="0"/>
+          </a:p>
+        </p:txBody>
+      </p:sp>
+      <p:pic>
+        <p:nvPicPr>
+          <p:cNvPr id="7" name="Picture 6"/>
+          <p:cNvPicPr>
+            <a:picLocks noChangeAspect="1"/>
+          </p:cNvPicPr>
+          <p:nvPr/>
+        </p:nvPicPr>
+        <p:blipFill>
+          <a:blip r:embed="rId2">
+            <a:extLst>
+              <a:ext uri="{28A0092B-C50C-407E-A947-70E740481C1C}">
+                <a14:useLocalDpi xmlns:a14="http://schemas.microsoft.com/office/drawing/2010/main" val="0"/>
+              </a:ext>
+            </a:extLst>
+          </a:blip>
+          <a:stretch>
+            <a:fillRect/>
+          </a:stretch>
+        </p:blipFill>
+        <p:spPr>
+          <a:xfrm>
+            <a:off x="4290741" y="1629000"/>
+            <a:ext cx="3610517" cy="2059251"/>
+          </a:xfrm>
+          <a:prstGeom prst="rect">
+            <a:avLst/>
+          </a:prstGeom>
+        </p:spPr>
+      </p:pic>
+    </p:spTree>
+    <p:extLst>
+      <p:ext uri="{BB962C8B-B14F-4D97-AF65-F5344CB8AC3E}">
+        <p14:creationId xmlns:p14="http://schemas.microsoft.com/office/powerpoint/2010/main" val="2724412080"/>
+      </p:ext>
+    </p:extLst>
+  </p:cSld>
+  <p:clrMapOvr>
+    <a:masterClrMapping/>
+  </p:clrMapOvr>
+  <mc:AlternateContent xmlns:mc="http://schemas.openxmlformats.org/markup-compatibility/2006" xmlns:p14="http://schemas.microsoft.com/office/powerpoint/2010/main">
+    <mc:Choice Requires="p14">
+      <p:transition spd="slow" p14:dur="2000" advClick="0" advTm="5000"/>
+    </mc:Choice>
+    <mc:Fallback xmlns="">
+      <p:transition spd="slow" advClick="0" advTm="5000"/>
+    </mc:Fallback>
+  </mc:AlternateContent>
+  <p:timing>
+    <p:tnLst>
+      <p:par>
+        <p:cTn id="1" dur="indefinite" restart="never" nodeType="tmRoot"/>
+      </p:par>
+    </p:tnLst>
+  </p:timing>
+</p:sld>
+</file>
+
+<file path=ppt/slides/slide4.xml><?xml version="1.0" encoding="utf-8"?>
+<p:sld xmlns:a="http://schemas.openxmlformats.org/drawingml/2006/main" xmlns:r="http://schemas.openxmlformats.org/officeDocument/2006/relationships" xmlns:p="http://schemas.openxmlformats.org/presentationml/2006/main">
+  <p:cSld>
+    <p:spTree>
+      <p:nvGrpSpPr>
+        <p:cNvPr id="1" name=""/>
+        <p:cNvGrpSpPr/>
+        <p:nvPr/>
+      </p:nvGrpSpPr>
+      <p:grpSpPr>
+        <a:xfrm>
+          <a:off x="0" y="0"/>
+          <a:ext cx="0" cy="0"/>
+          <a:chOff x="0" y="0"/>
+          <a:chExt cx="0" cy="0"/>
+        </a:xfrm>
+      </p:grpSpPr>
+      <p:sp>
+        <p:nvSpPr>
+          <p:cNvPr id="5" name="Text Placeholder 4"/>
+          <p:cNvSpPr>
+            <a:spLocks noGrp="1"/>
+          </p:cNvSpPr>
+          <p:nvPr>
+            <p:ph type="body" sz="quarter" idx="10"/>
+          </p:nvPr>
+        </p:nvSpPr>
+        <p:spPr/>
+        <p:txBody>
+          <a:bodyPr/>
+          <a:lstStyle/>
+          <a:p>
+            <a:r>
+              <a:rPr lang="bg-BG" dirty="0" smtClean="0"/>
+              <a:t>Видовете </a:t>
+            </a:r>
+            <a:r>
+              <a:rPr lang="bg-BG" b="1" dirty="0" smtClean="0"/>
+              <a:t>услуги</a:t>
+            </a:r>
+            <a:r>
+              <a:rPr lang="bg-BG" dirty="0" smtClean="0"/>
+              <a:t> за </a:t>
+            </a:r>
+            <a:r>
+              <a:rPr lang="bg-BG" b="1" dirty="0" smtClean="0"/>
+              <a:t>комуникация</a:t>
+            </a:r>
+            <a:r>
+              <a:rPr lang="bg-BG" dirty="0" smtClean="0"/>
+              <a:t> в </a:t>
+            </a:r>
+            <a:r>
+              <a:rPr lang="bg-BG" b="1" dirty="0" smtClean="0"/>
+              <a:t>реално време </a:t>
+            </a:r>
+            <a:r>
+              <a:rPr lang="bg-BG" dirty="0" smtClean="0"/>
+              <a:t>са:</a:t>
+            </a:r>
+          </a:p>
+          <a:p>
+            <a:pPr lvl="1"/>
+            <a:r>
+              <a:rPr lang="bg-BG" b="1" dirty="0" smtClean="0"/>
+              <a:t>Разроговори</a:t>
+            </a:r>
+            <a:r>
+              <a:rPr lang="bg-BG" dirty="0" smtClean="0"/>
+              <a:t> в реално време (</a:t>
+            </a:r>
+            <a:r>
+              <a:rPr lang="en-US" dirty="0" smtClean="0"/>
+              <a:t>Internet Relay Chat</a:t>
+            </a:r>
+            <a:r>
+              <a:rPr lang="bg-BG" dirty="0" smtClean="0"/>
+              <a:t>)</a:t>
+            </a:r>
+            <a:endParaRPr lang="en-US" dirty="0" smtClean="0"/>
+          </a:p>
+          <a:p>
+            <a:pPr lvl="1"/>
+            <a:r>
+              <a:rPr lang="bg-BG" b="1" dirty="0" smtClean="0"/>
+              <a:t>Интернет телефония </a:t>
+            </a:r>
+            <a:r>
+              <a:rPr lang="bg-BG" dirty="0" smtClean="0"/>
+              <a:t>(</a:t>
+            </a:r>
+            <a:r>
+              <a:rPr lang="en-US" dirty="0"/>
+              <a:t>Voice over Internet Protocol</a:t>
+            </a:r>
+            <a:r>
+              <a:rPr lang="bg-BG" dirty="0" smtClean="0"/>
+              <a:t>)</a:t>
+            </a:r>
+            <a:endParaRPr lang="en-US" dirty="0" smtClean="0"/>
+          </a:p>
+          <a:p>
+            <a:pPr lvl="1"/>
+            <a:r>
+              <a:rPr lang="bg-BG" dirty="0" smtClean="0"/>
+              <a:t>Размяна на </a:t>
+            </a:r>
+            <a:r>
+              <a:rPr lang="bg-BG" b="1" dirty="0" smtClean="0"/>
+              <a:t>мигновени съобщения </a:t>
+            </a:r>
+            <a:r>
+              <a:rPr lang="bg-BG" dirty="0" smtClean="0"/>
+              <a:t>(</a:t>
+            </a:r>
+            <a:r>
+              <a:rPr lang="en-US" dirty="0" smtClean="0"/>
+              <a:t>Instant Messaging</a:t>
+            </a:r>
+            <a:r>
+              <a:rPr lang="bg-BG" dirty="0" smtClean="0"/>
+              <a:t>)</a:t>
+            </a:r>
+            <a:endParaRPr lang="en-US" dirty="0"/>
+          </a:p>
+        </p:txBody>
+      </p:sp>
+      <p:sp>
+        <p:nvSpPr>
+          <p:cNvPr id="4" name="Title 3"/>
+          <p:cNvSpPr>
+            <a:spLocks noGrp="1"/>
+          </p:cNvSpPr>
+          <p:nvPr>
+            <p:ph type="title"/>
+          </p:nvPr>
+        </p:nvSpPr>
+        <p:spPr/>
+        <p:txBody>
+          <a:bodyPr>
+            <a:normAutofit fontScale="90000"/>
+          </a:bodyPr>
+          <a:lstStyle/>
+          <a:p>
+            <a:r>
+              <a:rPr lang="bg-BG" dirty="0" smtClean="0"/>
+              <a:t>Видове услуги за комуникация в реално време</a:t>
+            </a:r>
+            <a:endParaRPr lang="en-US" dirty="0"/>
+          </a:p>
+        </p:txBody>
+      </p:sp>
+      <p:pic>
+        <p:nvPicPr>
+          <p:cNvPr id="6" name="Picture 5"/>
+          <p:cNvPicPr>
+            <a:picLocks noChangeAspect="1"/>
+          </p:cNvPicPr>
+          <p:nvPr/>
+        </p:nvPicPr>
+        <p:blipFill>
+          <a:blip r:embed="rId2">
+            <a:extLst>
+              <a:ext uri="{28A0092B-C50C-407E-A947-70E740481C1C}">
+                <a14:useLocalDpi xmlns:a14="http://schemas.microsoft.com/office/drawing/2010/main" val="0"/>
+              </a:ext>
+            </a:extLst>
+          </a:blip>
+          <a:stretch>
+            <a:fillRect/>
+          </a:stretch>
+        </p:blipFill>
+        <p:spPr>
+          <a:xfrm>
+            <a:off x="4840952" y="4104000"/>
+            <a:ext cx="2150096" cy="2493000"/>
+          </a:xfrm>
+          <a:prstGeom prst="rect">
+            <a:avLst/>
+          </a:prstGeom>
+        </p:spPr>
+      </p:pic>
+      <p:pic>
+        <p:nvPicPr>
+          <p:cNvPr id="7" name="Picture 6"/>
+          <p:cNvPicPr>
+            <a:picLocks noChangeAspect="1"/>
+          </p:cNvPicPr>
+          <p:nvPr/>
+        </p:nvPicPr>
+        <p:blipFill>
+          <a:blip r:embed="rId3">
+            <a:extLst>
+              <a:ext uri="{28A0092B-C50C-407E-A947-70E740481C1C}">
+                <a14:useLocalDpi xmlns:a14="http://schemas.microsoft.com/office/drawing/2010/main" val="0"/>
+              </a:ext>
+            </a:extLst>
+          </a:blip>
+          <a:stretch>
+            <a:fillRect/>
+          </a:stretch>
+        </p:blipFill>
+        <p:spPr>
+          <a:xfrm>
+            <a:off x="1056000" y="3820500"/>
+            <a:ext cx="3060000" cy="3060000"/>
+          </a:xfrm>
+          <a:prstGeom prst="rect">
+            <a:avLst/>
+          </a:prstGeom>
+        </p:spPr>
+      </p:pic>
+      <p:pic>
+        <p:nvPicPr>
+          <p:cNvPr id="2054" name="Picture 6" descr="Advantages of Instant Messaging Apps Marketing [2022] | Landbot"/>
+          <p:cNvPicPr>
+            <a:picLocks noChangeAspect="1" noChangeArrowheads="1"/>
+          </p:cNvPicPr>
+          <p:nvPr/>
+        </p:nvPicPr>
+        <p:blipFill>
+          <a:blip r:embed="rId4">
+            <a:extLst>
+              <a:ext uri="{28A0092B-C50C-407E-A947-70E740481C1C}">
+                <a14:useLocalDpi xmlns:a14="http://schemas.microsoft.com/office/drawing/2010/main" val="0"/>
+              </a:ext>
+            </a:extLst>
+          </a:blip>
+          <a:srcRect/>
+          <a:stretch>
+            <a:fillRect/>
+          </a:stretch>
+        </p:blipFill>
+        <p:spPr bwMode="auto">
+          <a:xfrm>
+            <a:off x="7716000" y="4243500"/>
+            <a:ext cx="3690000" cy="2214000"/>
+          </a:xfrm>
+          <a:prstGeom prst="rect">
+            <a:avLst/>
+          </a:prstGeom>
+          <a:noFill/>
+          <a:ln>
+            <a:solidFill>
+              <a:schemeClr val="bg2">
+                <a:lumMod val="75000"/>
+              </a:schemeClr>
+            </a:solidFill>
+          </a:ln>
+          <a:extLst>
+            <a:ext uri="{909E8E84-426E-40DD-AFC4-6F175D3DCCD1}">
+              <a14:hiddenFill xmlns:a14="http://schemas.microsoft.com/office/drawing/2010/main">
+                <a:solidFill>
+                  <a:srgbClr val="FFFFFF"/>
+                </a:solidFill>
+              </a14:hiddenFill>
+            </a:ext>
+          </a:extLst>
+        </p:spPr>
+      </p:pic>
+    </p:spTree>
+    <p:extLst>
+      <p:ext uri="{BB962C8B-B14F-4D97-AF65-F5344CB8AC3E}">
+        <p14:creationId xmlns:p14="http://schemas.microsoft.com/office/powerpoint/2010/main" val="296297152"/>
+      </p:ext>
+    </p:extLst>
+  </p:cSld>
+  <p:clrMapOvr>
+    <a:masterClrMapping/>
+  </p:clrMapOvr>
+  <mc:AlternateContent xmlns:mc="http://schemas.openxmlformats.org/markup-compatibility/2006" xmlns:p14="http://schemas.microsoft.com/office/powerpoint/2010/main">
+    <mc:Choice Requires="p14">
+      <p:transition spd="slow" p14:dur="2000" advClick="0" advTm="5000"/>
+    </mc:Choice>
+    <mc:Fallback xmlns="">
+      <p:transition spd="slow" advClick="0" advTm="5000"/>
+    </mc:Fallback>
+  </mc:AlternateContent>
+  <p:timing>
+    <p:tnLst>
+      <p:par>
+        <p:cTn id="1" dur="indefinite" restart="never" nodeType="tmRoot">
+          <p:childTnLst>
+            <p:seq concurrent="1" nextAc="seek">
+              <p:cTn id="2" dur="indefinite" nodeType="mainSeq">
+                <p:childTnLst>
+                  <p:par>
+                    <p:cTn id="3" fill="hold">
+                      <p:stCondLst>
+                        <p:cond delay="indefinite"/>
+                      </p:stCondLst>
+                      <p:childTnLst>
+                        <p:par>
+                          <p:cTn id="4" fill="hold">
+                            <p:stCondLst>
+                              <p:cond delay="0"/>
+                            </p:stCondLst>
+                            <p:childTnLst>
+                              <p:par>
+                                <p:cTn id="5" presetID="1" presetClass="entr" presetSubtype="0" fill="hold" nodeType="clickEffect">
+                                  <p:stCondLst>
+                                    <p:cond delay="0"/>
+                                  </p:stCondLst>
+                                  <p:childTnLst>
+                                    <p:set>
+                                      <p:cBhvr>
+                                        <p:cTn id="6" dur="1" fill="hold">
+                                          <p:stCondLst>
+                                            <p:cond delay="0"/>
+                                          </p:stCondLst>
+                                        </p:cTn>
+                                        <p:tgtEl>
+                                          <p:spTgt spid="5">
+                                            <p:txEl>
+                                              <p:pRg st="1" end="1"/>
+                                            </p:txEl>
+                                          </p:spTgt>
+                                        </p:tgtEl>
+                                        <p:attrNameLst>
+                                          <p:attrName>style.visibility</p:attrName>
+                                        </p:attrNameLst>
+                                      </p:cBhvr>
+                                      <p:to>
+                                        <p:strVal val="visible"/>
+                                      </p:to>
+                                    </p:set>
+                                  </p:childTnLst>
+                                </p:cTn>
+                              </p:par>
+                              <p:par>
+                                <p:cTn id="7" presetID="1" presetClass="entr" presetSubtype="0" fill="hold" nodeType="withEffect">
+                                  <p:stCondLst>
+                                    <p:cond delay="0"/>
+                                  </p:stCondLst>
+                                  <p:childTnLst>
+                                    <p:set>
+                                      <p:cBhvr>
+                                        <p:cTn id="8" dur="1" fill="hold">
+                                          <p:stCondLst>
+                                            <p:cond delay="0"/>
+                                          </p:stCondLst>
+                                        </p:cTn>
+                                        <p:tgtEl>
+                                          <p:spTgt spid="7"/>
+                                        </p:tgtEl>
+                                        <p:attrNameLst>
+                                          <p:attrName>style.visibility</p:attrName>
+                                        </p:attrNameLst>
+                                      </p:cBhvr>
+                                      <p:to>
+                                        <p:strVal val="visible"/>
+                                      </p:to>
+                                    </p:set>
+                                  </p:childTnLst>
+                                </p:cTn>
+                              </p:par>
+                            </p:childTnLst>
+                          </p:cTn>
+                        </p:par>
+                      </p:childTnLst>
+                    </p:cTn>
+                  </p:par>
+                  <p:par>
+                    <p:cTn id="9" fill="hold">
+                      <p:stCondLst>
+                        <p:cond delay="indefinite"/>
+                      </p:stCondLst>
+                      <p:childTnLst>
+                        <p:par>
+                          <p:cTn id="10" fill="hold">
+                            <p:stCondLst>
+                              <p:cond delay="0"/>
+                            </p:stCondLst>
+                            <p:childTnLst>
+                              <p:par>
+                                <p:cTn id="11" presetID="1" presetClass="entr" presetSubtype="0" fill="hold" nodeType="clickEffect">
+                                  <p:stCondLst>
+                                    <p:cond delay="0"/>
+                                  </p:stCondLst>
+                                  <p:childTnLst>
+                                    <p:set>
+                                      <p:cBhvr>
+                                        <p:cTn id="12" dur="1" fill="hold">
+                                          <p:stCondLst>
+                                            <p:cond delay="0"/>
+                                          </p:stCondLst>
+                                        </p:cTn>
+                                        <p:tgtEl>
+                                          <p:spTgt spid="5">
+                                            <p:txEl>
+                                              <p:pRg st="2" end="2"/>
+                                            </p:txEl>
+                                          </p:spTgt>
+                                        </p:tgtEl>
+                                        <p:attrNameLst>
+                                          <p:attrName>style.visibility</p:attrName>
+                                        </p:attrNameLst>
+                                      </p:cBhvr>
+                                      <p:to>
+                                        <p:strVal val="visible"/>
+                                      </p:to>
+                                    </p:set>
+                                  </p:childTnLst>
+                                </p:cTn>
+                              </p:par>
+                              <p:par>
+                                <p:cTn id="13" presetID="1" presetClass="entr" presetSubtype="0" fill="hold" nodeType="withEffect">
+                                  <p:stCondLst>
+                                    <p:cond delay="0"/>
+                                  </p:stCondLst>
+                                  <p:childTnLst>
+                                    <p:set>
+                                      <p:cBhvr>
+                                        <p:cTn id="14" dur="1" fill="hold">
+                                          <p:stCondLst>
+                                            <p:cond delay="0"/>
+                                          </p:stCondLst>
+                                        </p:cTn>
+                                        <p:tgtEl>
+                                          <p:spTgt spid="6"/>
+                                        </p:tgtEl>
+                                        <p:attrNameLst>
+                                          <p:attrName>style.visibility</p:attrName>
+                                        </p:attrNameLst>
+                                      </p:cBhvr>
+                                      <p:to>
+                                        <p:strVal val="visible"/>
+                                      </p:to>
+                                    </p:set>
+                                  </p:childTnLst>
+                                </p:cTn>
+                              </p:par>
+                            </p:childTnLst>
+                          </p:cTn>
+                        </p:par>
+                      </p:childTnLst>
+                    </p:cTn>
+                  </p:par>
+                  <p:par>
+                    <p:cTn id="15" fill="hold">
+                      <p:stCondLst>
+                        <p:cond delay="indefinite"/>
+                      </p:stCondLst>
+                      <p:childTnLst>
+                        <p:par>
+                          <p:cTn id="16" fill="hold">
+                            <p:stCondLst>
+                              <p:cond delay="0"/>
+                            </p:stCondLst>
+                            <p:childTnLst>
+                              <p:par>
+                                <p:cTn id="17" presetID="1" presetClass="entr" presetSubtype="0" fill="hold" nodeType="clickEffect">
+                                  <p:stCondLst>
+                                    <p:cond delay="0"/>
+                                  </p:stCondLst>
+                                  <p:childTnLst>
+                                    <p:set>
+                                      <p:cBhvr>
+                                        <p:cTn id="18" dur="1" fill="hold">
+                                          <p:stCondLst>
+                                            <p:cond delay="0"/>
+                                          </p:stCondLst>
+                                        </p:cTn>
+                                        <p:tgtEl>
+                                          <p:spTgt spid="5">
+                                            <p:txEl>
+                                              <p:pRg st="3" end="3"/>
+                                            </p:txEl>
+                                          </p:spTgt>
+                                        </p:tgtEl>
+                                        <p:attrNameLst>
+                                          <p:attrName>style.visibility</p:attrName>
+                                        </p:attrNameLst>
+                                      </p:cBhvr>
+                                      <p:to>
+                                        <p:strVal val="visible"/>
+                                      </p:to>
+                                    </p:set>
+                                  </p:childTnLst>
+                                </p:cTn>
+                              </p:par>
+                              <p:par>
+                                <p:cTn id="19" presetID="1" presetClass="entr" presetSubtype="0" fill="hold" nodeType="withEffect">
+                                  <p:stCondLst>
+                                    <p:cond delay="0"/>
+                                  </p:stCondLst>
+                                  <p:childTnLst>
+                                    <p:set>
+                                      <p:cBhvr>
+                                        <p:cTn id="20" dur="1" fill="hold">
+                                          <p:stCondLst>
+                                            <p:cond delay="0"/>
+                                          </p:stCondLst>
+                                        </p:cTn>
+                                        <p:tgtEl>
+                                          <p:spTgt spid="2054"/>
+                                        </p:tgtEl>
+                                        <p:attrNameLst>
+                                          <p:attrName>style.visibility</p:attrName>
+                                        </p:attrNameLst>
+                                      </p:cBhvr>
+                                      <p:to>
+                                        <p:strVal val="visible"/>
+                                      </p:to>
+                                    </p:set>
+                                  </p:childTnLst>
+                                </p:cTn>
+                              </p:par>
+                            </p:childTnLst>
+                          </p:cTn>
+                        </p:par>
+                      </p:childTnLst>
+                    </p:cTn>
+                  </p:par>
+                </p:childTnLst>
+              </p:cTn>
+              <p:prevCondLst>
+                <p:cond evt="onPrev" delay="0">
+                  <p:tgtEl>
+                    <p:sldTgt/>
+                  </p:tgtEl>
+                </p:cond>
+              </p:prevCondLst>
+              <p:nextCondLst>
+                <p:cond evt="onNext" delay="0">
+                  <p:tgtEl>
+                    <p:sldTgt/>
+                  </p:tgtEl>
+                </p:cond>
+              </p:nextCondLst>
+            </p:seq>
+          </p:childTnLst>
+        </p:cTn>
+      </p:par>
+    </p:tnLst>
+  </p:timing>
+</p:sld>
+</file>
+
+<file path=ppt/slides/slide5.xml><?xml version="1.0" encoding="utf-8"?>
+<p:sld xmlns:a="http://schemas.openxmlformats.org/drawingml/2006/main" xmlns:r="http://schemas.openxmlformats.org/officeDocument/2006/relationships" xmlns:p="http://schemas.openxmlformats.org/presentationml/2006/main">
+  <p:cSld>
+    <p:spTree>
+      <p:nvGrpSpPr>
+        <p:cNvPr id="1" name=""/>
+        <p:cNvGrpSpPr/>
+        <p:nvPr/>
+      </p:nvGrpSpPr>
+      <p:grpSpPr>
+        <a:xfrm>
+          <a:off x="0" y="0"/>
+          <a:ext cx="0" cy="0"/>
+          <a:chOff x="0" y="0"/>
+          <a:chExt cx="0" cy="0"/>
+        </a:xfrm>
+      </p:grpSpPr>
+      <p:sp>
+        <p:nvSpPr>
+          <p:cNvPr id="5" name="Text Placeholder 4"/>
+          <p:cNvSpPr>
+            <a:spLocks noGrp="1"/>
+          </p:cNvSpPr>
+          <p:nvPr>
+            <p:ph type="body" sz="quarter" idx="10"/>
+          </p:nvPr>
+        </p:nvSpPr>
+        <p:spPr/>
+        <p:txBody>
+          <a:bodyPr/>
+          <a:lstStyle/>
+          <a:p>
+            <a:r>
+              <a:rPr lang="bg-BG" b="1" dirty="0" smtClean="0"/>
+              <a:t>͏</a:t>
+            </a:r>
+            <a:r>
+              <a:rPr lang="bg-BG" b="1" dirty="0" smtClean="0">
+                <a:solidFill>
+                  <a:schemeClr val="bg1"/>
+                </a:solidFill>
+              </a:rPr>
+              <a:t>Разговори в реално време </a:t>
+            </a:r>
+            <a:r>
+              <a:rPr lang="bg-BG" dirty="0" smtClean="0"/>
+              <a:t>(</a:t>
+            </a:r>
+            <a:r>
+              <a:rPr lang="en-US" b="1" dirty="0">
+                <a:solidFill>
+                  <a:schemeClr val="bg1"/>
+                </a:solidFill>
+              </a:rPr>
+              <a:t>I</a:t>
+            </a:r>
+            <a:r>
+              <a:rPr lang="en-US" dirty="0"/>
+              <a:t>nternet </a:t>
+            </a:r>
+            <a:r>
+              <a:rPr lang="en-US" b="1" dirty="0">
+                <a:solidFill>
+                  <a:schemeClr val="bg1"/>
+                </a:solidFill>
+              </a:rPr>
+              <a:t>R</a:t>
+            </a:r>
+            <a:r>
+              <a:rPr lang="en-US" dirty="0"/>
+              <a:t>elay </a:t>
+            </a:r>
+            <a:r>
+              <a:rPr lang="en-US" b="1" dirty="0">
+                <a:solidFill>
+                  <a:schemeClr val="bg1"/>
+                </a:solidFill>
+              </a:rPr>
+              <a:t>C</a:t>
+            </a:r>
+            <a:r>
+              <a:rPr lang="en-US" dirty="0"/>
+              <a:t>hat</a:t>
+            </a:r>
+            <a:r>
+              <a:rPr lang="bg-BG" dirty="0" smtClean="0"/>
+              <a:t>)</a:t>
+            </a:r>
+            <a:r>
+              <a:rPr lang="en-US" dirty="0" smtClean="0"/>
+              <a:t> </a:t>
+            </a:r>
+            <a:r>
+              <a:rPr lang="bg-BG" dirty="0" smtClean="0"/>
+              <a:t>– </a:t>
+            </a:r>
+            <a:r>
+              <a:rPr lang="ru-RU" dirty="0" smtClean="0"/>
+              <a:t>позволява </a:t>
+            </a:r>
+            <a:r>
+              <a:rPr lang="ru-RU" b="1" dirty="0" smtClean="0"/>
+              <a:t>едновременно общуване </a:t>
+            </a:r>
+            <a:r>
+              <a:rPr lang="ru-RU" dirty="0" smtClean="0"/>
+              <a:t>в </a:t>
+            </a:r>
+            <a:r>
+              <a:rPr lang="ru-RU" b="1" dirty="0" smtClean="0"/>
+              <a:t>реално време </a:t>
+            </a:r>
+            <a:r>
+              <a:rPr lang="ru-RU" dirty="0" smtClean="0"/>
+              <a:t>с потребители от целия свят</a:t>
+            </a:r>
+          </a:p>
+          <a:p>
+            <a:pPr lvl="1"/>
+            <a:r>
+              <a:rPr lang="ru-RU" dirty="0" smtClean="0"/>
+              <a:t>Нарича се </a:t>
+            </a:r>
+            <a:r>
+              <a:rPr lang="ru-RU" b="1" dirty="0" smtClean="0">
+                <a:solidFill>
+                  <a:schemeClr val="bg1"/>
+                </a:solidFill>
+              </a:rPr>
+              <a:t>чат</a:t>
+            </a:r>
+            <a:r>
+              <a:rPr lang="ru-RU" dirty="0" smtClean="0"/>
+              <a:t> (</a:t>
+            </a:r>
+            <a:r>
+              <a:rPr lang="en-US" b="1" dirty="0" smtClean="0"/>
+              <a:t>chat</a:t>
+            </a:r>
+            <a:r>
+              <a:rPr lang="ru-RU" dirty="0" smtClean="0"/>
+              <a:t>), което преведено от английски означава "</a:t>
+            </a:r>
+            <a:r>
+              <a:rPr lang="ru-RU" b="1" dirty="0" smtClean="0"/>
+              <a:t>бърборене</a:t>
+            </a:r>
+            <a:r>
+              <a:rPr lang="ru-RU" dirty="0" smtClean="0"/>
+              <a:t>"</a:t>
+            </a:r>
+            <a:endParaRPr lang="en-US" dirty="0" smtClean="0"/>
+          </a:p>
+        </p:txBody>
+      </p:sp>
+      <p:sp>
+        <p:nvSpPr>
+          <p:cNvPr id="4" name="Title 3"/>
+          <p:cNvSpPr>
+            <a:spLocks noGrp="1"/>
+          </p:cNvSpPr>
+          <p:nvPr>
+            <p:ph type="title"/>
+          </p:nvPr>
+        </p:nvSpPr>
+        <p:spPr/>
+        <p:txBody>
+          <a:bodyPr>
+            <a:normAutofit/>
+          </a:bodyPr>
+          <a:lstStyle/>
+          <a:p>
+            <a:r>
+              <a:rPr lang="ru-RU" dirty="0"/>
+              <a:t>Разговори в реално време </a:t>
+            </a:r>
+            <a:r>
+              <a:rPr lang="ru-RU" dirty="0" smtClean="0"/>
+              <a:t>(IRC</a:t>
+            </a:r>
+            <a:r>
+              <a:rPr lang="ru-RU" dirty="0"/>
+              <a:t>)</a:t>
+            </a:r>
+            <a:endParaRPr lang="en-US" dirty="0"/>
+          </a:p>
+        </p:txBody>
+      </p:sp>
+      <p:pic>
+        <p:nvPicPr>
+          <p:cNvPr id="3080" name="Picture 8" descr="Four Ways Video is Changing the Customer Support Landscape - Freshdesk Blogs"/>
+          <p:cNvPicPr>
+            <a:picLocks noChangeAspect="1" noChangeArrowheads="1"/>
+          </p:cNvPicPr>
+          <p:nvPr/>
+        </p:nvPicPr>
+        <p:blipFill>
+          <a:blip r:embed="rId2">
+            <a:extLst>
+              <a:ext uri="{28A0092B-C50C-407E-A947-70E740481C1C}">
+                <a14:useLocalDpi xmlns:a14="http://schemas.microsoft.com/office/drawing/2010/main" val="0"/>
+              </a:ext>
+            </a:extLst>
+          </a:blip>
+          <a:srcRect/>
+          <a:stretch>
+            <a:fillRect/>
+          </a:stretch>
+        </p:blipFill>
+        <p:spPr bwMode="auto">
+          <a:xfrm>
+            <a:off x="2892027" y="4156447"/>
+            <a:ext cx="6414845" cy="2568444"/>
+          </a:xfrm>
+          <a:prstGeom prst="rect">
+            <a:avLst/>
+          </a:prstGeom>
+          <a:noFill/>
+          <a:ln>
+            <a:solidFill>
+              <a:schemeClr val="bg2">
+                <a:lumMod val="75000"/>
+              </a:schemeClr>
+            </a:solidFill>
+          </a:ln>
+          <a:extLst>
+            <a:ext uri="{909E8E84-426E-40DD-AFC4-6F175D3DCCD1}">
+              <a14:hiddenFill xmlns:a14="http://schemas.microsoft.com/office/drawing/2010/main">
+                <a:solidFill>
+                  <a:srgbClr val="FFFFFF"/>
+                </a:solidFill>
+              </a14:hiddenFill>
+            </a:ext>
+          </a:extLst>
+        </p:spPr>
+      </p:pic>
+    </p:spTree>
+    <p:extLst>
+      <p:ext uri="{BB962C8B-B14F-4D97-AF65-F5344CB8AC3E}">
+        <p14:creationId xmlns:p14="http://schemas.microsoft.com/office/powerpoint/2010/main" val="1083328205"/>
+      </p:ext>
+    </p:extLst>
+  </p:cSld>
+  <p:clrMapOvr>
+    <a:masterClrMapping/>
+  </p:clrMapOvr>
+  <mc:AlternateContent xmlns:mc="http://schemas.openxmlformats.org/markup-compatibility/2006" xmlns:p14="http://schemas.microsoft.com/office/powerpoint/2010/main">
+    <mc:Choice Requires="p14">
+      <p:transition spd="slow" p14:dur="2000" advClick="0" advTm="5000"/>
+    </mc:Choice>
+    <mc:Fallback xmlns="">
+      <p:transition spd="slow" advClick="0" advTm="5000"/>
+    </mc:Fallback>
+  </mc:AlternateContent>
+  <p:timing>
+    <p:tnLst>
+      <p:par>
+        <p:cTn id="1" dur="indefinite" restart="never" nodeType="tmRoot">
+          <p:childTnLst>
+            <p:seq concurrent="1" nextAc="seek">
+              <p:cTn id="2" dur="indefinite" nodeType="mainSeq">
+                <p:childTnLst>
+                  <p:par>
+                    <p:cTn id="3" fill="hold">
+                      <p:stCondLst>
+                        <p:cond delay="indefinite"/>
+                      </p:stCondLst>
+                      <p:childTnLst>
+                        <p:par>
+                          <p:cTn id="4" fill="hold">
+                            <p:stCondLst>
+                              <p:cond delay="0"/>
+                            </p:stCondLst>
+                            <p:childTnLst>
+                              <p:par>
+                                <p:cTn id="5" presetID="1" presetClass="entr" presetSubtype="0" fill="hold" nodeType="clickEffect">
+                                  <p:stCondLst>
+                                    <p:cond delay="0"/>
+                                  </p:stCondLst>
+                                  <p:childTnLst>
+                                    <p:set>
+                                      <p:cBhvr>
+                                        <p:cTn id="6" dur="1" fill="hold">
+                                          <p:stCondLst>
+                                            <p:cond delay="0"/>
+                                          </p:stCondLst>
+                                        </p:cTn>
+                                        <p:tgtEl>
+                                          <p:spTgt spid="5">
+                                            <p:txEl>
+                                              <p:pRg st="1" end="1"/>
+                                            </p:txEl>
+                                          </p:spTgt>
+                                        </p:tgtEl>
+                                        <p:attrNameLst>
+                                          <p:attrName>style.visibility</p:attrName>
+                                        </p:attrNameLst>
+                                      </p:cBhvr>
+                                      <p:to>
+                                        <p:strVal val="visible"/>
+                                      </p:to>
+                                    </p:set>
+                                  </p:childTnLst>
+                                </p:cTn>
+                              </p:par>
+                            </p:childTnLst>
+                          </p:cTn>
+                        </p:par>
+                      </p:childTnLst>
+                    </p:cTn>
+                  </p:par>
+                  <p:par>
+                    <p:cTn id="7" fill="hold">
+                      <p:stCondLst>
+                        <p:cond delay="indefinite"/>
+                      </p:stCondLst>
+                      <p:childTnLst>
+                        <p:par>
+                          <p:cTn id="8" fill="hold">
+                            <p:stCondLst>
+                              <p:cond delay="0"/>
+                            </p:stCondLst>
+                            <p:childTnLst>
+                              <p:par>
+                                <p:cTn id="9" presetID="1" presetClass="entr" presetSubtype="0" fill="hold" nodeType="clickEffect">
+                                  <p:stCondLst>
+                                    <p:cond delay="0"/>
+                                  </p:stCondLst>
+                                  <p:childTnLst>
+                                    <p:set>
+                                      <p:cBhvr>
+                                        <p:cTn id="10" dur="1" fill="hold">
+                                          <p:stCondLst>
+                                            <p:cond delay="0"/>
+                                          </p:stCondLst>
+                                        </p:cTn>
+                                        <p:tgtEl>
+                                          <p:spTgt spid="3080"/>
+                                        </p:tgtEl>
+                                        <p:attrNameLst>
+                                          <p:attrName>style.visibility</p:attrName>
+                                        </p:attrNameLst>
+                                      </p:cBhvr>
+                                      <p:to>
+                                        <p:strVal val="visible"/>
+                                      </p:to>
+                                    </p:set>
+                                  </p:childTnLst>
+                                </p:cTn>
+                              </p:par>
+                            </p:childTnLst>
+                          </p:cTn>
+                        </p:par>
+                      </p:childTnLst>
+                    </p:cTn>
+                  </p:par>
+                </p:childTnLst>
+              </p:cTn>
+              <p:prevCondLst>
+                <p:cond evt="onPrev" delay="0">
+                  <p:tgtEl>
+                    <p:sldTgt/>
+                  </p:tgtEl>
+                </p:cond>
+              </p:prevCondLst>
+              <p:nextCondLst>
+                <p:cond evt="onNext" delay="0">
+                  <p:tgtEl>
+                    <p:sldTgt/>
+                  </p:tgtEl>
+                </p:cond>
+              </p:nextCondLst>
+            </p:seq>
+          </p:childTnLst>
+        </p:cTn>
+      </p:par>
+    </p:tnLst>
+  </p:timing>
+</p:sld>
+</file>
+
+<file path=ppt/slides/slide6.xml><?xml version="1.0" encoding="utf-8"?>
+<p:sld xmlns:a="http://schemas.openxmlformats.org/drawingml/2006/main" xmlns:r="http://schemas.openxmlformats.org/officeDocument/2006/relationships" xmlns:p="http://schemas.openxmlformats.org/presentationml/2006/main">
+  <p:cSld>
+    <p:spTree>
+      <p:nvGrpSpPr>
+        <p:cNvPr id="1" name=""/>
+        <p:cNvGrpSpPr/>
+        <p:nvPr/>
+      </p:nvGrpSpPr>
+      <p:grpSpPr>
+        <a:xfrm>
+          <a:off x="0" y="0"/>
+          <a:ext cx="0" cy="0"/>
+          <a:chOff x="0" y="0"/>
+          <a:chExt cx="0" cy="0"/>
+        </a:xfrm>
+      </p:grpSpPr>
+      <p:sp>
+        <p:nvSpPr>
+          <p:cNvPr id="2" name="Slide Number Placeholder 1"/>
+          <p:cNvSpPr>
+            <a:spLocks noGrp="1"/>
+          </p:cNvSpPr>
+          <p:nvPr>
+            <p:ph type="sldNum" sz="quarter" idx="5"/>
+          </p:nvPr>
+        </p:nvSpPr>
+        <p:spPr/>
+        <p:txBody>
+          <a:bodyPr/>
+          <a:lstStyle/>
+          <a:p>
+            <a:fld id="{2BF067CD-8E6B-4360-9AA8-C5DF2A48A6D1}" type="slidenum">
+              <a:rPr lang="en-US" noProof="0" smtClean="0"/>
+              <a:pPr/>
+              <a:t>6</a:t>
+            </a:fld>
+            <a:endParaRPr lang="en-US" noProof="0" dirty="0"/>
+          </a:p>
+        </p:txBody>
+      </p:sp>
+      <p:sp>
+        <p:nvSpPr>
+          <p:cNvPr id="6" name="Text Placeholder 5"/>
+          <p:cNvSpPr>
+            <a:spLocks noGrp="1"/>
+          </p:cNvSpPr>
+          <p:nvPr>
+            <p:ph type="body" sz="quarter" idx="10"/>
+          </p:nvPr>
+        </p:nvSpPr>
+        <p:spPr/>
+        <p:txBody>
+          <a:bodyPr/>
+          <a:lstStyle/>
+          <a:p>
+            <a:r>
+              <a:rPr lang="ru-RU" dirty="0"/>
+              <a:t>Всеки </a:t>
+            </a:r>
+            <a:r>
+              <a:rPr lang="ru-RU" b="1" dirty="0"/>
+              <a:t>потребител</a:t>
+            </a:r>
+            <a:r>
+              <a:rPr lang="ru-RU" dirty="0"/>
+              <a:t> има уникално "</a:t>
+            </a:r>
+            <a:r>
+              <a:rPr lang="ru-RU" b="1" dirty="0"/>
+              <a:t>име</a:t>
+            </a:r>
+            <a:r>
+              <a:rPr lang="ru-RU" dirty="0"/>
+              <a:t>" – </a:t>
+            </a:r>
+            <a:r>
+              <a:rPr lang="ru-RU" b="1" dirty="0">
+                <a:solidFill>
+                  <a:schemeClr val="bg1"/>
+                </a:solidFill>
+              </a:rPr>
+              <a:t>псевдоним</a:t>
+            </a:r>
+            <a:r>
+              <a:rPr lang="ru-RU" dirty="0"/>
+              <a:t> (</a:t>
+            </a:r>
+            <a:r>
+              <a:rPr lang="ru-RU" b="1" dirty="0"/>
+              <a:t>nickname</a:t>
+            </a:r>
+            <a:r>
+              <a:rPr lang="ru-RU" dirty="0"/>
+              <a:t>), различаващ го от останалите</a:t>
+            </a:r>
+            <a:endParaRPr lang="en-US" dirty="0"/>
+          </a:p>
+          <a:p>
+            <a:pPr lvl="1"/>
+            <a:r>
+              <a:rPr lang="ru-RU" dirty="0"/>
+              <a:t>Псевдонимът е </a:t>
+            </a:r>
+            <a:r>
+              <a:rPr lang="ru-RU" b="1" dirty="0"/>
+              <a:t>измислен</a:t>
+            </a:r>
+            <a:r>
+              <a:rPr lang="ru-RU" dirty="0"/>
+              <a:t> и служи като </a:t>
+            </a:r>
+            <a:r>
+              <a:rPr lang="ru-RU" b="1" dirty="0"/>
+              <a:t>алтернатива</a:t>
+            </a:r>
+            <a:r>
+              <a:rPr lang="ru-RU" dirty="0"/>
+              <a:t> на </a:t>
+            </a:r>
+            <a:r>
+              <a:rPr lang="ru-RU" b="1" dirty="0"/>
+              <a:t>истинското име</a:t>
+            </a:r>
+            <a:endParaRPr lang="en-US" b="1" dirty="0"/>
+          </a:p>
+          <a:p>
+            <a:endParaRPr lang="en-US" dirty="0"/>
+          </a:p>
+        </p:txBody>
+      </p:sp>
+      <p:sp>
+        <p:nvSpPr>
+          <p:cNvPr id="5" name="Title 4"/>
+          <p:cNvSpPr>
+            <a:spLocks noGrp="1"/>
+          </p:cNvSpPr>
+          <p:nvPr>
+            <p:ph type="title"/>
+          </p:nvPr>
+        </p:nvSpPr>
+        <p:spPr/>
+        <p:txBody>
+          <a:bodyPr/>
+          <a:lstStyle/>
+          <a:p>
+            <a:r>
+              <a:rPr lang="bg-BG" dirty="0" smtClean="0"/>
+              <a:t>Псевдоним</a:t>
+            </a:r>
+            <a:endParaRPr lang="en-US" dirty="0"/>
+          </a:p>
+        </p:txBody>
+      </p:sp>
+      <p:pic>
+        <p:nvPicPr>
+          <p:cNvPr id="4100" name="Picture 4" descr="nickname-generator/README.md at master · dasmig/nickname-generator · GitHub"/>
+          <p:cNvPicPr>
+            <a:picLocks noChangeAspect="1" noChangeArrowheads="1"/>
+          </p:cNvPicPr>
+          <p:nvPr/>
+        </p:nvPicPr>
+        <p:blipFill>
+          <a:blip r:embed="rId2">
+            <a:extLst>
+              <a:ext uri="{28A0092B-C50C-407E-A947-70E740481C1C}">
+                <a14:useLocalDpi xmlns:a14="http://schemas.microsoft.com/office/drawing/2010/main" val="0"/>
+              </a:ext>
+            </a:extLst>
+          </a:blip>
+          <a:srcRect/>
+          <a:stretch>
+            <a:fillRect/>
+          </a:stretch>
+        </p:blipFill>
+        <p:spPr bwMode="auto">
+          <a:xfrm>
+            <a:off x="3013500" y="3588241"/>
+            <a:ext cx="6165000" cy="3082500"/>
+          </a:xfrm>
+          <a:prstGeom prst="rect">
+            <a:avLst/>
+          </a:prstGeom>
+          <a:noFill/>
+          <a:ln>
+            <a:solidFill>
+              <a:schemeClr val="bg2">
+                <a:lumMod val="75000"/>
+              </a:schemeClr>
+            </a:solidFill>
+          </a:ln>
+          <a:extLst>
+            <a:ext uri="{909E8E84-426E-40DD-AFC4-6F175D3DCCD1}">
+              <a14:hiddenFill xmlns:a14="http://schemas.microsoft.com/office/drawing/2010/main">
+                <a:solidFill>
+                  <a:srgbClr val="FFFFFF"/>
+                </a:solidFill>
+              </a14:hiddenFill>
+            </a:ext>
+          </a:extLst>
+        </p:spPr>
+      </p:pic>
+    </p:spTree>
+    <p:extLst>
+      <p:ext uri="{BB962C8B-B14F-4D97-AF65-F5344CB8AC3E}">
+        <p14:creationId xmlns:p14="http://schemas.microsoft.com/office/powerpoint/2010/main" val="2150684719"/>
+      </p:ext>
+    </p:extLst>
+  </p:cSld>
+  <p:clrMapOvr>
+    <a:masterClrMapping/>
+  </p:clrMapOvr>
+  <mc:AlternateContent xmlns:mc="http://schemas.openxmlformats.org/markup-compatibility/2006" xmlns:p14="http://schemas.microsoft.com/office/powerpoint/2010/main">
+    <mc:Choice Requires="p14">
+      <p:transition spd="slow" p14:dur="2000" advClick="0" advTm="5000"/>
+    </mc:Choice>
+    <mc:Fallback xmlns="">
+      <p:transition spd="slow" advClick="0" advTm="5000"/>
+    </mc:Fallback>
+  </mc:AlternateContent>
+  <p:timing>
+    <p:tnLst>
+      <p:par>
+        <p:cTn id="1" dur="indefinite" restart="never" nodeType="tmRoot">
+          <p:childTnLst>
+            <p:seq concurrent="1" nextAc="seek">
+              <p:cTn id="2" dur="indefinite" nodeType="mainSeq">
+                <p:childTnLst>
+                  <p:par>
+                    <p:cTn id="3" fill="hold">
+                      <p:stCondLst>
+                        <p:cond delay="indefinite"/>
+                      </p:stCondLst>
+                      <p:childTnLst>
+                        <p:par>
+                          <p:cTn id="4" fill="hold">
+                            <p:stCondLst>
+                              <p:cond delay="0"/>
+                            </p:stCondLst>
+                            <p:childTnLst>
+                              <p:par>
+                                <p:cTn id="5" presetID="1" presetClass="entr" presetSubtype="0" fill="hold" nodeType="clickEffect">
+                                  <p:stCondLst>
+                                    <p:cond delay="0"/>
+                                  </p:stCondLst>
+                                  <p:childTnLst>
+                                    <p:set>
+                                      <p:cBhvr>
+                                        <p:cTn id="6" dur="1" fill="hold">
+                                          <p:stCondLst>
+                                            <p:cond delay="0"/>
+                                          </p:stCondLst>
+                                        </p:cTn>
+                                        <p:tgtEl>
+                                          <p:spTgt spid="6">
+                                            <p:txEl>
+                                              <p:pRg st="1" end="1"/>
+                                            </p:txEl>
+                                          </p:spTgt>
+                                        </p:tgtEl>
+                                        <p:attrNameLst>
+                                          <p:attrName>style.visibility</p:attrName>
+                                        </p:attrNameLst>
+                                      </p:cBhvr>
+                                      <p:to>
+                                        <p:strVal val="visible"/>
+                                      </p:to>
+                                    </p:set>
+                                  </p:childTnLst>
+                                </p:cTn>
+                              </p:par>
+                            </p:childTnLst>
+                          </p:cTn>
+                        </p:par>
+                      </p:childTnLst>
+                    </p:cTn>
+                  </p:par>
+                  <p:par>
+                    <p:cTn id="7" fill="hold">
+                      <p:stCondLst>
+                        <p:cond delay="indefinite"/>
+                      </p:stCondLst>
+                      <p:childTnLst>
+                        <p:par>
+                          <p:cTn id="8" fill="hold">
+                            <p:stCondLst>
+                              <p:cond delay="0"/>
+                            </p:stCondLst>
+                            <p:childTnLst>
+                              <p:par>
+                                <p:cTn id="9" presetID="1" presetClass="entr" presetSubtype="0" fill="hold" nodeType="clickEffect">
+                                  <p:stCondLst>
+                                    <p:cond delay="0"/>
+                                  </p:stCondLst>
+                                  <p:childTnLst>
+                                    <p:set>
+                                      <p:cBhvr>
+                                        <p:cTn id="10" dur="1" fill="hold">
+                                          <p:stCondLst>
+                                            <p:cond delay="0"/>
+                                          </p:stCondLst>
+                                        </p:cTn>
+                                        <p:tgtEl>
+                                          <p:spTgt spid="4100"/>
+                                        </p:tgtEl>
+                                        <p:attrNameLst>
+                                          <p:attrName>style.visibility</p:attrName>
+                                        </p:attrNameLst>
+                                      </p:cBhvr>
+                                      <p:to>
+                                        <p:strVal val="visible"/>
+                                      </p:to>
+                                    </p:set>
+                                  </p:childTnLst>
+                                </p:cTn>
+                              </p:par>
+                            </p:childTnLst>
+                          </p:cTn>
+                        </p:par>
+                      </p:childTnLst>
+                    </p:cTn>
+                  </p:par>
+                </p:childTnLst>
+              </p:cTn>
+              <p:prevCondLst>
+                <p:cond evt="onPrev" delay="0">
+                  <p:tgtEl>
+                    <p:sldTgt/>
+                  </p:tgtEl>
+                </p:cond>
+              </p:prevCondLst>
+              <p:nextCondLst>
+                <p:cond evt="onNext" delay="0">
+                  <p:tgtEl>
+                    <p:sldTgt/>
+                  </p:tgtEl>
+                </p:cond>
+              </p:nextCondLst>
+            </p:seq>
+          </p:childTnLst>
+        </p:cTn>
+      </p:par>
+    </p:tnLst>
+  </p:timing>
+</p:sld>
+</file>
+
+<file path=ppt/slides/slide7.xml><?xml version="1.0" encoding="utf-8"?>
+<p:sld xmlns:a="http://schemas.openxmlformats.org/drawingml/2006/main" xmlns:r="http://schemas.openxmlformats.org/officeDocument/2006/relationships" xmlns:p="http://schemas.openxmlformats.org/presentationml/2006/main">
+  <p:cSld>
+    <p:spTree>
+      <p:nvGrpSpPr>
+        <p:cNvPr id="1" name=""/>
+        <p:cNvGrpSpPr/>
+        <p:nvPr/>
+      </p:nvGrpSpPr>
+      <p:grpSpPr>
+        <a:xfrm>
+          <a:off x="0" y="0"/>
+          <a:ext cx="0" cy="0"/>
+          <a:chOff x="0" y="0"/>
+          <a:chExt cx="0" cy="0"/>
+        </a:xfrm>
+      </p:grpSpPr>
+      <p:sp>
+        <p:nvSpPr>
+          <p:cNvPr id="2" name="Slide Number Placeholder 1"/>
+          <p:cNvSpPr>
+            <a:spLocks noGrp="1"/>
+          </p:cNvSpPr>
+          <p:nvPr>
+            <p:ph type="sldNum" sz="quarter" idx="5"/>
+          </p:nvPr>
+        </p:nvSpPr>
+        <p:spPr/>
+        <p:txBody>
+          <a:bodyPr/>
+          <a:lstStyle/>
+          <a:p>
+            <a:fld id="{2BF067CD-8E6B-4360-9AA8-C5DF2A48A6D1}" type="slidenum">
+              <a:rPr lang="en-US" noProof="0" smtClean="0"/>
+              <a:pPr/>
+              <a:t>7</a:t>
+            </a:fld>
+            <a:endParaRPr lang="en-US" noProof="0" dirty="0"/>
+          </a:p>
+        </p:txBody>
+      </p:sp>
+      <p:sp>
+        <p:nvSpPr>
+          <p:cNvPr id="6" name="Text Placeholder 5"/>
+          <p:cNvSpPr>
+            <a:spLocks noGrp="1"/>
+          </p:cNvSpPr>
+          <p:nvPr>
+            <p:ph type="body" sz="quarter" idx="10"/>
+          </p:nvPr>
+        </p:nvSpPr>
+        <p:spPr>
+          <a:xfrm>
+            <a:off x="190402" y="1196125"/>
+            <a:ext cx="7615598" cy="5528766"/>
+          </a:xfrm>
+        </p:spPr>
+        <p:txBody>
+          <a:bodyPr/>
+          <a:lstStyle/>
+          <a:p>
+            <a:r>
+              <a:rPr lang="ru-RU" b="1" dirty="0" smtClean="0"/>
+              <a:t>͏</a:t>
+            </a:r>
+            <a:r>
+              <a:rPr lang="ru-RU" b="1" dirty="0" smtClean="0">
+                <a:solidFill>
+                  <a:schemeClr val="bg1"/>
+                </a:solidFill>
+              </a:rPr>
+              <a:t>Сървърът</a:t>
+            </a:r>
+            <a:r>
+              <a:rPr lang="ru-RU" b="1" dirty="0" smtClean="0"/>
+              <a:t> </a:t>
+            </a:r>
+            <a:r>
+              <a:rPr lang="ru-RU" dirty="0" smtClean="0"/>
+              <a:t>(</a:t>
+            </a:r>
+            <a:r>
+              <a:rPr lang="ru-RU" b="1" dirty="0" smtClean="0"/>
+              <a:t>компютърът</a:t>
+            </a:r>
+            <a:r>
+              <a:rPr lang="ru-RU" dirty="0" smtClean="0"/>
+              <a:t>), </a:t>
+            </a:r>
+            <a:r>
+              <a:rPr lang="ru-RU" dirty="0"/>
+              <a:t>който предоставя услугата, </a:t>
+            </a:r>
+            <a:r>
+              <a:rPr lang="ru-RU" b="1" dirty="0"/>
+              <a:t>организира</a:t>
+            </a:r>
+            <a:r>
+              <a:rPr lang="ru-RU" dirty="0"/>
+              <a:t> потребителите в </a:t>
+            </a:r>
+            <a:r>
+              <a:rPr lang="ru-RU" b="1" dirty="0" smtClean="0"/>
+              <a:t>групи</a:t>
+            </a:r>
+            <a:r>
+              <a:rPr lang="ru-RU" dirty="0" smtClean="0"/>
+              <a:t>,</a:t>
+            </a:r>
+            <a:r>
+              <a:rPr lang="en-US" dirty="0" smtClean="0"/>
+              <a:t> </a:t>
+            </a:r>
+            <a:r>
+              <a:rPr lang="ru-RU" dirty="0" smtClean="0"/>
+              <a:t>наречени </a:t>
+            </a:r>
+            <a:r>
+              <a:rPr lang="ru-RU" b="1" dirty="0" smtClean="0">
+                <a:solidFill>
+                  <a:schemeClr val="bg1"/>
+                </a:solidFill>
+              </a:rPr>
+              <a:t>канали</a:t>
+            </a:r>
+          </a:p>
+          <a:p>
+            <a:pPr lvl="1"/>
+            <a:r>
+              <a:rPr lang="ru-RU" dirty="0"/>
+              <a:t>Всяко </a:t>
+            </a:r>
+            <a:r>
+              <a:rPr lang="ru-RU" b="1" dirty="0"/>
+              <a:t>съобщение</a:t>
+            </a:r>
+            <a:r>
+              <a:rPr lang="ru-RU" dirty="0"/>
+              <a:t>, </a:t>
+            </a:r>
+            <a:r>
+              <a:rPr lang="ru-RU" dirty="0" smtClean="0"/>
+              <a:t>изпратено </a:t>
+            </a:r>
+            <a:r>
+              <a:rPr lang="ru-RU" dirty="0"/>
+              <a:t>в </a:t>
+            </a:r>
+            <a:r>
+              <a:rPr lang="ru-RU" b="1" dirty="0"/>
+              <a:t>групата</a:t>
+            </a:r>
+            <a:r>
+              <a:rPr lang="ru-RU" dirty="0"/>
+              <a:t>, достига до </a:t>
+            </a:r>
+            <a:r>
+              <a:rPr lang="ru-RU" b="1" dirty="0"/>
+              <a:t>всички</a:t>
+            </a:r>
+            <a:r>
+              <a:rPr lang="ru-RU" dirty="0"/>
+              <a:t> </a:t>
+            </a:r>
+            <a:r>
+              <a:rPr lang="ru-RU" b="1" dirty="0" smtClean="0"/>
+              <a:t>участници</a:t>
+            </a:r>
+          </a:p>
+          <a:p>
+            <a:r>
+              <a:rPr lang="ru-RU" b="1" dirty="0" smtClean="0"/>
+              <a:t>Имената</a:t>
+            </a:r>
+            <a:r>
+              <a:rPr lang="ru-RU" dirty="0" smtClean="0"/>
+              <a:t> на каналите </a:t>
+            </a:r>
+            <a:r>
+              <a:rPr lang="ru-RU" b="1" dirty="0" smtClean="0"/>
+              <a:t>започват</a:t>
+            </a:r>
+            <a:r>
+              <a:rPr lang="ru-RU" dirty="0" smtClean="0"/>
+              <a:t> със знака "</a:t>
+            </a:r>
+            <a:r>
+              <a:rPr lang="en-US" b="1" dirty="0" smtClean="0">
+                <a:solidFill>
+                  <a:schemeClr val="bg1"/>
+                </a:solidFill>
+              </a:rPr>
+              <a:t>#</a:t>
+            </a:r>
+            <a:r>
+              <a:rPr lang="en-US" dirty="0" smtClean="0"/>
+              <a:t>" </a:t>
+            </a:r>
+            <a:r>
+              <a:rPr lang="bg-BG" dirty="0" smtClean="0"/>
+              <a:t>(</a:t>
+            </a:r>
+            <a:r>
+              <a:rPr lang="bg-BG" b="1" dirty="0" smtClean="0"/>
+              <a:t>диез</a:t>
+            </a:r>
+            <a:r>
+              <a:rPr lang="bg-BG" dirty="0" smtClean="0"/>
+              <a:t>)</a:t>
+            </a:r>
+            <a:endParaRPr lang="en-US" dirty="0" smtClean="0"/>
+          </a:p>
+        </p:txBody>
+      </p:sp>
+      <p:sp>
+        <p:nvSpPr>
+          <p:cNvPr id="5" name="Title 4"/>
+          <p:cNvSpPr>
+            <a:spLocks noGrp="1"/>
+          </p:cNvSpPr>
+          <p:nvPr>
+            <p:ph type="title"/>
+          </p:nvPr>
+        </p:nvSpPr>
+        <p:spPr/>
+        <p:txBody>
+          <a:bodyPr/>
+          <a:lstStyle/>
+          <a:p>
+            <a:r>
+              <a:rPr lang="bg-BG" dirty="0" smtClean="0"/>
+              <a:t>Канали в</a:t>
+            </a:r>
+            <a:r>
+              <a:rPr lang="en-US" dirty="0"/>
+              <a:t> </a:t>
+            </a:r>
+            <a:r>
+              <a:rPr lang="en-US" dirty="0" smtClean="0"/>
+              <a:t>IRC</a:t>
+            </a:r>
+            <a:endParaRPr lang="en-US" dirty="0"/>
+          </a:p>
+        </p:txBody>
+      </p:sp>
+      <p:pic>
+        <p:nvPicPr>
+          <p:cNvPr id="5122" name="Picture 2" descr="undefined"/>
+          <p:cNvPicPr>
+            <a:picLocks noChangeAspect="1" noChangeArrowheads="1"/>
+          </p:cNvPicPr>
+          <p:nvPr/>
+        </p:nvPicPr>
+        <p:blipFill>
+          <a:blip r:embed="rId3">
+            <a:extLst>
+              <a:ext uri="{28A0092B-C50C-407E-A947-70E740481C1C}">
+                <a14:useLocalDpi xmlns:a14="http://schemas.microsoft.com/office/drawing/2010/main" val="0"/>
+              </a:ext>
+            </a:extLst>
+          </a:blip>
+          <a:srcRect/>
+          <a:stretch>
+            <a:fillRect/>
+          </a:stretch>
+        </p:blipFill>
+        <p:spPr bwMode="auto">
+          <a:xfrm>
+            <a:off x="8115946" y="1314000"/>
+            <a:ext cx="3372138" cy="4653551"/>
+          </a:xfrm>
+          <a:prstGeom prst="rect">
+            <a:avLst/>
+          </a:prstGeom>
+          <a:noFill/>
+          <a:ln>
+            <a:solidFill>
+              <a:schemeClr val="bg2">
+                <a:lumMod val="75000"/>
+              </a:schemeClr>
+            </a:solidFill>
+          </a:ln>
+          <a:extLst>
+            <a:ext uri="{909E8E84-426E-40DD-AFC4-6F175D3DCCD1}">
+              <a14:hiddenFill xmlns:a14="http://schemas.microsoft.com/office/drawing/2010/main">
+                <a:solidFill>
+                  <a:srgbClr val="FFFFFF"/>
+                </a:solidFill>
+              </a14:hiddenFill>
+            </a:ext>
+          </a:extLst>
+        </p:spPr>
+      </p:pic>
+      <p:sp>
+        <p:nvSpPr>
+          <p:cNvPr id="8" name="TextBox 7"/>
+          <p:cNvSpPr txBox="1"/>
+          <p:nvPr/>
+        </p:nvSpPr>
+        <p:spPr>
+          <a:xfrm>
+            <a:off x="8317015" y="5967551"/>
+            <a:ext cx="2970000" cy="624374"/>
+          </a:xfrm>
+          <a:prstGeom prst="rect">
+            <a:avLst/>
+          </a:prstGeom>
+          <a:noFill/>
+          <a:ln w="12700">
+            <a:noFill/>
+          </a:ln>
+        </p:spPr>
+        <p:txBody>
+          <a:bodyPr vert="horz" wrap="square" lIns="144000" tIns="108000" rIns="144000" bIns="108000" rtlCol="0">
+            <a:spAutoFit/>
+          </a:bodyPr>
+          <a:lstStyle/>
+          <a:p>
+            <a:pPr algn="r" eaLnBrk="0" hangingPunct="0">
+              <a:lnSpc>
+                <a:spcPct val="110000"/>
+              </a:lnSpc>
+              <a:buClr>
+                <a:schemeClr val="accent5">
+                  <a:lumMod val="40000"/>
+                  <a:lumOff val="60000"/>
+                </a:schemeClr>
+              </a:buClr>
+              <a:buSzPct val="70000"/>
+            </a:pPr>
+            <a:r>
+              <a:rPr lang="bg-BG" sz="2400" dirty="0"/>
+              <a:t>Първият </a:t>
+            </a:r>
+            <a:r>
+              <a:rPr lang="en-US" sz="2400" b="1" dirty="0" smtClean="0"/>
+              <a:t>IRC </a:t>
+            </a:r>
+            <a:r>
+              <a:rPr lang="bg-BG" sz="2400" b="1" dirty="0" smtClean="0"/>
+              <a:t>сървър</a:t>
+            </a:r>
+            <a:endParaRPr lang="en-US" sz="2400" b="1" dirty="0"/>
+          </a:p>
+        </p:txBody>
+      </p:sp>
+    </p:spTree>
+    <p:extLst>
+      <p:ext uri="{BB962C8B-B14F-4D97-AF65-F5344CB8AC3E}">
+        <p14:creationId xmlns:p14="http://schemas.microsoft.com/office/powerpoint/2010/main" val="3209975091"/>
+      </p:ext>
+    </p:extLst>
+  </p:cSld>
+  <p:clrMapOvr>
+    <a:masterClrMapping/>
+  </p:clrMapOvr>
+  <mc:AlternateContent xmlns:mc="http://schemas.openxmlformats.org/markup-compatibility/2006" xmlns:p14="http://schemas.microsoft.com/office/powerpoint/2010/main">
+    <mc:Choice Requires="p14">
+      <p:transition spd="slow" p14:dur="2000" advClick="0" advTm="5000"/>
+    </mc:Choice>
+    <mc:Fallback xmlns="">
+      <p:transition spd="slow" advClick="0" advTm="5000"/>
+    </mc:Fallback>
+  </mc:AlternateContent>
+  <p:timing>
+    <p:tnLst>
+      <p:par>
+        <p:cTn id="1" dur="indefinite" restart="never" nodeType="tmRoot">
+          <p:childTnLst>
+            <p:seq concurrent="1" nextAc="seek">
+              <p:cTn id="2" dur="indefinite" nodeType="mainSeq">
+                <p:childTnLst>
+                  <p:par>
+                    <p:cTn id="3" fill="hold">
+                      <p:stCondLst>
+                        <p:cond delay="indefinite"/>
+                      </p:stCondLst>
+                      <p:childTnLst>
+                        <p:par>
+                          <p:cTn id="4" fill="hold">
+                            <p:stCondLst>
+                              <p:cond delay="0"/>
+                            </p:stCondLst>
+                            <p:childTnLst>
+                              <p:par>
+                                <p:cTn id="5" presetID="1" presetClass="entr" presetSubtype="0" fill="hold" nodeType="clickEffect">
+                                  <p:stCondLst>
+                                    <p:cond delay="0"/>
+                                  </p:stCondLst>
+                                  <p:childTnLst>
+                                    <p:set>
+                                      <p:cBhvr>
+                                        <p:cTn id="6" dur="1" fill="hold">
+                                          <p:stCondLst>
+                                            <p:cond delay="0"/>
+                                          </p:stCondLst>
+                                        </p:cTn>
+                                        <p:tgtEl>
+                                          <p:spTgt spid="6">
+                                            <p:txEl>
+                                              <p:pRg st="1" end="1"/>
+                                            </p:txEl>
+                                          </p:spTgt>
+                                        </p:tgtEl>
+                                        <p:attrNameLst>
+                                          <p:attrName>style.visibility</p:attrName>
+                                        </p:attrNameLst>
+                                      </p:cBhvr>
+                                      <p:to>
+                                        <p:strVal val="visible"/>
+                                      </p:to>
+                                    </p:set>
+                                  </p:childTnLst>
+                                </p:cTn>
+                              </p:par>
+                            </p:childTnLst>
+                          </p:cTn>
+                        </p:par>
+                      </p:childTnLst>
+                    </p:cTn>
+                  </p:par>
+                  <p:par>
+                    <p:cTn id="7" fill="hold">
+                      <p:stCondLst>
+                        <p:cond delay="indefinite"/>
+                      </p:stCondLst>
+                      <p:childTnLst>
+                        <p:par>
+                          <p:cTn id="8" fill="hold">
+                            <p:stCondLst>
+                              <p:cond delay="0"/>
+                            </p:stCondLst>
+                            <p:childTnLst>
+                              <p:par>
+                                <p:cTn id="9" presetID="1" presetClass="entr" presetSubtype="0" fill="hold" nodeType="clickEffect">
+                                  <p:stCondLst>
+                                    <p:cond delay="0"/>
+                                  </p:stCondLst>
+                                  <p:childTnLst>
+                                    <p:set>
+                                      <p:cBhvr>
+                                        <p:cTn id="10" dur="1" fill="hold">
+                                          <p:stCondLst>
+                                            <p:cond delay="0"/>
+                                          </p:stCondLst>
+                                        </p:cTn>
+                                        <p:tgtEl>
+                                          <p:spTgt spid="6">
+                                            <p:txEl>
+                                              <p:pRg st="2" end="2"/>
+                                            </p:txEl>
+                                          </p:spTgt>
+                                        </p:tgtEl>
+                                        <p:attrNameLst>
+                                          <p:attrName>style.visibility</p:attrName>
+                                        </p:attrNameLst>
+                                      </p:cBhvr>
+                                      <p:to>
+                                        <p:strVal val="visible"/>
+                                      </p:to>
+                                    </p:set>
+                                  </p:childTnLst>
+                                </p:cTn>
+                              </p:par>
+                            </p:childTnLst>
+                          </p:cTn>
+                        </p:par>
+                      </p:childTnLst>
+                    </p:cTn>
+                  </p:par>
+                  <p:par>
+                    <p:cTn id="11" fill="hold">
+                      <p:stCondLst>
+                        <p:cond delay="indefinite"/>
+                      </p:stCondLst>
+                      <p:childTnLst>
+                        <p:par>
+                          <p:cTn id="12" fill="hold">
+                            <p:stCondLst>
+                              <p:cond delay="0"/>
+                            </p:stCondLst>
+                            <p:childTnLst>
+                              <p:par>
+                                <p:cTn id="13" presetID="1" presetClass="entr" presetSubtype="0" fill="hold" nodeType="clickEffect">
+                                  <p:stCondLst>
+                                    <p:cond delay="0"/>
+                                  </p:stCondLst>
+                                  <p:childTnLst>
+                                    <p:set>
+                                      <p:cBhvr>
+                                        <p:cTn id="14" dur="1" fill="hold">
+                                          <p:stCondLst>
+                                            <p:cond delay="0"/>
+                                          </p:stCondLst>
+                                        </p:cTn>
+                                        <p:tgtEl>
+                                          <p:spTgt spid="5122"/>
+                                        </p:tgtEl>
+                                        <p:attrNameLst>
+                                          <p:attrName>style.visibility</p:attrName>
+                                        </p:attrNameLst>
+                                      </p:cBhvr>
+                                      <p:to>
+                                        <p:strVal val="visible"/>
+                                      </p:to>
+                                    </p:set>
+                                  </p:childTnLst>
+                                </p:cTn>
+                              </p:par>
+                              <p:par>
+                                <p:cTn id="15" presetID="1" presetClass="entr" presetSubtype="0" fill="hold" grpId="0" nodeType="withEffect">
+                                  <p:stCondLst>
+                                    <p:cond delay="0"/>
+                                  </p:stCondLst>
+                                  <p:childTnLst>
+                                    <p:set>
+                                      <p:cBhvr>
+                                        <p:cTn id="16" dur="1" fill="hold">
+                                          <p:stCondLst>
+                                            <p:cond delay="0"/>
+                                          </p:stCondLst>
+                                        </p:cTn>
+                                        <p:tgtEl>
+                                          <p:spTgt spid="8"/>
+                                        </p:tgtEl>
+                                        <p:attrNameLst>
+                                          <p:attrName>style.visibility</p:attrName>
+                                        </p:attrNameLst>
+                                      </p:cBhvr>
+                                      <p:to>
+                                        <p:strVal val="visible"/>
+                                      </p:to>
+                                    </p:set>
+                                  </p:childTnLst>
+                                </p:cTn>
+                              </p:par>
+                            </p:childTnLst>
+                          </p:cTn>
+                        </p:par>
+                      </p:childTnLst>
+                    </p:cTn>
+                  </p:par>
+                </p:childTnLst>
+              </p:cTn>
+              <p:prevCondLst>
+                <p:cond evt="onPrev" delay="0">
+                  <p:tgtEl>
+                    <p:sldTgt/>
+                  </p:tgtEl>
+                </p:cond>
+              </p:prevCondLst>
+              <p:nextCondLst>
+                <p:cond evt="onNext" delay="0">
+                  <p:tgtEl>
+                    <p:sldTgt/>
+                  </p:tgtEl>
+                </p:cond>
+              </p:nextCondLst>
+            </p:seq>
+          </p:childTnLst>
+        </p:cTn>
+      </p:par>
+    </p:tnLst>
+    <p:bldLst>
+      <p:bldP spid="8" grpId="0"/>
+    </p:bldLst>
+  </p:timing>
+</p:sld>
+</file>
+
+<file path=ppt/slides/slide8.xml><?xml version="1.0" encoding="utf-8"?>
+<p:sld xmlns:a="http://schemas.openxmlformats.org/drawingml/2006/main" xmlns:r="http://schemas.openxmlformats.org/officeDocument/2006/relationships" xmlns:p="http://schemas.openxmlformats.org/presentationml/2006/main">
+  <p:cSld>
+    <p:spTree>
+      <p:nvGrpSpPr>
+        <p:cNvPr id="1" name=""/>
+        <p:cNvGrpSpPr/>
+        <p:nvPr/>
+      </p:nvGrpSpPr>
+      <p:grpSpPr>
+        <a:xfrm>
+          <a:off x="0" y="0"/>
+          <a:ext cx="0" cy="0"/>
+          <a:chOff x="0" y="0"/>
+          <a:chExt cx="0" cy="0"/>
+        </a:xfrm>
+      </p:grpSpPr>
+      <p:sp>
+        <p:nvSpPr>
+          <p:cNvPr id="2" name="Slide Number Placeholder 1"/>
+          <p:cNvSpPr>
+            <a:spLocks noGrp="1"/>
+          </p:cNvSpPr>
+          <p:nvPr>
+            <p:ph type="sldNum" sz="quarter" idx="5"/>
+          </p:nvPr>
+        </p:nvSpPr>
+        <p:spPr/>
+        <p:txBody>
+          <a:bodyPr/>
+          <a:lstStyle/>
+          <a:p>
+            <a:fld id="{2BF067CD-8E6B-4360-9AA8-C5DF2A48A6D1}" type="slidenum">
+              <a:rPr lang="en-US" noProof="0" smtClean="0"/>
+              <a:pPr/>
+              <a:t>8</a:t>
+            </a:fld>
+            <a:endParaRPr lang="en-US" noProof="0" dirty="0"/>
+          </a:p>
+        </p:txBody>
+      </p:sp>
+      <p:sp>
+        <p:nvSpPr>
+          <p:cNvPr id="3" name="Text Placeholder 2"/>
+          <p:cNvSpPr>
+            <a:spLocks noGrp="1"/>
+          </p:cNvSpPr>
+          <p:nvPr>
+            <p:ph type="body" sz="quarter" idx="10"/>
+          </p:nvPr>
+        </p:nvSpPr>
+        <p:spPr/>
+        <p:txBody>
+          <a:bodyPr/>
+          <a:lstStyle/>
+          <a:p>
+            <a:r>
+              <a:rPr lang="ru-RU" dirty="0"/>
+              <a:t>Възможни са и </a:t>
+            </a:r>
+            <a:r>
+              <a:rPr lang="ru-RU" b="1" dirty="0"/>
+              <a:t>лични разговори </a:t>
+            </a:r>
+            <a:r>
+              <a:rPr lang="ru-RU" dirty="0"/>
+              <a:t>между </a:t>
+            </a:r>
+            <a:r>
+              <a:rPr lang="ru-RU" b="1" dirty="0"/>
+              <a:t>двама потребители</a:t>
+            </a:r>
+            <a:endParaRPr lang="en-US" b="1" dirty="0"/>
+          </a:p>
+          <a:p>
+            <a:r>
+              <a:rPr lang="ru-RU" dirty="0"/>
+              <a:t>Всяка </a:t>
+            </a:r>
+            <a:r>
+              <a:rPr lang="ru-RU" b="1" dirty="0"/>
+              <a:t>IRC мрежа </a:t>
+            </a:r>
+            <a:r>
+              <a:rPr lang="ru-RU" dirty="0"/>
+              <a:t>е </a:t>
+            </a:r>
+            <a:r>
+              <a:rPr lang="ru-RU" b="1" dirty="0"/>
+              <a:t>отделна</a:t>
+            </a:r>
+            <a:r>
+              <a:rPr lang="ru-RU" dirty="0"/>
+              <a:t>, и потребителите могат да </a:t>
+            </a:r>
+            <a:r>
+              <a:rPr lang="ru-RU" b="1" dirty="0"/>
+              <a:t>общуват</a:t>
+            </a:r>
+            <a:r>
+              <a:rPr lang="ru-RU" dirty="0"/>
+              <a:t> само в рамките на </a:t>
+            </a:r>
+            <a:r>
+              <a:rPr lang="ru-RU" b="1" dirty="0"/>
+              <a:t>същата мрежа</a:t>
+            </a:r>
+            <a:endParaRPr lang="en-US" b="1" dirty="0"/>
+          </a:p>
+          <a:p>
+            <a:endParaRPr lang="en-US" dirty="0"/>
+          </a:p>
+        </p:txBody>
+      </p:sp>
+      <p:sp>
+        <p:nvSpPr>
+          <p:cNvPr id="4" name="Title 3"/>
+          <p:cNvSpPr>
+            <a:spLocks noGrp="1"/>
+          </p:cNvSpPr>
+          <p:nvPr>
+            <p:ph type="title"/>
+          </p:nvPr>
+        </p:nvSpPr>
+        <p:spPr/>
+        <p:txBody>
+          <a:bodyPr/>
+          <a:lstStyle/>
+          <a:p>
+            <a:r>
+              <a:rPr lang="ru-RU" dirty="0"/>
+              <a:t>Функции и ограничения на IRC мрежите</a:t>
+            </a:r>
+            <a:endParaRPr lang="en-US" dirty="0"/>
+          </a:p>
+        </p:txBody>
+      </p:sp>
+      <p:pic>
+        <p:nvPicPr>
+          <p:cNvPr id="6146" name="Picture 2" descr="Video Call Friends Images - Free Download on Freepik"/>
+          <p:cNvPicPr>
+            <a:picLocks noChangeAspect="1" noChangeArrowheads="1"/>
+          </p:cNvPicPr>
+          <p:nvPr/>
+        </p:nvPicPr>
+        <p:blipFill>
+          <a:blip r:embed="rId2">
+            <a:extLst>
+              <a:ext uri="{28A0092B-C50C-407E-A947-70E740481C1C}">
+                <a14:useLocalDpi xmlns:a14="http://schemas.microsoft.com/office/drawing/2010/main" val="0"/>
+              </a:ext>
+            </a:extLst>
+          </a:blip>
+          <a:srcRect/>
+          <a:stretch>
+            <a:fillRect/>
+          </a:stretch>
+        </p:blipFill>
+        <p:spPr bwMode="auto">
+          <a:xfrm>
+            <a:off x="1551000" y="3463379"/>
+            <a:ext cx="4535235" cy="3021075"/>
+          </a:xfrm>
+          <a:prstGeom prst="rect">
+            <a:avLst/>
+          </a:prstGeom>
+          <a:noFill/>
+          <a:ln>
+            <a:solidFill>
+              <a:schemeClr val="bg2">
+                <a:lumMod val="75000"/>
+              </a:schemeClr>
+            </a:solidFill>
+          </a:ln>
+          <a:extLst>
+            <a:ext uri="{909E8E84-426E-40DD-AFC4-6F175D3DCCD1}">
+              <a14:hiddenFill xmlns:a14="http://schemas.microsoft.com/office/drawing/2010/main">
+                <a:solidFill>
+                  <a:srgbClr val="FFFFFF"/>
+                </a:solidFill>
+              </a14:hiddenFill>
+            </a:ext>
+          </a:extLst>
+        </p:spPr>
+      </p:pic>
+      <p:pic>
+        <p:nvPicPr>
+          <p:cNvPr id="6148" name="Picture 4" descr="User access denied icon in editable flat outline design 5231268 Vector Art  at Vecteezy"/>
+          <p:cNvPicPr>
+            <a:picLocks noChangeAspect="1" noChangeArrowheads="1"/>
+          </p:cNvPicPr>
+          <p:nvPr/>
+        </p:nvPicPr>
+        <p:blipFill>
+          <a:blip r:embed="rId3" cstate="hqprint">
+            <a:extLst>
+              <a:ext uri="{28A0092B-C50C-407E-A947-70E740481C1C}">
+                <a14:useLocalDpi xmlns:a14="http://schemas.microsoft.com/office/drawing/2010/main" val="0"/>
+              </a:ext>
+            </a:extLst>
+          </a:blip>
+          <a:srcRect/>
+          <a:stretch>
+            <a:fillRect/>
+          </a:stretch>
+        </p:blipFill>
+        <p:spPr bwMode="auto">
+          <a:xfrm>
+            <a:off x="7332307" y="3395909"/>
+            <a:ext cx="3259591" cy="3259591"/>
+          </a:xfrm>
+          <a:prstGeom prst="rect">
+            <a:avLst/>
+          </a:prstGeom>
+          <a:noFill/>
+          <a:extLst>
+            <a:ext uri="{909E8E84-426E-40DD-AFC4-6F175D3DCCD1}">
+              <a14:hiddenFill xmlns:a14="http://schemas.microsoft.com/office/drawing/2010/main">
+                <a:solidFill>
+                  <a:srgbClr val="FFFFFF"/>
+                </a:solidFill>
+              </a14:hiddenFill>
+            </a:ext>
+          </a:extLst>
+        </p:spPr>
+      </p:pic>
+    </p:spTree>
+    <p:extLst>
+      <p:ext uri="{BB962C8B-B14F-4D97-AF65-F5344CB8AC3E}">
+        <p14:creationId xmlns:p14="http://schemas.microsoft.com/office/powerpoint/2010/main" val="4077437236"/>
+      </p:ext>
+    </p:extLst>
+  </p:cSld>
+  <p:clrMapOvr>
+    <a:masterClrMapping/>
+  </p:clrMapOvr>
+  <mc:AlternateContent xmlns:mc="http://schemas.openxmlformats.org/markup-compatibility/2006" xmlns:p14="http://schemas.microsoft.com/office/powerpoint/2010/main">
+    <mc:Choice Requires="p14">
+      <p:transition spd="slow" p14:dur="2000" advClick="0" advTm="5000"/>
+    </mc:Choice>
+    <mc:Fallback xmlns="">
+      <p:transition spd="slow" advClick="0" advTm="5000"/>
+    </mc:Fallback>
+  </mc:AlternateContent>
+  <p:timing>
+    <p:tnLst>
+      <p:par>
+        <p:cTn id="1" dur="indefinite" restart="never" nodeType="tmRoot">
+          <p:childTnLst>
+            <p:seq concurrent="1" nextAc="seek">
+              <p:cTn id="2" dur="indefinite" nodeType="mainSeq">
+                <p:childTnLst>
+                  <p:par>
+                    <p:cTn id="3" fill="hold">
+                      <p:stCondLst>
+                        <p:cond delay="indefinite"/>
+                      </p:stCondLst>
+                      <p:childTnLst>
+                        <p:par>
+                          <p:cTn id="4" fill="hold">
+                            <p:stCondLst>
+                              <p:cond delay="0"/>
+                            </p:stCondLst>
+                            <p:childTnLst>
+                              <p:par>
+                                <p:cTn id="5" presetID="1" presetClass="entr" presetSubtype="0" fill="hold" nodeType="clickEffect">
+                                  <p:stCondLst>
+                                    <p:cond delay="0"/>
+                                  </p:stCondLst>
+                                  <p:childTnLst>
+                                    <p:set>
+                                      <p:cBhvr>
+                                        <p:cTn id="6" dur="1" fill="hold">
+                                          <p:stCondLst>
+                                            <p:cond delay="0"/>
+                                          </p:stCondLst>
+                                        </p:cTn>
+                                        <p:tgtEl>
+                                          <p:spTgt spid="6146"/>
+                                        </p:tgtEl>
+                                        <p:attrNameLst>
+                                          <p:attrName>style.visibility</p:attrName>
+                                        </p:attrNameLst>
+                                      </p:cBhvr>
+                                      <p:to>
+                                        <p:strVal val="visible"/>
+                                      </p:to>
+                                    </p:set>
+                                  </p:childTnLst>
+                                </p:cTn>
+                              </p:par>
+                            </p:childTnLst>
+                          </p:cTn>
+                        </p:par>
+                      </p:childTnLst>
+                    </p:cTn>
+                  </p:par>
+                  <p:par>
+                    <p:cTn id="7" fill="hold">
+                      <p:stCondLst>
+                        <p:cond delay="indefinite"/>
+                      </p:stCondLst>
+                      <p:childTnLst>
+                        <p:par>
+                          <p:cTn id="8" fill="hold">
+                            <p:stCondLst>
+                              <p:cond delay="0"/>
+                            </p:stCondLst>
+                            <p:childTnLst>
+                              <p:par>
+                                <p:cTn id="9" presetID="1" presetClass="entr" presetSubtype="0" fill="hold" nodeType="clickEffect">
+                                  <p:stCondLst>
+                                    <p:cond delay="0"/>
+                                  </p:stCondLst>
+                                  <p:childTnLst>
+                                    <p:set>
+                                      <p:cBhvr>
+                                        <p:cTn id="10" dur="1" fill="hold">
+                                          <p:stCondLst>
+                                            <p:cond delay="0"/>
+                                          </p:stCondLst>
+                                        </p:cTn>
+                                        <p:tgtEl>
+                                          <p:spTgt spid="3">
+                                            <p:txEl>
+                                              <p:pRg st="1" end="1"/>
+                                            </p:txEl>
+                                          </p:spTgt>
+                                        </p:tgtEl>
+                                        <p:attrNameLst>
+                                          <p:attrName>style.visibility</p:attrName>
+                                        </p:attrNameLst>
+                                      </p:cBhvr>
+                                      <p:to>
+                                        <p:strVal val="visible"/>
+                                      </p:to>
+                                    </p:set>
+                                  </p:childTnLst>
+                                </p:cTn>
+                              </p:par>
+                            </p:childTnLst>
+                          </p:cTn>
+                        </p:par>
+                      </p:childTnLst>
+                    </p:cTn>
+                  </p:par>
+                  <p:par>
+                    <p:cTn id="11" fill="hold">
+                      <p:stCondLst>
+                        <p:cond delay="indefinite"/>
+                      </p:stCondLst>
+                      <p:childTnLst>
+                        <p:par>
+                          <p:cTn id="12" fill="hold">
+                            <p:stCondLst>
+                              <p:cond delay="0"/>
+                            </p:stCondLst>
+                            <p:childTnLst>
+                              <p:par>
+                                <p:cTn id="13" presetID="1" presetClass="entr" presetSubtype="0" fill="hold" nodeType="clickEffect">
+                                  <p:stCondLst>
+                                    <p:cond delay="0"/>
+                                  </p:stCondLst>
+                                  <p:childTnLst>
+                                    <p:set>
+                                      <p:cBhvr>
+                                        <p:cTn id="14" dur="1" fill="hold">
+                                          <p:stCondLst>
+                                            <p:cond delay="0"/>
+                                          </p:stCondLst>
+                                        </p:cTn>
+                                        <p:tgtEl>
+                                          <p:spTgt spid="6148"/>
+                                        </p:tgtEl>
+                                        <p:attrNameLst>
+                                          <p:attrName>style.visibility</p:attrName>
+                                        </p:attrNameLst>
+                                      </p:cBhvr>
+                                      <p:to>
+                                        <p:strVal val="visible"/>
+                                      </p:to>
+                                    </p:set>
+                                  </p:childTnLst>
+                                </p:cTn>
+                              </p:par>
+                            </p:childTnLst>
+                          </p:cTn>
+                        </p:par>
+                      </p:childTnLst>
+                    </p:cTn>
+                  </p:par>
+                </p:childTnLst>
+              </p:cTn>
+              <p:prevCondLst>
+                <p:cond evt="onPrev" delay="0">
+                  <p:tgtEl>
+                    <p:sldTgt/>
+                  </p:tgtEl>
+                </p:cond>
+              </p:prevCondLst>
+              <p:nextCondLst>
+                <p:cond evt="onNext" delay="0">
+                  <p:tgtEl>
+                    <p:sldTgt/>
+                  </p:tgtEl>
+                </p:cond>
+              </p:nextCondLst>
+            </p:seq>
+          </p:childTnLst>
+        </p:cTn>
+      </p:par>
+    </p:tnLst>
+  </p:timing>
+</p:sld>
+</file>
+
+<file path=ppt/slides/slide9.xml><?xml version="1.0" encoding="utf-8"?>
+<p:sld xmlns:a="http://schemas.openxmlformats.org/drawingml/2006/main" xmlns:r="http://schemas.openxmlformats.org/officeDocument/2006/relationships" xmlns:p="http://schemas.openxmlformats.org/presentationml/2006/main">
+  <p:cSld>
+    <p:spTree>
+      <p:nvGrpSpPr>
+        <p:cNvPr id="1" name=""/>
+        <p:cNvGrpSpPr/>
+        <p:nvPr/>
+      </p:nvGrpSpPr>
+      <p:grpSpPr>
+        <a:xfrm>
+          <a:off x="0" y="0"/>
+          <a:ext cx="0" cy="0"/>
+          <a:chOff x="0" y="0"/>
+          <a:chExt cx="0" cy="0"/>
+        </a:xfrm>
+      </p:grpSpPr>
+      <p:sp>
+        <p:nvSpPr>
+          <p:cNvPr id="2" name="Slide Number Placeholder 1"/>
+          <p:cNvSpPr>
+            <a:spLocks noGrp="1"/>
+          </p:cNvSpPr>
+          <p:nvPr>
+            <p:ph type="sldNum" sz="quarter" idx="5"/>
+          </p:nvPr>
+        </p:nvSpPr>
+        <p:spPr/>
+        <p:txBody>
+          <a:bodyPr/>
+          <a:lstStyle/>
+          <a:p>
+            <a:fld id="{2BF067CD-8E6B-4360-9AA8-C5DF2A48A6D1}" type="slidenum">
+              <a:rPr lang="en-US" noProof="0" smtClean="0"/>
+              <a:pPr/>
+              <a:t>9</a:t>
+            </a:fld>
+            <a:endParaRPr lang="en-US" noProof="0" dirty="0"/>
+          </a:p>
+        </p:txBody>
+      </p:sp>
+      <p:sp>
+        <p:nvSpPr>
+          <p:cNvPr id="3" name="Text Placeholder 2"/>
+          <p:cNvSpPr>
+            <a:spLocks noGrp="1"/>
+          </p:cNvSpPr>
+          <p:nvPr>
+            <p:ph type="body" sz="quarter" idx="10"/>
+          </p:nvPr>
+        </p:nvSpPr>
+        <p:spPr/>
+        <p:txBody>
+          <a:bodyPr/>
+          <a:lstStyle/>
+          <a:p>
+            <a:r>
+              <a:rPr lang="bg-BG" b="1" dirty="0" smtClean="0"/>
+              <a:t>͏</a:t>
+            </a:r>
+            <a:r>
+              <a:rPr lang="bg-BG" b="1" dirty="0" smtClean="0">
+                <a:solidFill>
+                  <a:schemeClr val="bg1"/>
+                </a:solidFill>
+              </a:rPr>
+              <a:t>Интернет телефония </a:t>
+            </a:r>
+            <a:r>
+              <a:rPr lang="bg-BG" dirty="0" smtClean="0"/>
+              <a:t>(</a:t>
+            </a:r>
+            <a:r>
+              <a:rPr lang="en-US" b="1" dirty="0">
+                <a:solidFill>
+                  <a:schemeClr val="bg1"/>
+                </a:solidFill>
+              </a:rPr>
+              <a:t>V</a:t>
+            </a:r>
+            <a:r>
+              <a:rPr lang="en-US" dirty="0"/>
+              <a:t>oice </a:t>
+            </a:r>
+            <a:r>
+              <a:rPr lang="en-US" b="1" dirty="0">
+                <a:solidFill>
+                  <a:schemeClr val="bg1"/>
+                </a:solidFill>
+              </a:rPr>
+              <a:t>o</a:t>
+            </a:r>
+            <a:r>
+              <a:rPr lang="en-US" dirty="0"/>
+              <a:t>ver </a:t>
+            </a:r>
+            <a:r>
+              <a:rPr lang="en-US" b="1" dirty="0">
+                <a:solidFill>
+                  <a:schemeClr val="bg1"/>
+                </a:solidFill>
+              </a:rPr>
+              <a:t>I</a:t>
+            </a:r>
+            <a:r>
+              <a:rPr lang="en-US" dirty="0"/>
+              <a:t>nternet </a:t>
+            </a:r>
+            <a:r>
+              <a:rPr lang="en-US" b="1" dirty="0">
+                <a:solidFill>
+                  <a:schemeClr val="bg1"/>
+                </a:solidFill>
+              </a:rPr>
+              <a:t>P</a:t>
+            </a:r>
+            <a:r>
+              <a:rPr lang="en-US" dirty="0"/>
+              <a:t>rotocol</a:t>
+            </a:r>
+            <a:r>
+              <a:rPr lang="bg-BG" dirty="0" smtClean="0"/>
+              <a:t>)</a:t>
+            </a:r>
+            <a:r>
+              <a:rPr lang="en-US" dirty="0" smtClean="0"/>
+              <a:t> – </a:t>
+            </a:r>
+            <a:r>
+              <a:rPr lang="ru-RU" dirty="0" smtClean="0"/>
+              <a:t>технология</a:t>
+            </a:r>
+            <a:r>
+              <a:rPr lang="ru-RU" dirty="0"/>
+              <a:t>, която позволява </a:t>
+            </a:r>
+            <a:r>
+              <a:rPr lang="ru-RU" b="1" dirty="0"/>
+              <a:t>пренасянето</a:t>
+            </a:r>
+            <a:r>
+              <a:rPr lang="ru-RU" dirty="0"/>
+              <a:t> на </a:t>
+            </a:r>
+            <a:r>
+              <a:rPr lang="ru-RU" b="1" dirty="0"/>
+              <a:t>глас</a:t>
+            </a:r>
+            <a:r>
+              <a:rPr lang="ru-RU" dirty="0"/>
+              <a:t> </a:t>
+            </a:r>
+            <a:r>
+              <a:rPr lang="ru-RU" dirty="0" smtClean="0"/>
+              <a:t>благодарение </a:t>
+            </a:r>
+            <a:r>
+              <a:rPr lang="ru-RU" dirty="0"/>
+              <a:t>на </a:t>
+            </a:r>
+            <a:r>
+              <a:rPr lang="ru-RU" b="1" dirty="0"/>
+              <a:t>инфраструктурата</a:t>
+            </a:r>
+            <a:r>
+              <a:rPr lang="ru-RU" dirty="0"/>
+              <a:t> на </a:t>
+            </a:r>
+            <a:r>
+              <a:rPr lang="ru-RU" b="1" dirty="0" smtClean="0"/>
+              <a:t>интернет</a:t>
+            </a:r>
+            <a:endParaRPr lang="en-US" b="1" dirty="0" smtClean="0"/>
+          </a:p>
+          <a:p>
+            <a:pPr lvl="1"/>
+            <a:r>
+              <a:rPr lang="bg-BG" dirty="0" smtClean="0"/>
+              <a:t>Съществува и </a:t>
+            </a:r>
+            <a:r>
+              <a:rPr lang="en-US" b="1" dirty="0" smtClean="0"/>
+              <a:t>mVoIP</a:t>
+            </a:r>
+            <a:r>
+              <a:rPr lang="en-US" dirty="0" smtClean="0"/>
+              <a:t> </a:t>
+            </a:r>
+            <a:r>
+              <a:rPr lang="en-US" dirty="0" smtClean="0"/>
+              <a:t>(</a:t>
+            </a:r>
+            <a:r>
+              <a:rPr lang="en-US" b="1" dirty="0">
+                <a:solidFill>
+                  <a:schemeClr val="bg1"/>
+                </a:solidFill>
+              </a:rPr>
+              <a:t>m</a:t>
+            </a:r>
+            <a:r>
+              <a:rPr lang="en-US" dirty="0" smtClean="0"/>
+              <a:t>obile </a:t>
+            </a:r>
+            <a:r>
+              <a:rPr lang="en-US" b="1" dirty="0">
+                <a:solidFill>
+                  <a:schemeClr val="bg1"/>
+                </a:solidFill>
+              </a:rPr>
+              <a:t>VoIP</a:t>
+            </a:r>
+            <a:r>
+              <a:rPr lang="en-US" dirty="0" smtClean="0"/>
+              <a:t>) </a:t>
+            </a:r>
+            <a:r>
+              <a:rPr lang="bg-BG" dirty="0" smtClean="0"/>
+              <a:t>технология, която използва </a:t>
+            </a:r>
+            <a:r>
+              <a:rPr lang="bg-BG" b="1" dirty="0" smtClean="0"/>
+              <a:t>мобилните устройства </a:t>
+            </a:r>
+            <a:r>
+              <a:rPr lang="bg-BG" dirty="0" smtClean="0"/>
+              <a:t>– смартфони, таблети и т.н.</a:t>
+            </a:r>
+          </a:p>
+        </p:txBody>
+      </p:sp>
+      <p:sp>
+        <p:nvSpPr>
+          <p:cNvPr id="4" name="Title 3"/>
+          <p:cNvSpPr>
+            <a:spLocks noGrp="1"/>
+          </p:cNvSpPr>
+          <p:nvPr>
+            <p:ph type="title"/>
+          </p:nvPr>
+        </p:nvSpPr>
+        <p:spPr/>
+        <p:txBody>
+          <a:bodyPr/>
+          <a:lstStyle/>
+          <a:p>
+            <a:r>
+              <a:rPr lang="bg-BG" dirty="0" smtClean="0"/>
+              <a:t>Интернет телефония</a:t>
+            </a:r>
+            <a:r>
+              <a:rPr lang="en-US" dirty="0" smtClean="0"/>
+              <a:t> </a:t>
+            </a:r>
+            <a:r>
+              <a:rPr lang="en-US" dirty="0" smtClean="0"/>
+              <a:t>(VoIP)</a:t>
+            </a:r>
+            <a:endParaRPr lang="en-US" dirty="0"/>
+          </a:p>
+        </p:txBody>
+      </p:sp>
+      <p:pic>
+        <p:nvPicPr>
+          <p:cNvPr id="6" name="Picture 5"/>
+          <p:cNvPicPr>
+            <a:picLocks noChangeAspect="1"/>
+          </p:cNvPicPr>
+          <p:nvPr/>
+        </p:nvPicPr>
+        <p:blipFill>
+          <a:blip r:embed="rId2">
+            <a:extLst>
+              <a:ext uri="{28A0092B-C50C-407E-A947-70E740481C1C}">
+                <a14:useLocalDpi xmlns:a14="http://schemas.microsoft.com/office/drawing/2010/main" val="0"/>
+              </a:ext>
+            </a:extLst>
+          </a:blip>
+          <a:stretch>
+            <a:fillRect/>
+          </a:stretch>
+        </p:blipFill>
+        <p:spPr>
+          <a:xfrm>
+            <a:off x="3081000" y="4247878"/>
+            <a:ext cx="2150096" cy="2493000"/>
+          </a:xfrm>
+          <a:prstGeom prst="rect">
+            <a:avLst/>
+          </a:prstGeom>
+        </p:spPr>
+      </p:pic>
+      <p:pic>
+        <p:nvPicPr>
+          <p:cNvPr id="1026" name="Picture 2" descr="https://upload.wikimedia.org/wikipedia/commons/thumb/3/33/Cisco_7960_IP_Phone.JPG/220px-Cisco_7960_IP_Phone.JPG"/>
+          <p:cNvPicPr>
+            <a:picLocks noChangeAspect="1" noChangeArrowheads="1"/>
+          </p:cNvPicPr>
+          <p:nvPr/>
+        </p:nvPicPr>
+        <p:blipFill>
+          <a:blip r:embed="rId3">
+            <a:extLst>
+              <a:ext uri="{28A0092B-C50C-407E-A947-70E740481C1C}">
+                <a14:useLocalDpi xmlns:a14="http://schemas.microsoft.com/office/drawing/2010/main" val="0"/>
+              </a:ext>
+            </a:extLst>
+          </a:blip>
+          <a:srcRect/>
+          <a:stretch>
+            <a:fillRect/>
+          </a:stretch>
+        </p:blipFill>
+        <p:spPr bwMode="auto">
+          <a:xfrm>
+            <a:off x="6276000" y="4404815"/>
+            <a:ext cx="2905500" cy="2179126"/>
+          </a:xfrm>
+          <a:prstGeom prst="rect">
+            <a:avLst/>
+          </a:prstGeom>
+          <a:noFill/>
+          <a:ln>
+            <a:solidFill>
+              <a:schemeClr val="bg2">
+                <a:lumMod val="75000"/>
+              </a:schemeClr>
+            </a:solidFill>
+          </a:ln>
+          <a:extLst>
+            <a:ext uri="{909E8E84-426E-40DD-AFC4-6F175D3DCCD1}">
+              <a14:hiddenFill xmlns:a14="http://schemas.microsoft.com/office/drawing/2010/main">
+                <a:solidFill>
+                  <a:srgbClr val="FFFFFF"/>
+                </a:solidFill>
+              </a14:hiddenFill>
+            </a:ext>
+          </a:extLst>
+        </p:spPr>
+      </p:pic>
+    </p:spTree>
+    <p:extLst>
+      <p:ext uri="{BB962C8B-B14F-4D97-AF65-F5344CB8AC3E}">
+        <p14:creationId xmlns:p14="http://schemas.microsoft.com/office/powerpoint/2010/main" val="3630292162"/>
+      </p:ext>
+    </p:extLst>
+  </p:cSld>
+  <p:clrMapOvr>
+    <a:masterClrMapping/>
+  </p:clrMapOvr>
+  <mc:AlternateContent xmlns:mc="http://schemas.openxmlformats.org/markup-compatibility/2006" xmlns:p14="http://schemas.microsoft.com/office/powerpoint/2010/main">
+    <mc:Choice Requires="p14">
+      <p:transition spd="slow" p14:dur="2000" advClick="0" advTm="5000"/>
+    </mc:Choice>
+    <mc:Fallback xmlns="">
+      <p:transition spd="slow" advClick="0" advTm="5000"/>
+    </mc:Fallback>
+  </mc:AlternateContent>
+  <p:timing>
+    <p:tnLst>
+      <p:par>
+        <p:cTn id="1" dur="indefinite" restart="never" nodeType="tmRoot">
+          <p:childTnLst>
+            <p:seq concurrent="1" nextAc="seek">
+              <p:cTn id="2" dur="indefinite" nodeType="mainSeq">
+                <p:childTnLst>
+                  <p:par>
+                    <p:cTn id="3" fill="hold">
+                      <p:stCondLst>
+                        <p:cond delay="indefinite"/>
+                      </p:stCondLst>
+                      <p:childTnLst>
+                        <p:par>
+                          <p:cTn id="4" fill="hold">
+                            <p:stCondLst>
+                              <p:cond delay="0"/>
+                            </p:stCondLst>
+                            <p:childTnLst>
+                              <p:par>
+                                <p:cTn id="5" presetID="1" presetClass="entr" presetSubtype="0" fill="hold" nodeType="clickEffect">
+                                  <p:stCondLst>
+                                    <p:cond delay="0"/>
+                                  </p:stCondLst>
+                                  <p:childTnLst>
+                                    <p:set>
+                                      <p:cBhvr>
+                                        <p:cTn id="6" dur="1" fill="hold">
+                                          <p:stCondLst>
+                                            <p:cond delay="0"/>
+                                          </p:stCondLst>
+                                        </p:cTn>
+                                        <p:tgtEl>
+                                          <p:spTgt spid="3">
+                                            <p:txEl>
+                                              <p:pRg st="1" end="1"/>
+                                            </p:txEl>
+                                          </p:spTgt>
+                                        </p:tgtEl>
+                                        <p:attrNameLst>
+                                          <p:attrName>style.visibility</p:attrName>
+                                        </p:attrNameLst>
+                                      </p:cBhvr>
+                                      <p:to>
+                                        <p:strVal val="visible"/>
+                                      </p:to>
+                                    </p:set>
+                                  </p:childTnLst>
+                                </p:cTn>
+                              </p:par>
+                            </p:childTnLst>
+                          </p:cTn>
+                        </p:par>
+                      </p:childTnLst>
+                    </p:cTn>
+                  </p:par>
+                  <p:par>
+                    <p:cTn id="7" fill="hold">
+                      <p:stCondLst>
+                        <p:cond delay="indefinite"/>
+                      </p:stCondLst>
+                      <p:childTnLst>
+                        <p:par>
+                          <p:cTn id="8" fill="hold">
+                            <p:stCondLst>
+                              <p:cond delay="0"/>
+                            </p:stCondLst>
+                            <p:childTnLst>
+                              <p:par>
+                                <p:cTn id="9" presetID="1" presetClass="entr" presetSubtype="0" fill="hold" nodeType="clickEffect">
+                                  <p:stCondLst>
+                                    <p:cond delay="0"/>
+                                  </p:stCondLst>
+                                  <p:childTnLst>
+                                    <p:set>
+                                      <p:cBhvr>
+                                        <p:cTn id="10" dur="1" fill="hold">
+                                          <p:stCondLst>
+                                            <p:cond delay="0"/>
+                                          </p:stCondLst>
+                                        </p:cTn>
+                                        <p:tgtEl>
+                                          <p:spTgt spid="6"/>
+                                        </p:tgtEl>
+                                        <p:attrNameLst>
+                                          <p:attrName>style.visibility</p:attrName>
+                                        </p:attrNameLst>
+                                      </p:cBhvr>
+                                      <p:to>
+                                        <p:strVal val="visible"/>
+                                      </p:to>
+                                    </p:set>
+                                  </p:childTnLst>
+                                </p:cTn>
+                              </p:par>
+                            </p:childTnLst>
+                          </p:cTn>
+                        </p:par>
+                      </p:childTnLst>
+                    </p:cTn>
+                  </p:par>
+                  <p:par>
+                    <p:cTn id="11" fill="hold">
+                      <p:stCondLst>
+                        <p:cond delay="indefinite"/>
+                      </p:stCondLst>
+                      <p:childTnLst>
+                        <p:par>
+                          <p:cTn id="12" fill="hold">
+                            <p:stCondLst>
+                              <p:cond delay="0"/>
+                            </p:stCondLst>
+                            <p:childTnLst>
+                              <p:par>
+                                <p:cTn id="13" presetID="1" presetClass="entr" presetSubtype="0" fill="hold" nodeType="clickEffect">
+                                  <p:stCondLst>
+                                    <p:cond delay="0"/>
+                                  </p:stCondLst>
+                                  <p:childTnLst>
+                                    <p:set>
+                                      <p:cBhvr>
+                                        <p:cTn id="14" dur="1" fill="hold">
+                                          <p:stCondLst>
+                                            <p:cond delay="0"/>
+                                          </p:stCondLst>
+                                        </p:cTn>
+                                        <p:tgtEl>
+                                          <p:spTgt spid="1026"/>
                                         </p:tgtEl>
                                         <p:attrNameLst>
                                           <p:attrName>style.visibility</p:attrName>
